--- a/DKShepherd - Python Class Project.pptx
+++ b/DKShepherd - Python Class Project.pptx
@@ -21,6 +21,7 @@
     <p:sldId id="266" r:id="rId16"/>
     <p:sldId id="267" r:id="rId17"/>
     <p:sldId id="268" r:id="rId18"/>
+    <p:sldId id="269" r:id="rId19"/>
   </p:sldIdLst>
   <p:sldSz cy="5143500" cx="9144000"/>
   <p:notesSz cx="6858000" cy="9144000"/>
@@ -802,7 +803,7 @@
   <p:cSld>
     <p:spTree>
       <p:nvGrpSpPr>
-        <p:cNvPr id="105" name="Shape 105"/>
+        <p:cNvPr id="124" name="Shape 124"/>
         <p:cNvGrpSpPr/>
         <p:nvPr/>
       </p:nvGrpSpPr>
@@ -816,7 +817,7 @@
       </p:grpSpPr>
       <p:sp>
         <p:nvSpPr>
-          <p:cNvPr id="106" name="Google Shape;106;gb9974a5968_0_32:notes"/>
+          <p:cNvPr id="125" name="Google Shape;125;gb9974a5968_0_39:notes"/>
           <p:cNvSpPr/>
           <p:nvPr>
             <p:ph idx="2" type="sldImg"/>
@@ -851,7 +852,7 @@
       </p:sp>
       <p:sp>
         <p:nvSpPr>
-          <p:cNvPr id="107" name="Google Shape;107;gb9974a5968_0_32:notes"/>
+          <p:cNvPr id="126" name="Google Shape;126;gb9974a5968_0_39:notes"/>
           <p:cNvSpPr txBox="1"/>
           <p:nvPr>
             <p:ph idx="1" type="body"/>
@@ -901,7 +902,7 @@
   <p:cSld>
     <p:spTree>
       <p:nvGrpSpPr>
-        <p:cNvPr id="112" name="Shape 112"/>
+        <p:cNvPr id="131" name="Shape 131"/>
         <p:cNvGrpSpPr/>
         <p:nvPr/>
       </p:nvGrpSpPr>
@@ -915,7 +916,7 @@
       </p:grpSpPr>
       <p:sp>
         <p:nvSpPr>
-          <p:cNvPr id="113" name="Google Shape;113;gb9974a5968_0_39:notes"/>
+          <p:cNvPr id="132" name="Google Shape;132;gb9974a5968_0_48:notes"/>
           <p:cNvSpPr/>
           <p:nvPr>
             <p:ph idx="2" type="sldImg"/>
@@ -950,7 +951,7 @@
       </p:sp>
       <p:sp>
         <p:nvSpPr>
-          <p:cNvPr id="114" name="Google Shape;114;gb9974a5968_0_39:notes"/>
+          <p:cNvPr id="133" name="Google Shape;133;gb9974a5968_0_48:notes"/>
           <p:cNvSpPr txBox="1"/>
           <p:nvPr>
             <p:ph idx="1" type="body"/>
@@ -1000,7 +1001,7 @@
   <p:cSld>
     <p:spTree>
       <p:nvGrpSpPr>
-        <p:cNvPr id="119" name="Shape 119"/>
+        <p:cNvPr id="138" name="Shape 138"/>
         <p:cNvGrpSpPr/>
         <p:nvPr/>
       </p:nvGrpSpPr>
@@ -1014,7 +1015,7 @@
       </p:grpSpPr>
       <p:sp>
         <p:nvSpPr>
-          <p:cNvPr id="120" name="Google Shape;120;gb9974a5968_0_48:notes"/>
+          <p:cNvPr id="139" name="Google Shape;139;gb9974a5968_0_54:notes"/>
           <p:cNvSpPr/>
           <p:nvPr>
             <p:ph idx="2" type="sldImg"/>
@@ -1049,7 +1050,7 @@
       </p:sp>
       <p:sp>
         <p:nvSpPr>
-          <p:cNvPr id="121" name="Google Shape;121;gb9974a5968_0_48:notes"/>
+          <p:cNvPr id="140" name="Google Shape;140;gb9974a5968_0_54:notes"/>
           <p:cNvSpPr txBox="1"/>
           <p:nvPr>
             <p:ph idx="1" type="body"/>
@@ -1099,7 +1100,7 @@
   <p:cSld>
     <p:spTree>
       <p:nvGrpSpPr>
-        <p:cNvPr id="126" name="Shape 126"/>
+        <p:cNvPr id="145" name="Shape 145"/>
         <p:cNvGrpSpPr/>
         <p:nvPr/>
       </p:nvGrpSpPr>
@@ -1113,7 +1114,7 @@
       </p:grpSpPr>
       <p:sp>
         <p:nvSpPr>
-          <p:cNvPr id="127" name="Google Shape;127;gb9974a5968_0_54:notes"/>
+          <p:cNvPr id="146" name="Google Shape;146;gb59e80128a_0_0:notes"/>
           <p:cNvSpPr/>
           <p:nvPr>
             <p:ph idx="2" type="sldImg"/>
@@ -1148,7 +1149,106 @@
       </p:sp>
       <p:sp>
         <p:nvSpPr>
-          <p:cNvPr id="128" name="Google Shape;128;gb9974a5968_0_54:notes"/>
+          <p:cNvPr id="147" name="Google Shape;147;gb59e80128a_0_0:notes"/>
+          <p:cNvSpPr txBox="1"/>
+          <p:nvPr>
+            <p:ph idx="1" type="body"/>
+          </p:nvPr>
+        </p:nvSpPr>
+        <p:spPr>
+          <a:xfrm>
+            <a:off x="685800" y="4343400"/>
+            <a:ext cx="5486400" cy="4114800"/>
+          </a:xfrm>
+          <a:prstGeom prst="rect">
+            <a:avLst/>
+          </a:prstGeom>
+        </p:spPr>
+        <p:txBody>
+          <a:bodyPr anchorCtr="0" anchor="t" bIns="91425" lIns="91425" spcFirstLastPara="1" rIns="91425" wrap="square" tIns="91425">
+            <a:noAutofit/>
+          </a:bodyPr>
+          <a:lstStyle/>
+          <a:p>
+            <a:pPr indent="0" lvl="0" marL="0" rtl="0" algn="l">
+              <a:spcBef>
+                <a:spcPts val="0"/>
+              </a:spcBef>
+              <a:spcAft>
+                <a:spcPts val="0"/>
+              </a:spcAft>
+              <a:buNone/>
+            </a:pPr>
+            <a:r>
+              <a:t/>
+            </a:r>
+            <a:endParaRPr/>
+          </a:p>
+        </p:txBody>
+      </p:sp>
+    </p:spTree>
+  </p:cSld>
+  <p:clrMapOvr>
+    <a:masterClrMapping/>
+  </p:clrMapOvr>
+</p:notes>
+</file>
+
+<file path=ppt/notesSlides/notesSlide14.xml><?xml version="1.0" encoding="utf-8"?>
+<p:notes xmlns:a="http://schemas.openxmlformats.org/drawingml/2006/main" xmlns:r="http://schemas.openxmlformats.org/officeDocument/2006/relationships" xmlns:mc="http://schemas.openxmlformats.org/markup-compatibility/2006" xmlns:mv="urn:schemas-microsoft-com:mac:vml" xmlns:p="http://schemas.openxmlformats.org/presentationml/2006/main" xmlns:c="http://schemas.openxmlformats.org/drawingml/2006/chart" xmlns:dgm="http://schemas.openxmlformats.org/drawingml/2006/diagram" xmlns:o="urn:schemas-microsoft-com:office:office" xmlns:v="urn:schemas-microsoft-com:vml" xmlns:pvml="urn:schemas-microsoft-com:office:powerpoint" xmlns:com="http://schemas.openxmlformats.org/drawingml/2006/compatibility" xmlns:p14="http://schemas.microsoft.com/office/powerpoint/2010/main" xmlns:p15="http://schemas.microsoft.com/office/powerpoint/2012/main" xmlns:ahyp="http://schemas.microsoft.com/office/drawing/2018/hyperlinkcolor" showMasterPhAnim="0" showMasterSp="0">
+  <p:cSld>
+    <p:spTree>
+      <p:nvGrpSpPr>
+        <p:cNvPr id="151" name="Shape 151"/>
+        <p:cNvGrpSpPr/>
+        <p:nvPr/>
+      </p:nvGrpSpPr>
+      <p:grpSpPr>
+        <a:xfrm>
+          <a:off x="0" y="0"/>
+          <a:ext cx="0" cy="0"/>
+          <a:chOff x="0" y="0"/>
+          <a:chExt cx="0" cy="0"/>
+        </a:xfrm>
+      </p:grpSpPr>
+      <p:sp>
+        <p:nvSpPr>
+          <p:cNvPr id="152" name="Google Shape;152;gb59e80128a_0_5:notes"/>
+          <p:cNvSpPr/>
+          <p:nvPr>
+            <p:ph idx="2" type="sldImg"/>
+          </p:nvPr>
+        </p:nvSpPr>
+        <p:spPr>
+          <a:xfrm>
+            <a:off x="381300" y="685800"/>
+            <a:ext cx="6096000" cy="3429000"/>
+          </a:xfrm>
+          <a:custGeom>
+            <a:rect b="b" l="l" r="r" t="t"/>
+            <a:pathLst>
+              <a:path extrusionOk="0" h="120000" w="120000">
+                <a:moveTo>
+                  <a:pt x="0" y="0"/>
+                </a:moveTo>
+                <a:lnTo>
+                  <a:pt x="120000" y="0"/>
+                </a:lnTo>
+                <a:lnTo>
+                  <a:pt x="120000" y="120000"/>
+                </a:lnTo>
+                <a:lnTo>
+                  <a:pt x="0" y="120000"/>
+                </a:lnTo>
+                <a:close/>
+              </a:path>
+            </a:pathLst>
+          </a:custGeom>
+        </p:spPr>
+      </p:sp>
+      <p:sp>
+        <p:nvSpPr>
+          <p:cNvPr id="153" name="Google Shape;153;gb59e80128a_0_5:notes"/>
           <p:cNvSpPr txBox="1"/>
           <p:nvPr>
             <p:ph idx="1" type="body"/>
@@ -1212,7 +1312,7 @@
       </p:grpSpPr>
       <p:sp>
         <p:nvSpPr>
-          <p:cNvPr id="57" name="Google Shape;57;gb59e80128a_0_0:notes"/>
+          <p:cNvPr id="57" name="Google Shape;57;gb9a654999b_0_23:notes"/>
           <p:cNvSpPr/>
           <p:nvPr>
             <p:ph idx="2" type="sldImg"/>
@@ -1247,7 +1347,7 @@
       </p:sp>
       <p:sp>
         <p:nvSpPr>
-          <p:cNvPr id="58" name="Google Shape;58;gb59e80128a_0_0:notes"/>
+          <p:cNvPr id="58" name="Google Shape;58;gb9a654999b_0_23:notes"/>
           <p:cNvSpPr txBox="1"/>
           <p:nvPr>
             <p:ph idx="1" type="body"/>
@@ -1297,7 +1397,7 @@
   <p:cSld>
     <p:spTree>
       <p:nvGrpSpPr>
-        <p:cNvPr id="62" name="Shape 62"/>
+        <p:cNvPr id="80" name="Shape 80"/>
         <p:cNvGrpSpPr/>
         <p:nvPr/>
       </p:nvGrpSpPr>
@@ -1311,7 +1411,7 @@
       </p:grpSpPr>
       <p:sp>
         <p:nvSpPr>
-          <p:cNvPr id="63" name="Google Shape;63;gb59e80128a_0_5:notes"/>
+          <p:cNvPr id="81" name="Google Shape;81;gb9974a5968_0_0:notes"/>
           <p:cNvSpPr/>
           <p:nvPr>
             <p:ph idx="2" type="sldImg"/>
@@ -1346,7 +1446,7 @@
       </p:sp>
       <p:sp>
         <p:nvSpPr>
-          <p:cNvPr id="64" name="Google Shape;64;gb59e80128a_0_5:notes"/>
+          <p:cNvPr id="82" name="Google Shape;82;gb9974a5968_0_0:notes"/>
           <p:cNvSpPr txBox="1"/>
           <p:nvPr>
             <p:ph idx="1" type="body"/>
@@ -1396,7 +1496,7 @@
   <p:cSld>
     <p:spTree>
       <p:nvGrpSpPr>
-        <p:cNvPr id="68" name="Shape 68"/>
+        <p:cNvPr id="86" name="Shape 86"/>
         <p:cNvGrpSpPr/>
         <p:nvPr/>
       </p:nvGrpSpPr>
@@ -1410,7 +1510,7 @@
       </p:grpSpPr>
       <p:sp>
         <p:nvSpPr>
-          <p:cNvPr id="69" name="Google Shape;69;gb9974a5968_0_0:notes"/>
+          <p:cNvPr id="87" name="Google Shape;87;gb9974a5968_0_5:notes"/>
           <p:cNvSpPr/>
           <p:nvPr>
             <p:ph idx="2" type="sldImg"/>
@@ -1445,7 +1545,7 @@
       </p:sp>
       <p:sp>
         <p:nvSpPr>
-          <p:cNvPr id="70" name="Google Shape;70;gb9974a5968_0_0:notes"/>
+          <p:cNvPr id="88" name="Google Shape;88;gb9974a5968_0_5:notes"/>
           <p:cNvSpPr txBox="1"/>
           <p:nvPr>
             <p:ph idx="1" type="body"/>
@@ -1495,7 +1595,7 @@
   <p:cSld>
     <p:spTree>
       <p:nvGrpSpPr>
-        <p:cNvPr id="74" name="Shape 74"/>
+        <p:cNvPr id="92" name="Shape 92"/>
         <p:cNvGrpSpPr/>
         <p:nvPr/>
       </p:nvGrpSpPr>
@@ -1509,7 +1609,7 @@
       </p:grpSpPr>
       <p:sp>
         <p:nvSpPr>
-          <p:cNvPr id="75" name="Google Shape;75;gb9974a5968_0_5:notes"/>
+          <p:cNvPr id="93" name="Google Shape;93;gb9974a5968_0_10:notes"/>
           <p:cNvSpPr/>
           <p:nvPr>
             <p:ph idx="2" type="sldImg"/>
@@ -1544,7 +1644,7 @@
       </p:sp>
       <p:sp>
         <p:nvSpPr>
-          <p:cNvPr id="76" name="Google Shape;76;gb9974a5968_0_5:notes"/>
+          <p:cNvPr id="94" name="Google Shape;94;gb9974a5968_0_10:notes"/>
           <p:cNvSpPr txBox="1"/>
           <p:nvPr>
             <p:ph idx="1" type="body"/>
@@ -1594,7 +1694,7 @@
   <p:cSld>
     <p:spTree>
       <p:nvGrpSpPr>
-        <p:cNvPr id="80" name="Shape 80"/>
+        <p:cNvPr id="98" name="Shape 98"/>
         <p:cNvGrpSpPr/>
         <p:nvPr/>
       </p:nvGrpSpPr>
@@ -1608,7 +1708,7 @@
       </p:grpSpPr>
       <p:sp>
         <p:nvSpPr>
-          <p:cNvPr id="81" name="Google Shape;81;gb9974a5968_0_10:notes"/>
+          <p:cNvPr id="99" name="Google Shape;99;gb9974a5968_0_15:notes"/>
           <p:cNvSpPr/>
           <p:nvPr>
             <p:ph idx="2" type="sldImg"/>
@@ -1643,7 +1743,7 @@
       </p:sp>
       <p:sp>
         <p:nvSpPr>
-          <p:cNvPr id="82" name="Google Shape;82;gb9974a5968_0_10:notes"/>
+          <p:cNvPr id="100" name="Google Shape;100;gb9974a5968_0_15:notes"/>
           <p:cNvSpPr txBox="1"/>
           <p:nvPr>
             <p:ph idx="1" type="body"/>
@@ -1693,7 +1793,7 @@
   <p:cSld>
     <p:spTree>
       <p:nvGrpSpPr>
-        <p:cNvPr id="86" name="Shape 86"/>
+        <p:cNvPr id="104" name="Shape 104"/>
         <p:cNvGrpSpPr/>
         <p:nvPr/>
       </p:nvGrpSpPr>
@@ -1707,7 +1807,7 @@
       </p:grpSpPr>
       <p:sp>
         <p:nvSpPr>
-          <p:cNvPr id="87" name="Google Shape;87;gb9974a5968_0_15:notes"/>
+          <p:cNvPr id="105" name="Google Shape;105;gb9974a5968_0_20:notes"/>
           <p:cNvSpPr/>
           <p:nvPr>
             <p:ph idx="2" type="sldImg"/>
@@ -1742,7 +1842,7 @@
       </p:sp>
       <p:sp>
         <p:nvSpPr>
-          <p:cNvPr id="88" name="Google Shape;88;gb9974a5968_0_15:notes"/>
+          <p:cNvPr id="106" name="Google Shape;106;gb9974a5968_0_20:notes"/>
           <p:cNvSpPr txBox="1"/>
           <p:nvPr>
             <p:ph idx="1" type="body"/>
@@ -1792,7 +1892,7 @@
   <p:cSld>
     <p:spTree>
       <p:nvGrpSpPr>
-        <p:cNvPr id="92" name="Shape 92"/>
+        <p:cNvPr id="110" name="Shape 110"/>
         <p:cNvGrpSpPr/>
         <p:nvPr/>
       </p:nvGrpSpPr>
@@ -1806,7 +1906,7 @@
       </p:grpSpPr>
       <p:sp>
         <p:nvSpPr>
-          <p:cNvPr id="93" name="Google Shape;93;gb9974a5968_0_20:notes"/>
+          <p:cNvPr id="111" name="Google Shape;111;gb9974a5968_0_25:notes"/>
           <p:cNvSpPr/>
           <p:nvPr>
             <p:ph idx="2" type="sldImg"/>
@@ -1841,7 +1941,7 @@
       </p:sp>
       <p:sp>
         <p:nvSpPr>
-          <p:cNvPr id="94" name="Google Shape;94;gb9974a5968_0_20:notes"/>
+          <p:cNvPr id="112" name="Google Shape;112;gb9974a5968_0_25:notes"/>
           <p:cNvSpPr txBox="1"/>
           <p:nvPr>
             <p:ph idx="1" type="body"/>
@@ -1891,7 +1991,7 @@
   <p:cSld>
     <p:spTree>
       <p:nvGrpSpPr>
-        <p:cNvPr id="98" name="Shape 98"/>
+        <p:cNvPr id="117" name="Shape 117"/>
         <p:cNvGrpSpPr/>
         <p:nvPr/>
       </p:nvGrpSpPr>
@@ -1905,7 +2005,7 @@
       </p:grpSpPr>
       <p:sp>
         <p:nvSpPr>
-          <p:cNvPr id="99" name="Google Shape;99;gb9974a5968_0_25:notes"/>
+          <p:cNvPr id="118" name="Google Shape;118;gb9974a5968_0_32:notes"/>
           <p:cNvSpPr/>
           <p:nvPr>
             <p:ph idx="2" type="sldImg"/>
@@ -1940,7 +2040,7 @@
       </p:sp>
       <p:sp>
         <p:nvSpPr>
-          <p:cNvPr id="100" name="Google Shape;100;gb9974a5968_0_25:notes"/>
+          <p:cNvPr id="119" name="Google Shape;119;gb9974a5968_0_32:notes"/>
           <p:cNvSpPr txBox="1"/>
           <p:nvPr>
             <p:ph idx="1" type="body"/>
@@ -6744,7 +6844,7 @@
   <p:cSld>
     <p:spTree>
       <p:nvGrpSpPr>
-        <p:cNvPr id="108" name="Shape 108"/>
+        <p:cNvPr id="127" name="Shape 127"/>
         <p:cNvGrpSpPr/>
         <p:nvPr/>
       </p:nvGrpSpPr>
@@ -6758,7 +6858,7 @@
       </p:grpSpPr>
       <p:sp>
         <p:nvSpPr>
-          <p:cNvPr id="109" name="Google Shape;109;p22"/>
+          <p:cNvPr id="128" name="Google Shape;128;p22"/>
           <p:cNvSpPr txBox="1"/>
           <p:nvPr>
             <p:ph type="title"/>
@@ -6790,7 +6890,7 @@
             </a:pPr>
             <a:r>
               <a:rPr lang="en"/>
-              <a:t>Setting up Evaluation</a:t>
+              <a:t>Data Table of Results</a:t>
             </a:r>
             <a:endParaRPr/>
           </a:p>
@@ -6798,7 +6898,7 @@
       </p:sp>
       <p:sp>
         <p:nvSpPr>
-          <p:cNvPr id="110" name="Google Shape;110;p22"/>
+          <p:cNvPr id="129" name="Google Shape;129;p22"/>
           <p:cNvSpPr txBox="1"/>
           <p:nvPr>
             <p:ph idx="1" type="body"/>
@@ -6837,7 +6937,7 @@
       </p:sp>
       <p:pic>
         <p:nvPicPr>
-          <p:cNvPr id="111" name="Google Shape;111;p22"/>
+          <p:cNvPr id="130" name="Google Shape;130;p22"/>
           <p:cNvPicPr preferRelativeResize="0"/>
           <p:nvPr/>
         </p:nvPicPr>
@@ -6851,7 +6951,7 @@
         </p:blipFill>
         <p:spPr>
           <a:xfrm>
-            <a:off x="0" y="1228853"/>
+            <a:off x="0" y="1152653"/>
             <a:ext cx="9144001" cy="3600194"/>
           </a:xfrm>
           <a:prstGeom prst="rect">
@@ -6876,7 +6976,7 @@
   <p:cSld>
     <p:spTree>
       <p:nvGrpSpPr>
-        <p:cNvPr id="115" name="Shape 115"/>
+        <p:cNvPr id="134" name="Shape 134"/>
         <p:cNvGrpSpPr/>
         <p:nvPr/>
       </p:nvGrpSpPr>
@@ -6890,7 +6990,7 @@
       </p:grpSpPr>
       <p:sp>
         <p:nvSpPr>
-          <p:cNvPr id="116" name="Google Shape;116;p23"/>
+          <p:cNvPr id="135" name="Google Shape;135;p23"/>
           <p:cNvSpPr txBox="1"/>
           <p:nvPr>
             <p:ph type="title"/>
@@ -6922,7 +7022,7 @@
             </a:pPr>
             <a:r>
               <a:rPr lang="en"/>
-              <a:t>Data Table of Results</a:t>
+              <a:t>Horizontal Bar Chart</a:t>
             </a:r>
             <a:endParaRPr/>
           </a:p>
@@ -6930,7 +7030,7 @@
       </p:sp>
       <p:sp>
         <p:nvSpPr>
-          <p:cNvPr id="117" name="Google Shape;117;p23"/>
+          <p:cNvPr id="136" name="Google Shape;136;p23"/>
           <p:cNvSpPr txBox="1"/>
           <p:nvPr>
             <p:ph idx="1" type="body"/>
@@ -6969,7 +7069,7 @@
       </p:sp>
       <p:pic>
         <p:nvPicPr>
-          <p:cNvPr id="118" name="Google Shape;118;p23"/>
+          <p:cNvPr id="137" name="Google Shape;137;p23"/>
           <p:cNvPicPr preferRelativeResize="0"/>
           <p:nvPr/>
         </p:nvPicPr>
@@ -6983,8 +7083,8 @@
         </p:blipFill>
         <p:spPr>
           <a:xfrm>
-            <a:off x="0" y="1152653"/>
-            <a:ext cx="9144001" cy="3600194"/>
+            <a:off x="3533025" y="83325"/>
+            <a:ext cx="5878350" cy="4976851"/>
           </a:xfrm>
           <a:prstGeom prst="rect">
             <a:avLst/>
@@ -7008,7 +7108,7 @@
   <p:cSld>
     <p:spTree>
       <p:nvGrpSpPr>
-        <p:cNvPr id="122" name="Shape 122"/>
+        <p:cNvPr id="141" name="Shape 141"/>
         <p:cNvGrpSpPr/>
         <p:nvPr/>
       </p:nvGrpSpPr>
@@ -7022,7 +7122,7 @@
       </p:grpSpPr>
       <p:sp>
         <p:nvSpPr>
-          <p:cNvPr id="123" name="Google Shape;123;p24"/>
+          <p:cNvPr id="142" name="Google Shape;142;p24"/>
           <p:cNvSpPr txBox="1"/>
           <p:nvPr>
             <p:ph type="title"/>
@@ -7054,7 +7154,7 @@
             </a:pPr>
             <a:r>
               <a:rPr lang="en"/>
-              <a:t>Horizontal Bar Chart</a:t>
+              <a:t>Scatter Plot</a:t>
             </a:r>
             <a:endParaRPr/>
           </a:p>
@@ -7062,7 +7162,7 @@
       </p:sp>
       <p:sp>
         <p:nvSpPr>
-          <p:cNvPr id="124" name="Google Shape;124;p24"/>
+          <p:cNvPr id="143" name="Google Shape;143;p24"/>
           <p:cNvSpPr txBox="1"/>
           <p:nvPr>
             <p:ph idx="1" type="body"/>
@@ -7101,7 +7201,7 @@
       </p:sp>
       <p:pic>
         <p:nvPicPr>
-          <p:cNvPr id="125" name="Google Shape;125;p24"/>
+          <p:cNvPr id="144" name="Google Shape;144;p24"/>
           <p:cNvPicPr preferRelativeResize="0"/>
           <p:nvPr/>
         </p:nvPicPr>
@@ -7115,8 +7215,8 @@
         </p:blipFill>
         <p:spPr>
           <a:xfrm>
-            <a:off x="3533025" y="83325"/>
-            <a:ext cx="5878350" cy="4976851"/>
+            <a:off x="3068793" y="0"/>
+            <a:ext cx="6075214" cy="5143500"/>
           </a:xfrm>
           <a:prstGeom prst="rect">
             <a:avLst/>
@@ -7136,11 +7236,11 @@
 </file>
 
 <file path=ppt/slides/slide13.xml><?xml version="1.0" encoding="utf-8"?>
-<p:sld xmlns:a="http://schemas.openxmlformats.org/drawingml/2006/main" xmlns:r="http://schemas.openxmlformats.org/officeDocument/2006/relationships" xmlns:mc="http://schemas.openxmlformats.org/markup-compatibility/2006" xmlns:mv="urn:schemas-microsoft-com:mac:vml" xmlns:p="http://schemas.openxmlformats.org/presentationml/2006/main" xmlns:c="http://schemas.openxmlformats.org/drawingml/2006/chart" xmlns:dgm="http://schemas.openxmlformats.org/drawingml/2006/diagram" xmlns:o="urn:schemas-microsoft-com:office:office" xmlns:v="urn:schemas-microsoft-com:vml" xmlns:pvml="urn:schemas-microsoft-com:office:powerpoint" xmlns:com="http://schemas.openxmlformats.org/drawingml/2006/compatibility" xmlns:p14="http://schemas.microsoft.com/office/powerpoint/2010/main" xmlns:p15="http://schemas.microsoft.com/office/powerpoint/2012/main" xmlns:ahyp="http://schemas.microsoft.com/office/drawing/2018/hyperlinkcolor">
+<p:sld xmlns:a="http://schemas.openxmlformats.org/drawingml/2006/main" xmlns:r="http://schemas.openxmlformats.org/officeDocument/2006/relationships" xmlns:mc="http://schemas.openxmlformats.org/markup-compatibility/2006" xmlns:mv="urn:schemas-microsoft-com:mac:vml" xmlns:p="http://schemas.openxmlformats.org/presentationml/2006/main" xmlns:c="http://schemas.openxmlformats.org/drawingml/2006/chart" xmlns:dgm="http://schemas.openxmlformats.org/drawingml/2006/diagram" xmlns:o="urn:schemas-microsoft-com:office:office" xmlns:v="urn:schemas-microsoft-com:vml" xmlns:pvml="urn:schemas-microsoft-com:office:powerpoint" xmlns:com="http://schemas.openxmlformats.org/drawingml/2006/compatibility" xmlns:p14="http://schemas.microsoft.com/office/powerpoint/2010/main" xmlns:p15="http://schemas.microsoft.com/office/powerpoint/2012/main" xmlns:ahyp="http://schemas.microsoft.com/office/drawing/2018/hyperlinkcolor" show="0">
   <p:cSld>
     <p:spTree>
       <p:nvGrpSpPr>
-        <p:cNvPr id="129" name="Shape 129"/>
+        <p:cNvPr id="148" name="Shape 148"/>
         <p:cNvGrpSpPr/>
         <p:nvPr/>
       </p:nvGrpSpPr>
@@ -7154,7 +7254,7 @@
       </p:grpSpPr>
       <p:sp>
         <p:nvSpPr>
-          <p:cNvPr id="130" name="Google Shape;130;p25"/>
+          <p:cNvPr id="149" name="Google Shape;149;p25"/>
           <p:cNvSpPr txBox="1"/>
           <p:nvPr>
             <p:ph type="title"/>
@@ -7186,7 +7286,7 @@
             </a:pPr>
             <a:r>
               <a:rPr lang="en"/>
-              <a:t>Scatter Plot</a:t>
+              <a:t>Background</a:t>
             </a:r>
             <a:endParaRPr/>
           </a:p>
@@ -7194,7 +7294,7 @@
       </p:sp>
       <p:sp>
         <p:nvSpPr>
-          <p:cNvPr id="131" name="Google Shape;131;p25"/>
+          <p:cNvPr id="150" name="Google Shape;150;p25"/>
           <p:cNvSpPr txBox="1"/>
           <p:nvPr>
             <p:ph idx="1" type="body"/>
@@ -7211,13 +7311,417 @@
         </p:spPr>
         <p:txBody>
           <a:bodyPr anchorCtr="0" anchor="t" bIns="91425" lIns="91425" spcFirstLastPara="1" rIns="91425" wrap="square" tIns="91425">
+            <a:normAutofit lnSpcReduction="20000"/>
+          </a:bodyPr>
+          <a:lstStyle/>
+          <a:p>
+            <a:pPr indent="-342900" lvl="0" marL="457200" rtl="0" algn="l">
+              <a:spcBef>
+                <a:spcPts val="0"/>
+              </a:spcBef>
+              <a:spcAft>
+                <a:spcPts val="0"/>
+              </a:spcAft>
+              <a:buSzPts val="1800"/>
+              <a:buChar char="●"/>
+            </a:pPr>
+            <a:r>
+              <a:rPr lang="en"/>
+              <a:t>Security Groups (SGs) needed for internet traffic in/out of AWS</a:t>
+            </a:r>
+            <a:endParaRPr/>
+          </a:p>
+          <a:p>
+            <a:pPr indent="-342900" lvl="0" marL="457200" rtl="0" algn="l">
+              <a:spcBef>
+                <a:spcPts val="0"/>
+              </a:spcBef>
+              <a:spcAft>
+                <a:spcPts val="0"/>
+              </a:spcAft>
+              <a:buSzPts val="1800"/>
+              <a:buChar char="●"/>
+            </a:pPr>
+            <a:r>
+              <a:rPr lang="en"/>
+              <a:t>They are like Firewalls </a:t>
+            </a:r>
+            <a:endParaRPr/>
+          </a:p>
+          <a:p>
+            <a:pPr indent="-317500" lvl="1" marL="914400" rtl="0" algn="l">
+              <a:spcBef>
+                <a:spcPts val="0"/>
+              </a:spcBef>
+              <a:spcAft>
+                <a:spcPts val="0"/>
+              </a:spcAft>
+              <a:buSzPts val="1400"/>
+              <a:buChar char="○"/>
+            </a:pPr>
+            <a:r>
+              <a:rPr lang="en"/>
+              <a:t>Allow some traffic (ex: web)</a:t>
+            </a:r>
+            <a:endParaRPr/>
+          </a:p>
+          <a:p>
+            <a:pPr indent="-317500" lvl="1" marL="914400" rtl="0" algn="l">
+              <a:spcBef>
+                <a:spcPts val="0"/>
+              </a:spcBef>
+              <a:spcAft>
+                <a:spcPts val="0"/>
+              </a:spcAft>
+              <a:buSzPts val="1400"/>
+              <a:buChar char="○"/>
+            </a:pPr>
+            <a:r>
+              <a:rPr lang="en"/>
+              <a:t>Block other traffic (ex: db access) </a:t>
+            </a:r>
+            <a:endParaRPr/>
+          </a:p>
+          <a:p>
+            <a:pPr indent="-342900" lvl="0" marL="457200" rtl="0" algn="l">
+              <a:spcBef>
+                <a:spcPts val="0"/>
+              </a:spcBef>
+              <a:spcAft>
+                <a:spcPts val="0"/>
+              </a:spcAft>
+              <a:buSzPts val="1800"/>
+              <a:buChar char="●"/>
+            </a:pPr>
+            <a:r>
+              <a:rPr lang="en"/>
+              <a:t>SGs are attached to subnets (IP address ranges) to channel traffic</a:t>
+            </a:r>
+            <a:endParaRPr/>
+          </a:p>
+          <a:p>
+            <a:pPr indent="-342900" lvl="0" marL="457200" rtl="0" algn="l">
+              <a:spcBef>
+                <a:spcPts val="0"/>
+              </a:spcBef>
+              <a:spcAft>
+                <a:spcPts val="0"/>
+              </a:spcAft>
+              <a:buSzPts val="1800"/>
+              <a:buChar char="●"/>
+            </a:pPr>
+            <a:r>
+              <a:rPr lang="en"/>
+              <a:t>Typically subnets are small segments of a larger CIDR range</a:t>
+            </a:r>
+            <a:endParaRPr/>
+          </a:p>
+          <a:p>
+            <a:pPr indent="-342900" lvl="0" marL="457200" rtl="0" algn="l">
+              <a:spcBef>
+                <a:spcPts val="0"/>
+              </a:spcBef>
+              <a:spcAft>
+                <a:spcPts val="0"/>
+              </a:spcAft>
+              <a:buSzPts val="1800"/>
+              <a:buChar char="●"/>
+            </a:pPr>
+            <a:r>
+              <a:rPr lang="en"/>
+              <a:t>You are probably familiar with Class C size subnets, like:</a:t>
+            </a:r>
+            <a:endParaRPr/>
+          </a:p>
+          <a:p>
+            <a:pPr indent="-317500" lvl="1" marL="914400" rtl="0" algn="l">
+              <a:spcBef>
+                <a:spcPts val="0"/>
+              </a:spcBef>
+              <a:spcAft>
+                <a:spcPts val="0"/>
+              </a:spcAft>
+              <a:buSzPts val="1400"/>
+              <a:buChar char="○"/>
+            </a:pPr>
+            <a:r>
+              <a:rPr lang="en"/>
+              <a:t>192.168.0.0/24</a:t>
+            </a:r>
+            <a:endParaRPr/>
+          </a:p>
+          <a:p>
+            <a:pPr indent="-317500" lvl="1" marL="914400" rtl="0" algn="l">
+              <a:spcBef>
+                <a:spcPts val="0"/>
+              </a:spcBef>
+              <a:spcAft>
+                <a:spcPts val="0"/>
+              </a:spcAft>
+              <a:buSzPts val="1400"/>
+              <a:buChar char="○"/>
+            </a:pPr>
+            <a:r>
+              <a:rPr lang="en"/>
+              <a:t>254 IP addresses (192.168.0.1 - 192.168.0.254)</a:t>
+            </a:r>
+            <a:endParaRPr/>
+          </a:p>
+          <a:p>
+            <a:pPr indent="-342900" lvl="0" marL="457200" rtl="0" algn="l">
+              <a:spcBef>
+                <a:spcPts val="0"/>
+              </a:spcBef>
+              <a:spcAft>
+                <a:spcPts val="0"/>
+              </a:spcAft>
+              <a:buSzPts val="1800"/>
+              <a:buChar char="●"/>
+            </a:pPr>
+            <a:r>
+              <a:rPr lang="en"/>
+              <a:t>2 smaller subnets</a:t>
+            </a:r>
+            <a:endParaRPr/>
+          </a:p>
+          <a:p>
+            <a:pPr indent="-317500" lvl="1" marL="914400" rtl="0" algn="l">
+              <a:spcBef>
+                <a:spcPts val="0"/>
+              </a:spcBef>
+              <a:spcAft>
+                <a:spcPts val="0"/>
+              </a:spcAft>
+              <a:buSzPts val="1400"/>
+              <a:buChar char="○"/>
+            </a:pPr>
+            <a:r>
+              <a:rPr lang="en"/>
+              <a:t>Web - 192.168.0.0/25 = 128 IP addresses (</a:t>
+            </a:r>
+            <a:r>
+              <a:rPr lang="en"/>
+              <a:t>192.168.0.0 - 192.168.0.</a:t>
+            </a:r>
+            <a:r>
+              <a:rPr b="1" lang="en"/>
+              <a:t>127)</a:t>
+            </a:r>
+            <a:endParaRPr b="1"/>
+          </a:p>
+          <a:p>
+            <a:pPr indent="-317500" lvl="1" marL="914400" rtl="0" algn="l">
+              <a:spcBef>
+                <a:spcPts val="0"/>
+              </a:spcBef>
+              <a:spcAft>
+                <a:spcPts val="0"/>
+              </a:spcAft>
+              <a:buSzPts val="1400"/>
+              <a:buChar char="○"/>
+            </a:pPr>
+            <a:r>
+              <a:rPr lang="en"/>
+              <a:t>DB - 192.168.0.128/25 = 128 IP addresses (192.168.0.</a:t>
+            </a:r>
+            <a:r>
+              <a:rPr b="1" lang="en"/>
+              <a:t>128</a:t>
+            </a:r>
+            <a:r>
+              <a:rPr lang="en"/>
+              <a:t> - 192.168.0.</a:t>
+            </a:r>
+            <a:r>
+              <a:rPr b="1" lang="en"/>
+              <a:t>254)</a:t>
+            </a:r>
+            <a:endParaRPr b="1"/>
+          </a:p>
+          <a:p>
+            <a:pPr indent="0" lvl="0" marL="914400" rtl="0" algn="l">
+              <a:spcBef>
+                <a:spcPts val="1200"/>
+              </a:spcBef>
+              <a:spcAft>
+                <a:spcPts val="1200"/>
+              </a:spcAft>
+              <a:buNone/>
+            </a:pPr>
+            <a:r>
+              <a:t/>
+            </a:r>
+            <a:endParaRPr/>
+          </a:p>
+        </p:txBody>
+      </p:sp>
+    </p:spTree>
+  </p:cSld>
+  <p:clrMapOvr>
+    <a:masterClrMapping/>
+  </p:clrMapOvr>
+</p:sld>
+</file>
+
+<file path=ppt/slides/slide14.xml><?xml version="1.0" encoding="utf-8"?>
+<p:sld xmlns:a="http://schemas.openxmlformats.org/drawingml/2006/main" xmlns:r="http://schemas.openxmlformats.org/officeDocument/2006/relationships" xmlns:mc="http://schemas.openxmlformats.org/markup-compatibility/2006" xmlns:mv="urn:schemas-microsoft-com:mac:vml" xmlns:p="http://schemas.openxmlformats.org/presentationml/2006/main" xmlns:c="http://schemas.openxmlformats.org/drawingml/2006/chart" xmlns:dgm="http://schemas.openxmlformats.org/drawingml/2006/diagram" xmlns:o="urn:schemas-microsoft-com:office:office" xmlns:v="urn:schemas-microsoft-com:vml" xmlns:pvml="urn:schemas-microsoft-com:office:powerpoint" xmlns:com="http://schemas.openxmlformats.org/drawingml/2006/compatibility" xmlns:p14="http://schemas.microsoft.com/office/powerpoint/2010/main" xmlns:p15="http://schemas.microsoft.com/office/powerpoint/2012/main" xmlns:ahyp="http://schemas.microsoft.com/office/drawing/2018/hyperlinkcolor" show="0">
+  <p:cSld>
+    <p:spTree>
+      <p:nvGrpSpPr>
+        <p:cNvPr id="154" name="Shape 154"/>
+        <p:cNvGrpSpPr/>
+        <p:nvPr/>
+      </p:nvGrpSpPr>
+      <p:grpSpPr>
+        <a:xfrm>
+          <a:off x="0" y="0"/>
+          <a:ext cx="0" cy="0"/>
+          <a:chOff x="0" y="0"/>
+          <a:chExt cx="0" cy="0"/>
+        </a:xfrm>
+      </p:grpSpPr>
+      <p:sp>
+        <p:nvSpPr>
+          <p:cNvPr id="155" name="Google Shape;155;p26"/>
+          <p:cNvSpPr txBox="1"/>
+          <p:nvPr>
+            <p:ph type="title"/>
+          </p:nvPr>
+        </p:nvSpPr>
+        <p:spPr>
+          <a:xfrm>
+            <a:off x="311700" y="445025"/>
+            <a:ext cx="8520600" cy="572700"/>
+          </a:xfrm>
+          <a:prstGeom prst="rect">
+            <a:avLst/>
+          </a:prstGeom>
+        </p:spPr>
+        <p:txBody>
+          <a:bodyPr anchorCtr="0" anchor="t" bIns="91425" lIns="91425" spcFirstLastPara="1" rIns="91425" wrap="square" tIns="91425">
+            <a:normAutofit fontScale="90000"/>
+          </a:bodyPr>
+          <a:lstStyle/>
+          <a:p>
+            <a:pPr indent="0" lvl="0" marL="0" rtl="0" algn="l">
+              <a:spcBef>
+                <a:spcPts val="0"/>
+              </a:spcBef>
+              <a:spcAft>
+                <a:spcPts val="0"/>
+              </a:spcAft>
+              <a:buNone/>
+            </a:pPr>
+            <a:r>
+              <a:rPr lang="en"/>
+              <a:t>Background</a:t>
+            </a:r>
+            <a:endParaRPr/>
+          </a:p>
+        </p:txBody>
+      </p:sp>
+      <p:sp>
+        <p:nvSpPr>
+          <p:cNvPr id="156" name="Google Shape;156;p26"/>
+          <p:cNvSpPr txBox="1"/>
+          <p:nvPr>
+            <p:ph idx="1" type="body"/>
+          </p:nvPr>
+        </p:nvSpPr>
+        <p:spPr>
+          <a:xfrm>
+            <a:off x="311700" y="1152475"/>
+            <a:ext cx="8520600" cy="3416400"/>
+          </a:xfrm>
+          <a:prstGeom prst="rect">
+            <a:avLst/>
+          </a:prstGeom>
+        </p:spPr>
+        <p:txBody>
+          <a:bodyPr anchorCtr="0" anchor="t" bIns="91425" lIns="91425" spcFirstLastPara="1" rIns="91425" wrap="square" tIns="91425">
             <a:normAutofit/>
           </a:bodyPr>
           <a:lstStyle/>
           <a:p>
+            <a:pPr indent="-342900" lvl="0" marL="457200" rtl="0" algn="l">
+              <a:spcBef>
+                <a:spcPts val="0"/>
+              </a:spcBef>
+              <a:spcAft>
+                <a:spcPts val="0"/>
+              </a:spcAft>
+              <a:buSzPts val="1800"/>
+              <a:buChar char="●"/>
+            </a:pPr>
+            <a:r>
+              <a:rPr lang="en"/>
+              <a:t>Subnets are purpose built as small slices of a larger IP space</a:t>
+            </a:r>
+            <a:endParaRPr/>
+          </a:p>
+          <a:p>
+            <a:pPr indent="-342900" lvl="0" marL="457200" rtl="0" algn="l">
+              <a:spcBef>
+                <a:spcPts val="0"/>
+              </a:spcBef>
+              <a:spcAft>
+                <a:spcPts val="0"/>
+              </a:spcAft>
+              <a:buSzPts val="1800"/>
+              <a:buChar char="●"/>
+            </a:pPr>
+            <a:r>
+              <a:rPr lang="en"/>
+              <a:t>This allow </a:t>
+            </a:r>
+            <a:r>
+              <a:rPr lang="en" u="sng"/>
+              <a:t>segregation</a:t>
+            </a:r>
+            <a:r>
+              <a:rPr lang="en"/>
+              <a:t> of traffic among security Zones</a:t>
+            </a:r>
+            <a:endParaRPr/>
+          </a:p>
+          <a:p>
+            <a:pPr indent="-342900" lvl="0" marL="457200" rtl="0" algn="l">
+              <a:spcBef>
+                <a:spcPts val="0"/>
+              </a:spcBef>
+              <a:spcAft>
+                <a:spcPts val="0"/>
+              </a:spcAft>
+              <a:buSzPts val="1800"/>
+              <a:buChar char="●"/>
+            </a:pPr>
+            <a:r>
+              <a:rPr lang="en"/>
+              <a:t>Separates traffic to your database from traffic to your customer</a:t>
+            </a:r>
+            <a:endParaRPr/>
+          </a:p>
+          <a:p>
+            <a:pPr indent="-342900" lvl="0" marL="457200" rtl="0" algn="l">
+              <a:spcBef>
+                <a:spcPts val="0"/>
+              </a:spcBef>
+              <a:spcAft>
+                <a:spcPts val="0"/>
+              </a:spcAft>
+              <a:buSzPts val="1800"/>
+              <a:buChar char="●"/>
+            </a:pPr>
+            <a:r>
+              <a:rPr lang="en"/>
+              <a:t>This is GOOD</a:t>
+            </a:r>
+            <a:endParaRPr/>
+          </a:p>
+          <a:p>
             <a:pPr indent="0" lvl="0" marL="0" rtl="0" algn="l">
               <a:spcBef>
-                <a:spcPts val="0"/>
+                <a:spcPts val="1200"/>
               </a:spcBef>
               <a:spcAft>
                 <a:spcPts val="1200"/>
@@ -7231,34 +7735,717 @@
           </a:p>
         </p:txBody>
       </p:sp>
-      <p:pic>
-        <p:nvPicPr>
-          <p:cNvPr id="132" name="Google Shape;132;p25"/>
-          <p:cNvPicPr preferRelativeResize="0"/>
+      <p:sp>
+        <p:nvSpPr>
+          <p:cNvPr id="157" name="Google Shape;157;p26"/>
+          <p:cNvSpPr/>
           <p:nvPr/>
-        </p:nvPicPr>
-        <p:blipFill>
-          <a:blip r:embed="rId3">
-            <a:alphaModFix/>
-          </a:blip>
-          <a:stretch>
-            <a:fillRect/>
-          </a:stretch>
-        </p:blipFill>
-        <p:spPr>
-          <a:xfrm>
-            <a:off x="3068793" y="0"/>
-            <a:ext cx="6075214" cy="5143500"/>
+        </p:nvSpPr>
+        <p:spPr>
+          <a:xfrm>
+            <a:off x="7404375" y="3828850"/>
+            <a:ext cx="1180200" cy="1083900"/>
+          </a:xfrm>
+          <a:prstGeom prst="can">
+            <a:avLst>
+              <a:gd fmla="val 25000" name="adj"/>
+            </a:avLst>
+          </a:prstGeom>
+          <a:solidFill>
+            <a:schemeClr val="lt2"/>
+          </a:solidFill>
+          <a:ln cap="flat" cmpd="sng" w="9525">
+            <a:solidFill>
+              <a:schemeClr val="dk2"/>
+            </a:solidFill>
+            <a:prstDash val="solid"/>
+            <a:round/>
+            <a:headEnd len="sm" w="sm" type="none"/>
+            <a:tailEnd len="sm" w="sm" type="none"/>
+          </a:ln>
+        </p:spPr>
+        <p:txBody>
+          <a:bodyPr anchorCtr="0" anchor="ctr" bIns="91425" lIns="91425" spcFirstLastPara="1" rIns="91425" wrap="square" tIns="91425">
+            <a:noAutofit/>
+          </a:bodyPr>
+          <a:lstStyle/>
+          <a:p>
+            <a:pPr indent="0" lvl="0" marL="0" rtl="0" algn="ctr">
+              <a:spcBef>
+                <a:spcPts val="0"/>
+              </a:spcBef>
+              <a:spcAft>
+                <a:spcPts val="0"/>
+              </a:spcAft>
+              <a:buNone/>
+            </a:pPr>
+            <a:r>
+              <a:rPr lang="en"/>
+              <a:t>database</a:t>
+            </a:r>
+            <a:endParaRPr/>
+          </a:p>
+        </p:txBody>
+      </p:sp>
+      <p:sp>
+        <p:nvSpPr>
+          <p:cNvPr id="158" name="Google Shape;158;p26"/>
+          <p:cNvSpPr/>
+          <p:nvPr/>
+        </p:nvSpPr>
+        <p:spPr>
+          <a:xfrm>
+            <a:off x="3872600" y="3606000"/>
+            <a:ext cx="1634700" cy="1267500"/>
+          </a:xfrm>
+          <a:prstGeom prst="frame">
+            <a:avLst>
+              <a:gd fmla="val 12500" name="adj1"/>
+            </a:avLst>
+          </a:prstGeom>
+          <a:solidFill>
+            <a:schemeClr val="lt2"/>
+          </a:solidFill>
+          <a:ln cap="flat" cmpd="sng" w="9525">
+            <a:solidFill>
+              <a:schemeClr val="dk2"/>
+            </a:solidFill>
+            <a:prstDash val="solid"/>
+            <a:round/>
+            <a:headEnd len="sm" w="sm" type="none"/>
+            <a:tailEnd len="sm" w="sm" type="none"/>
+          </a:ln>
+        </p:spPr>
+        <p:txBody>
+          <a:bodyPr anchorCtr="0" anchor="ctr" bIns="91425" lIns="91425" spcFirstLastPara="1" rIns="91425" wrap="square" tIns="91425">
+            <a:noAutofit/>
+          </a:bodyPr>
+          <a:lstStyle/>
+          <a:p>
+            <a:pPr indent="0" lvl="0" marL="0" rtl="0" algn="ctr">
+              <a:spcBef>
+                <a:spcPts val="0"/>
+              </a:spcBef>
+              <a:spcAft>
+                <a:spcPts val="0"/>
+              </a:spcAft>
+              <a:buNone/>
+            </a:pPr>
+            <a:r>
+              <a:rPr lang="en"/>
+              <a:t>Web site</a:t>
+            </a:r>
+            <a:endParaRPr/>
+          </a:p>
+        </p:txBody>
+      </p:sp>
+      <p:cxnSp>
+        <p:nvCxnSpPr>
+          <p:cNvPr id="159" name="Google Shape;159;p26"/>
+          <p:cNvCxnSpPr>
+            <a:stCxn id="160" idx="2"/>
+            <a:endCxn id="157" idx="1"/>
+          </p:cNvCxnSpPr>
+          <p:nvPr/>
+        </p:nvCxnSpPr>
+        <p:spPr>
+          <a:xfrm flipH="1">
+            <a:off x="7994375" y="3543550"/>
+            <a:ext cx="113700" cy="285300"/>
+          </a:xfrm>
+          <a:prstGeom prst="straightConnector1">
+            <a:avLst/>
+          </a:prstGeom>
+          <a:noFill/>
+          <a:ln cap="flat" cmpd="sng" w="9525">
+            <a:solidFill>
+              <a:schemeClr val="dk2"/>
+            </a:solidFill>
+            <a:prstDash val="solid"/>
+            <a:round/>
+            <a:headEnd len="med" w="med" type="none"/>
+            <a:tailEnd len="med" w="med" type="none"/>
+          </a:ln>
+        </p:spPr>
+      </p:cxnSp>
+      <p:cxnSp>
+        <p:nvCxnSpPr>
+          <p:cNvPr id="161" name="Google Shape;161;p26"/>
+          <p:cNvCxnSpPr>
+            <a:stCxn id="158" idx="0"/>
+            <a:endCxn id="160" idx="1"/>
+          </p:cNvCxnSpPr>
+          <p:nvPr/>
+        </p:nvCxnSpPr>
+        <p:spPr>
+          <a:xfrm flipH="1" rot="10800000">
+            <a:off x="4689950" y="3220800"/>
+            <a:ext cx="2845200" cy="385200"/>
+          </a:xfrm>
+          <a:prstGeom prst="straightConnector1">
+            <a:avLst/>
+          </a:prstGeom>
+          <a:noFill/>
+          <a:ln cap="flat" cmpd="sng" w="9525">
+            <a:solidFill>
+              <a:schemeClr val="dk2"/>
+            </a:solidFill>
+            <a:prstDash val="solid"/>
+            <a:round/>
+            <a:headEnd len="med" w="med" type="none"/>
+            <a:tailEnd len="med" w="med" type="none"/>
+          </a:ln>
+        </p:spPr>
+      </p:cxnSp>
+      <p:sp>
+        <p:nvSpPr>
+          <p:cNvPr id="162" name="Google Shape;162;p26"/>
+          <p:cNvSpPr/>
+          <p:nvPr/>
+        </p:nvSpPr>
+        <p:spPr>
+          <a:xfrm>
+            <a:off x="6682900" y="245675"/>
+            <a:ext cx="489600" cy="489600"/>
+          </a:xfrm>
+          <a:prstGeom prst="smileyFace">
+            <a:avLst>
+              <a:gd fmla="val 4653" name="adj"/>
+            </a:avLst>
+          </a:prstGeom>
+          <a:solidFill>
+            <a:schemeClr val="lt2"/>
+          </a:solidFill>
+          <a:ln cap="flat" cmpd="sng" w="9525">
+            <a:solidFill>
+              <a:schemeClr val="dk2"/>
+            </a:solidFill>
+            <a:prstDash val="solid"/>
+            <a:round/>
+            <a:headEnd len="sm" w="sm" type="none"/>
+            <a:tailEnd len="sm" w="sm" type="none"/>
+          </a:ln>
+        </p:spPr>
+        <p:txBody>
+          <a:bodyPr anchorCtr="0" anchor="ctr" bIns="91425" lIns="91425" spcFirstLastPara="1" rIns="91425" wrap="square" tIns="91425">
+            <a:noAutofit/>
+          </a:bodyPr>
+          <a:lstStyle/>
+          <a:p>
+            <a:pPr indent="0" lvl="0" marL="0" rtl="0" algn="l">
+              <a:spcBef>
+                <a:spcPts val="0"/>
+              </a:spcBef>
+              <a:spcAft>
+                <a:spcPts val="0"/>
+              </a:spcAft>
+              <a:buNone/>
+            </a:pPr>
+            <a:r>
+              <a:t/>
+            </a:r>
+            <a:endParaRPr/>
+          </a:p>
+        </p:txBody>
+      </p:sp>
+      <p:sp>
+        <p:nvSpPr>
+          <p:cNvPr id="163" name="Google Shape;163;p26"/>
+          <p:cNvSpPr/>
+          <p:nvPr/>
+        </p:nvSpPr>
+        <p:spPr>
+          <a:xfrm>
+            <a:off x="7465425" y="383850"/>
+            <a:ext cx="489600" cy="489600"/>
+          </a:xfrm>
+          <a:prstGeom prst="smileyFace">
+            <a:avLst>
+              <a:gd fmla="val 4653" name="adj"/>
+            </a:avLst>
+          </a:prstGeom>
+          <a:solidFill>
+            <a:schemeClr val="lt2"/>
+          </a:solidFill>
+          <a:ln cap="flat" cmpd="sng" w="9525">
+            <a:solidFill>
+              <a:schemeClr val="dk2"/>
+            </a:solidFill>
+            <a:prstDash val="solid"/>
+            <a:round/>
+            <a:headEnd len="sm" w="sm" type="none"/>
+            <a:tailEnd len="sm" w="sm" type="none"/>
+          </a:ln>
+        </p:spPr>
+        <p:txBody>
+          <a:bodyPr anchorCtr="0" anchor="ctr" bIns="91425" lIns="91425" spcFirstLastPara="1" rIns="91425" wrap="square" tIns="91425">
+            <a:noAutofit/>
+          </a:bodyPr>
+          <a:lstStyle/>
+          <a:p>
+            <a:pPr indent="0" lvl="0" marL="0" rtl="0" algn="l">
+              <a:spcBef>
+                <a:spcPts val="0"/>
+              </a:spcBef>
+              <a:spcAft>
+                <a:spcPts val="0"/>
+              </a:spcAft>
+              <a:buNone/>
+            </a:pPr>
+            <a:r>
+              <a:t/>
+            </a:r>
+            <a:endParaRPr/>
+          </a:p>
+        </p:txBody>
+      </p:sp>
+      <p:sp>
+        <p:nvSpPr>
+          <p:cNvPr id="164" name="Google Shape;164;p26"/>
+          <p:cNvSpPr/>
+          <p:nvPr/>
+        </p:nvSpPr>
+        <p:spPr>
+          <a:xfrm>
+            <a:off x="8055625" y="245675"/>
+            <a:ext cx="489600" cy="489600"/>
+          </a:xfrm>
+          <a:prstGeom prst="smileyFace">
+            <a:avLst>
+              <a:gd fmla="val 4653" name="adj"/>
+            </a:avLst>
+          </a:prstGeom>
+          <a:solidFill>
+            <a:schemeClr val="lt2"/>
+          </a:solidFill>
+          <a:ln cap="flat" cmpd="sng" w="9525">
+            <a:solidFill>
+              <a:schemeClr val="dk2"/>
+            </a:solidFill>
+            <a:prstDash val="solid"/>
+            <a:round/>
+            <a:headEnd len="sm" w="sm" type="none"/>
+            <a:tailEnd len="sm" w="sm" type="none"/>
+          </a:ln>
+        </p:spPr>
+        <p:txBody>
+          <a:bodyPr anchorCtr="0" anchor="ctr" bIns="91425" lIns="91425" spcFirstLastPara="1" rIns="91425" wrap="square" tIns="91425">
+            <a:noAutofit/>
+          </a:bodyPr>
+          <a:lstStyle/>
+          <a:p>
+            <a:pPr indent="0" lvl="0" marL="0" rtl="0" algn="l">
+              <a:spcBef>
+                <a:spcPts val="0"/>
+              </a:spcBef>
+              <a:spcAft>
+                <a:spcPts val="0"/>
+              </a:spcAft>
+              <a:buNone/>
+            </a:pPr>
+            <a:r>
+              <a:t/>
+            </a:r>
+            <a:endParaRPr/>
+          </a:p>
+        </p:txBody>
+      </p:sp>
+      <p:sp>
+        <p:nvSpPr>
+          <p:cNvPr id="165" name="Google Shape;165;p26"/>
+          <p:cNvSpPr/>
+          <p:nvPr/>
+        </p:nvSpPr>
+        <p:spPr>
+          <a:xfrm>
+            <a:off x="8584575" y="383850"/>
+            <a:ext cx="489600" cy="489600"/>
+          </a:xfrm>
+          <a:prstGeom prst="smileyFace">
+            <a:avLst>
+              <a:gd fmla="val 4653" name="adj"/>
+            </a:avLst>
+          </a:prstGeom>
+          <a:solidFill>
+            <a:schemeClr val="lt2"/>
+          </a:solidFill>
+          <a:ln cap="flat" cmpd="sng" w="9525">
+            <a:solidFill>
+              <a:schemeClr val="dk2"/>
+            </a:solidFill>
+            <a:prstDash val="solid"/>
+            <a:round/>
+            <a:headEnd len="sm" w="sm" type="none"/>
+            <a:tailEnd len="sm" w="sm" type="none"/>
+          </a:ln>
+        </p:spPr>
+        <p:txBody>
+          <a:bodyPr anchorCtr="0" anchor="ctr" bIns="91425" lIns="91425" spcFirstLastPara="1" rIns="91425" wrap="square" tIns="91425">
+            <a:noAutofit/>
+          </a:bodyPr>
+          <a:lstStyle/>
+          <a:p>
+            <a:pPr indent="0" lvl="0" marL="0" rtl="0" algn="l">
+              <a:spcBef>
+                <a:spcPts val="0"/>
+              </a:spcBef>
+              <a:spcAft>
+                <a:spcPts val="0"/>
+              </a:spcAft>
+              <a:buNone/>
+            </a:pPr>
+            <a:r>
+              <a:t/>
+            </a:r>
+            <a:endParaRPr/>
+          </a:p>
+        </p:txBody>
+      </p:sp>
+      <p:sp>
+        <p:nvSpPr>
+          <p:cNvPr id="160" name="Google Shape;160;p26"/>
+          <p:cNvSpPr/>
+          <p:nvPr/>
+        </p:nvSpPr>
+        <p:spPr>
+          <a:xfrm>
+            <a:off x="7535050" y="2898050"/>
+            <a:ext cx="1146050" cy="645500"/>
+          </a:xfrm>
+          <a:prstGeom prst="flowChartDecision">
+            <a:avLst/>
+          </a:prstGeom>
+          <a:solidFill>
+            <a:schemeClr val="lt2"/>
+          </a:solidFill>
+          <a:ln cap="flat" cmpd="sng" w="9525">
+            <a:solidFill>
+              <a:schemeClr val="dk2"/>
+            </a:solidFill>
+            <a:prstDash val="solid"/>
+            <a:round/>
+            <a:headEnd len="sm" w="sm" type="none"/>
+            <a:tailEnd len="sm" w="sm" type="none"/>
+          </a:ln>
+        </p:spPr>
+        <p:txBody>
+          <a:bodyPr anchorCtr="0" anchor="ctr" bIns="91425" lIns="91425" spcFirstLastPara="1" rIns="91425" wrap="square" tIns="91425">
+            <a:noAutofit/>
+          </a:bodyPr>
+          <a:lstStyle/>
+          <a:p>
+            <a:pPr indent="0" lvl="0" marL="0" rtl="0" algn="ctr">
+              <a:spcBef>
+                <a:spcPts val="0"/>
+              </a:spcBef>
+              <a:spcAft>
+                <a:spcPts val="0"/>
+              </a:spcAft>
+              <a:buNone/>
+            </a:pPr>
+            <a:r>
+              <a:rPr lang="en"/>
+              <a:t>SG</a:t>
+            </a:r>
+            <a:endParaRPr/>
+          </a:p>
+        </p:txBody>
+      </p:sp>
+      <p:sp>
+        <p:nvSpPr>
+          <p:cNvPr id="166" name="Google Shape;166;p26"/>
+          <p:cNvSpPr/>
+          <p:nvPr/>
+        </p:nvSpPr>
+        <p:spPr>
+          <a:xfrm>
+            <a:off x="5968475" y="3964400"/>
+            <a:ext cx="714300" cy="262200"/>
           </a:xfrm>
           <a:prstGeom prst="rect">
             <a:avLst/>
           </a:prstGeom>
+          <a:solidFill>
+            <a:schemeClr val="lt2"/>
+          </a:solidFill>
+          <a:ln cap="flat" cmpd="sng" w="9525">
+            <a:solidFill>
+              <a:schemeClr val="dk2"/>
+            </a:solidFill>
+            <a:prstDash val="solid"/>
+            <a:round/>
+            <a:headEnd len="sm" w="sm" type="none"/>
+            <a:tailEnd len="sm" w="sm" type="none"/>
+          </a:ln>
+        </p:spPr>
+        <p:txBody>
+          <a:bodyPr anchorCtr="0" anchor="ctr" bIns="91425" lIns="91425" spcFirstLastPara="1" rIns="91425" wrap="square" tIns="91425">
+            <a:noAutofit/>
+          </a:bodyPr>
+          <a:lstStyle/>
+          <a:p>
+            <a:pPr indent="0" lvl="0" marL="0" rtl="0" algn="ctr">
+              <a:spcBef>
+                <a:spcPts val="0"/>
+              </a:spcBef>
+              <a:spcAft>
+                <a:spcPts val="0"/>
+              </a:spcAft>
+              <a:buNone/>
+            </a:pPr>
+            <a:r>
+              <a:rPr lang="en" sz="1000"/>
+              <a:t>subnets</a:t>
+            </a:r>
+            <a:endParaRPr sz="1000"/>
+          </a:p>
+        </p:txBody>
+      </p:sp>
+      <p:cxnSp>
+        <p:nvCxnSpPr>
+          <p:cNvPr id="167" name="Google Shape;167;p26"/>
+          <p:cNvCxnSpPr>
+            <a:stCxn id="166" idx="0"/>
+          </p:cNvCxnSpPr>
+          <p:nvPr/>
+        </p:nvCxnSpPr>
+        <p:spPr>
+          <a:xfrm rot="10800000">
+            <a:off x="6163925" y="3418100"/>
+            <a:ext cx="161700" cy="546300"/>
+          </a:xfrm>
+          <a:prstGeom prst="straightConnector1">
+            <a:avLst/>
+          </a:prstGeom>
           <a:noFill/>
-          <a:ln>
-            <a:noFill/>
+          <a:ln cap="flat" cmpd="sng" w="9525">
+            <a:solidFill>
+              <a:schemeClr val="dk2"/>
+            </a:solidFill>
+            <a:prstDash val="solid"/>
+            <a:round/>
+            <a:headEnd len="med" w="med" type="none"/>
+            <a:tailEnd len="med" w="med" type="triangle"/>
           </a:ln>
         </p:spPr>
-      </p:pic>
+      </p:cxnSp>
+      <p:cxnSp>
+        <p:nvCxnSpPr>
+          <p:cNvPr id="168" name="Google Shape;168;p26"/>
+          <p:cNvCxnSpPr>
+            <a:stCxn id="166" idx="0"/>
+          </p:cNvCxnSpPr>
+          <p:nvPr/>
+        </p:nvCxnSpPr>
+        <p:spPr>
+          <a:xfrm flipH="1" rot="10800000">
+            <a:off x="6325625" y="3680300"/>
+            <a:ext cx="1716900" cy="284100"/>
+          </a:xfrm>
+          <a:prstGeom prst="straightConnector1">
+            <a:avLst/>
+          </a:prstGeom>
+          <a:noFill/>
+          <a:ln cap="flat" cmpd="sng" w="9525">
+            <a:solidFill>
+              <a:schemeClr val="dk2"/>
+            </a:solidFill>
+            <a:prstDash val="solid"/>
+            <a:round/>
+            <a:headEnd len="med" w="med" type="none"/>
+            <a:tailEnd len="med" w="med" type="triangle"/>
+          </a:ln>
+        </p:spPr>
+      </p:cxnSp>
+      <p:cxnSp>
+        <p:nvCxnSpPr>
+          <p:cNvPr id="169" name="Google Shape;169;p26"/>
+          <p:cNvCxnSpPr>
+            <a:stCxn id="160" idx="0"/>
+            <a:endCxn id="170" idx="1"/>
+          </p:cNvCxnSpPr>
+          <p:nvPr/>
+        </p:nvCxnSpPr>
+        <p:spPr>
+          <a:xfrm rot="10800000">
+            <a:off x="8108075" y="2288450"/>
+            <a:ext cx="0" cy="609600"/>
+          </a:xfrm>
+          <a:prstGeom prst="straightConnector1">
+            <a:avLst/>
+          </a:prstGeom>
+          <a:noFill/>
+          <a:ln cap="flat" cmpd="sng" w="9525">
+            <a:solidFill>
+              <a:schemeClr val="dk2"/>
+            </a:solidFill>
+            <a:prstDash val="solid"/>
+            <a:round/>
+            <a:headEnd len="med" w="med" type="none"/>
+            <a:tailEnd len="med" w="med" type="none"/>
+          </a:ln>
+        </p:spPr>
+      </p:cxnSp>
+      <p:cxnSp>
+        <p:nvCxnSpPr>
+          <p:cNvPr id="171" name="Google Shape;171;p26"/>
+          <p:cNvCxnSpPr/>
+          <p:nvPr/>
+        </p:nvCxnSpPr>
+        <p:spPr>
+          <a:xfrm>
+            <a:off x="6927700" y="735275"/>
+            <a:ext cx="590400" cy="654600"/>
+          </a:xfrm>
+          <a:prstGeom prst="straightConnector1">
+            <a:avLst/>
+          </a:prstGeom>
+          <a:noFill/>
+          <a:ln cap="flat" cmpd="sng" w="9525">
+            <a:solidFill>
+              <a:schemeClr val="dk2"/>
+            </a:solidFill>
+            <a:prstDash val="solid"/>
+            <a:round/>
+            <a:headEnd len="med" w="med" type="none"/>
+            <a:tailEnd len="med" w="med" type="none"/>
+          </a:ln>
+        </p:spPr>
+      </p:cxnSp>
+      <p:cxnSp>
+        <p:nvCxnSpPr>
+          <p:cNvPr id="172" name="Google Shape;172;p26"/>
+          <p:cNvCxnSpPr>
+            <a:stCxn id="163" idx="4"/>
+          </p:cNvCxnSpPr>
+          <p:nvPr/>
+        </p:nvCxnSpPr>
+        <p:spPr>
+          <a:xfrm>
+            <a:off x="7710225" y="873450"/>
+            <a:ext cx="201300" cy="367800"/>
+          </a:xfrm>
+          <a:prstGeom prst="straightConnector1">
+            <a:avLst/>
+          </a:prstGeom>
+          <a:noFill/>
+          <a:ln cap="flat" cmpd="sng" w="9525">
+            <a:solidFill>
+              <a:schemeClr val="dk2"/>
+            </a:solidFill>
+            <a:prstDash val="solid"/>
+            <a:round/>
+            <a:headEnd len="med" w="med" type="none"/>
+            <a:tailEnd len="med" w="med" type="none"/>
+          </a:ln>
+        </p:spPr>
+      </p:cxnSp>
+      <p:cxnSp>
+        <p:nvCxnSpPr>
+          <p:cNvPr id="173" name="Google Shape;173;p26"/>
+          <p:cNvCxnSpPr>
+            <a:stCxn id="164" idx="4"/>
+          </p:cNvCxnSpPr>
+          <p:nvPr/>
+        </p:nvCxnSpPr>
+        <p:spPr>
+          <a:xfrm flipH="1">
+            <a:off x="8269825" y="735275"/>
+            <a:ext cx="30600" cy="558600"/>
+          </a:xfrm>
+          <a:prstGeom prst="straightConnector1">
+            <a:avLst/>
+          </a:prstGeom>
+          <a:noFill/>
+          <a:ln cap="flat" cmpd="sng" w="9525">
+            <a:solidFill>
+              <a:schemeClr val="dk2"/>
+            </a:solidFill>
+            <a:prstDash val="solid"/>
+            <a:round/>
+            <a:headEnd len="med" w="med" type="none"/>
+            <a:tailEnd len="med" w="med" type="none"/>
+          </a:ln>
+        </p:spPr>
+      </p:cxnSp>
+      <p:cxnSp>
+        <p:nvCxnSpPr>
+          <p:cNvPr id="174" name="Google Shape;174;p26"/>
+          <p:cNvCxnSpPr>
+            <a:stCxn id="165" idx="4"/>
+          </p:cNvCxnSpPr>
+          <p:nvPr/>
+        </p:nvCxnSpPr>
+        <p:spPr>
+          <a:xfrm flipH="1">
+            <a:off x="8593275" y="873450"/>
+            <a:ext cx="236100" cy="341700"/>
+          </a:xfrm>
+          <a:prstGeom prst="straightConnector1">
+            <a:avLst/>
+          </a:prstGeom>
+          <a:noFill/>
+          <a:ln cap="flat" cmpd="sng" w="9525">
+            <a:solidFill>
+              <a:schemeClr val="dk2"/>
+            </a:solidFill>
+            <a:prstDash val="solid"/>
+            <a:round/>
+            <a:headEnd len="med" w="med" type="none"/>
+            <a:tailEnd len="med" w="med" type="none"/>
+          </a:ln>
+        </p:spPr>
+      </p:cxnSp>
+      <p:sp>
+        <p:nvSpPr>
+          <p:cNvPr id="170" name="Google Shape;170;p26"/>
+          <p:cNvSpPr/>
+          <p:nvPr/>
+        </p:nvSpPr>
+        <p:spPr>
+          <a:xfrm>
+            <a:off x="7290725" y="962125"/>
+            <a:ext cx="1634688" cy="1327752"/>
+          </a:xfrm>
+          <a:prstGeom prst="cloud">
+            <a:avLst/>
+          </a:prstGeom>
+          <a:solidFill>
+            <a:schemeClr val="lt2"/>
+          </a:solidFill>
+          <a:ln cap="flat" cmpd="sng" w="9525">
+            <a:solidFill>
+              <a:schemeClr val="dk2"/>
+            </a:solidFill>
+            <a:prstDash val="solid"/>
+            <a:round/>
+            <a:headEnd len="sm" w="sm" type="none"/>
+            <a:tailEnd len="sm" w="sm" type="none"/>
+          </a:ln>
+        </p:spPr>
+        <p:txBody>
+          <a:bodyPr anchorCtr="0" anchor="ctr" bIns="91425" lIns="91425" spcFirstLastPara="1" rIns="91425" wrap="square" tIns="91425">
+            <a:noAutofit/>
+          </a:bodyPr>
+          <a:lstStyle/>
+          <a:p>
+            <a:pPr indent="0" lvl="0" marL="0" rtl="0" algn="ctr">
+              <a:spcBef>
+                <a:spcPts val="0"/>
+              </a:spcBef>
+              <a:spcAft>
+                <a:spcPts val="0"/>
+              </a:spcAft>
+              <a:buNone/>
+            </a:pPr>
+            <a:r>
+              <a:rPr lang="en"/>
+              <a:t>Internet</a:t>
+            </a:r>
+            <a:endParaRPr/>
+          </a:p>
+        </p:txBody>
+      </p:sp>
     </p:spTree>
   </p:cSld>
   <p:clrMapOvr>
@@ -7343,35 +8530,86 @@
         </p:spPr>
         <p:txBody>
           <a:bodyPr anchorCtr="0" anchor="t" bIns="91425" lIns="91425" spcFirstLastPara="1" rIns="91425" wrap="square" tIns="91425">
-            <a:normAutofit/>
+            <a:normAutofit fontScale="85000" lnSpcReduction="20000"/>
           </a:bodyPr>
           <a:lstStyle/>
           <a:p>
-            <a:pPr indent="-342900" lvl="0" marL="457200" rtl="0" algn="l">
-              <a:spcBef>
-                <a:spcPts val="0"/>
-              </a:spcBef>
-              <a:spcAft>
-                <a:spcPts val="0"/>
-              </a:spcAft>
-              <a:buSzPts val="1800"/>
+            <a:pPr indent="-325755" lvl="0" marL="457200" rtl="0" algn="l">
+              <a:spcBef>
+                <a:spcPts val="0"/>
+              </a:spcBef>
+              <a:spcAft>
+                <a:spcPts val="0"/>
+              </a:spcAft>
+              <a:buSzPct val="100000"/>
               <a:buChar char="●"/>
             </a:pPr>
             <a:r>
               <a:rPr lang="en"/>
-              <a:t>Security Groups (SGs) need for internet traffic in/out of AWS</a:t>
-            </a:r>
-            <a:endParaRPr/>
-          </a:p>
-          <a:p>
-            <a:pPr indent="-342900" lvl="0" marL="457200" rtl="0" algn="l">
-              <a:spcBef>
-                <a:spcPts val="0"/>
-              </a:spcBef>
-              <a:spcAft>
-                <a:spcPts val="0"/>
-              </a:spcAft>
-              <a:buSzPts val="1800"/>
+              <a:t>Security Groups (SGs) needed for internet traffic in/out of AWS</a:t>
+            </a:r>
+            <a:endParaRPr/>
+          </a:p>
+          <a:p>
+            <a:pPr indent="-325755" lvl="0" marL="457200" rtl="0" algn="l">
+              <a:spcBef>
+                <a:spcPts val="0"/>
+              </a:spcBef>
+              <a:spcAft>
+                <a:spcPts val="0"/>
+              </a:spcAft>
+              <a:buSzPct val="100000"/>
+              <a:buChar char="●"/>
+            </a:pPr>
+            <a:r>
+              <a:rPr lang="en"/>
+              <a:t>They are like Firewalls </a:t>
+            </a:r>
+            <a:endParaRPr/>
+          </a:p>
+          <a:p>
+            <a:pPr indent="-304165" lvl="1" marL="914400" rtl="0" algn="l">
+              <a:spcBef>
+                <a:spcPts val="0"/>
+              </a:spcBef>
+              <a:spcAft>
+                <a:spcPts val="0"/>
+              </a:spcAft>
+              <a:buSzPct val="100000"/>
+              <a:buChar char="○"/>
+            </a:pPr>
+            <a:r>
+              <a:rPr lang="en"/>
+              <a:t>Allow some traffic (ex: web)</a:t>
+            </a:r>
+            <a:endParaRPr/>
+          </a:p>
+          <a:p>
+            <a:pPr indent="-304165" lvl="1" marL="914400" rtl="0" algn="l">
+              <a:spcBef>
+                <a:spcPts val="0"/>
+              </a:spcBef>
+              <a:spcAft>
+                <a:spcPts val="0"/>
+              </a:spcAft>
+              <a:buSzPct val="100000"/>
+              <a:buChar char="○"/>
+            </a:pPr>
+            <a:r>
+              <a:rPr lang="en"/>
+              <a:t>Block other traffic (ex: db access) </a:t>
+            </a:r>
+            <a:endParaRPr/>
+          </a:p>
+          <a:p>
+            <a:pPr indent="-325755" lvl="0" marL="457200" rtl="0" algn="l">
+              <a:spcBef>
+                <a:spcPts val="0"/>
+              </a:spcBef>
+              <a:spcAft>
+                <a:spcPts val="0"/>
+              </a:spcAft>
+              <a:buSzPct val="100000"/>
               <a:buChar char="●"/>
             </a:pPr>
             <a:r>
@@ -7381,31 +8619,31 @@
             <a:endParaRPr/>
           </a:p>
           <a:p>
-            <a:pPr indent="-342900" lvl="0" marL="457200" rtl="0" algn="l">
-              <a:spcBef>
-                <a:spcPts val="0"/>
-              </a:spcBef>
-              <a:spcAft>
-                <a:spcPts val="0"/>
-              </a:spcAft>
-              <a:buSzPts val="1800"/>
+            <a:pPr indent="-325755" lvl="0" marL="457200" rtl="0" algn="l">
+              <a:spcBef>
+                <a:spcPts val="0"/>
+              </a:spcBef>
+              <a:spcAft>
+                <a:spcPts val="0"/>
+              </a:spcAft>
+              <a:buSzPct val="100000"/>
               <a:buChar char="●"/>
             </a:pPr>
             <a:r>
               <a:rPr lang="en"/>
-              <a:t>Typically subnets created as small segments of a larger CIDR range</a:t>
-            </a:r>
-            <a:endParaRPr/>
-          </a:p>
-          <a:p>
-            <a:pPr indent="-342900" lvl="0" marL="457200" rtl="0" algn="l">
-              <a:spcBef>
-                <a:spcPts val="0"/>
-              </a:spcBef>
-              <a:spcAft>
-                <a:spcPts val="0"/>
-              </a:spcAft>
-              <a:buSzPts val="1800"/>
+              <a:t>Typically subnets are small segments of a larger CIDR range</a:t>
+            </a:r>
+            <a:endParaRPr/>
+          </a:p>
+          <a:p>
+            <a:pPr indent="-325755" lvl="0" marL="457200" rtl="0" algn="l">
+              <a:spcBef>
+                <a:spcPts val="0"/>
+              </a:spcBef>
+              <a:spcAft>
+                <a:spcPts val="0"/>
+              </a:spcAft>
+              <a:buSzPct val="100000"/>
               <a:buChar char="●"/>
             </a:pPr>
             <a:r>
@@ -7415,14 +8653,14 @@
             <a:endParaRPr/>
           </a:p>
           <a:p>
-            <a:pPr indent="-317500" lvl="1" marL="914400" rtl="0" algn="l">
-              <a:spcBef>
-                <a:spcPts val="0"/>
-              </a:spcBef>
-              <a:spcAft>
-                <a:spcPts val="0"/>
-              </a:spcAft>
-              <a:buSzPts val="1400"/>
+            <a:pPr indent="-304165" lvl="1" marL="914400" rtl="0" algn="l">
+              <a:spcBef>
+                <a:spcPts val="0"/>
+              </a:spcBef>
+              <a:spcAft>
+                <a:spcPts val="0"/>
+              </a:spcAft>
+              <a:buSzPct val="100000"/>
               <a:buChar char="○"/>
             </a:pPr>
             <a:r>
@@ -7432,41 +8670,837 @@
             <a:endParaRPr/>
           </a:p>
           <a:p>
-            <a:pPr indent="-317500" lvl="1" marL="914400" rtl="0" algn="l">
-              <a:spcBef>
-                <a:spcPts val="0"/>
-              </a:spcBef>
-              <a:spcAft>
-                <a:spcPts val="0"/>
-              </a:spcAft>
-              <a:buSzPts val="1400"/>
+            <a:pPr indent="-304165" lvl="1" marL="914400" rtl="0" algn="l">
+              <a:spcBef>
+                <a:spcPts val="0"/>
+              </a:spcBef>
+              <a:spcAft>
+                <a:spcPts val="0"/>
+              </a:spcAft>
+              <a:buSzPct val="100000"/>
               <a:buChar char="○"/>
             </a:pPr>
             <a:r>
               <a:rPr lang="en"/>
-              <a:t>That would provide 254 IP addresses from</a:t>
-            </a:r>
-            <a:endParaRPr/>
-          </a:p>
-          <a:p>
-            <a:pPr indent="-317500" lvl="1" marL="914400" rtl="0" algn="l">
-              <a:spcBef>
-                <a:spcPts val="0"/>
-              </a:spcBef>
-              <a:spcAft>
-                <a:spcPts val="0"/>
-              </a:spcAft>
-              <a:buSzPts val="1400"/>
+              <a:t>254 IP addresses (192.168.0.1 - 192.168.0.254)</a:t>
+            </a:r>
+            <a:endParaRPr/>
+          </a:p>
+          <a:p>
+            <a:pPr indent="-325755" lvl="0" marL="457200" rtl="0" algn="l">
+              <a:spcBef>
+                <a:spcPts val="0"/>
+              </a:spcBef>
+              <a:spcAft>
+                <a:spcPts val="0"/>
+              </a:spcAft>
+              <a:buSzPct val="100000"/>
+              <a:buChar char="●"/>
+            </a:pPr>
+            <a:r>
+              <a:rPr lang="en"/>
+              <a:t>2 smaller subnets</a:t>
+            </a:r>
+            <a:endParaRPr/>
+          </a:p>
+          <a:p>
+            <a:pPr indent="-304165" lvl="1" marL="914400" rtl="0" algn="l">
+              <a:spcBef>
+                <a:spcPts val="0"/>
+              </a:spcBef>
+              <a:spcAft>
+                <a:spcPts val="0"/>
+              </a:spcAft>
+              <a:buSzPct val="100000"/>
               <a:buChar char="○"/>
             </a:pPr>
             <a:r>
               <a:rPr lang="en"/>
-              <a:t>192.168.0.1 - 192.168.0.255</a:t>
+              <a:t>Web - 192.168.0.0/25 = 128 IP addresses (192.168.0.0 - 192.168.0.</a:t>
+            </a:r>
+            <a:r>
+              <a:rPr b="1" lang="en"/>
+              <a:t>127)</a:t>
+            </a:r>
+            <a:endParaRPr b="1"/>
+          </a:p>
+          <a:p>
+            <a:pPr indent="-304165" lvl="1" marL="914400" rtl="0" algn="l">
+              <a:spcBef>
+                <a:spcPts val="0"/>
+              </a:spcBef>
+              <a:spcAft>
+                <a:spcPts val="0"/>
+              </a:spcAft>
+              <a:buSzPct val="100000"/>
+              <a:buChar char="○"/>
+            </a:pPr>
+            <a:r>
+              <a:rPr lang="en"/>
+              <a:t>DB - 192.168.0.128/25 = 128 IP addresses (192.168.0.</a:t>
+            </a:r>
+            <a:r>
+              <a:rPr b="1" lang="en"/>
+              <a:t>128</a:t>
+            </a:r>
+            <a:r>
+              <a:rPr lang="en"/>
+              <a:t> - 192.168.0.</a:t>
+            </a:r>
+            <a:r>
+              <a:rPr b="1" lang="en"/>
+              <a:t>254)</a:t>
+            </a:r>
+            <a:endParaRPr b="1"/>
+          </a:p>
+          <a:p>
+            <a:pPr indent="0" lvl="0" marL="914400" rtl="0" algn="l">
+              <a:spcBef>
+                <a:spcPts val="1200"/>
+              </a:spcBef>
+              <a:spcAft>
+                <a:spcPts val="0"/>
+              </a:spcAft>
+              <a:buClr>
+                <a:schemeClr val="dk1"/>
+              </a:buClr>
+              <a:buSzPct val="61111"/>
+              <a:buFont typeface="Arial"/>
+              <a:buNone/>
+            </a:pPr>
+            <a:r>
+              <a:t/>
+            </a:r>
+            <a:endParaRPr/>
+          </a:p>
+          <a:p>
+            <a:pPr indent="0" lvl="0" marL="0" rtl="0" algn="l">
+              <a:spcBef>
+                <a:spcPts val="1200"/>
+              </a:spcBef>
+              <a:spcAft>
+                <a:spcPts val="1200"/>
+              </a:spcAft>
+              <a:buNone/>
+            </a:pPr>
+            <a:r>
+              <a:t/>
             </a:r>
             <a:endParaRPr/>
           </a:p>
         </p:txBody>
       </p:sp>
+      <p:sp>
+        <p:nvSpPr>
+          <p:cNvPr id="62" name="Google Shape;62;p14"/>
+          <p:cNvSpPr/>
+          <p:nvPr/>
+        </p:nvSpPr>
+        <p:spPr>
+          <a:xfrm>
+            <a:off x="7404375" y="3828850"/>
+            <a:ext cx="1180200" cy="1083900"/>
+          </a:xfrm>
+          <a:prstGeom prst="can">
+            <a:avLst>
+              <a:gd fmla="val 25000" name="adj"/>
+            </a:avLst>
+          </a:prstGeom>
+          <a:solidFill>
+            <a:schemeClr val="lt2"/>
+          </a:solidFill>
+          <a:ln cap="flat" cmpd="sng" w="9525">
+            <a:solidFill>
+              <a:schemeClr val="dk2"/>
+            </a:solidFill>
+            <a:prstDash val="solid"/>
+            <a:round/>
+            <a:headEnd len="sm" w="sm" type="none"/>
+            <a:tailEnd len="sm" w="sm" type="none"/>
+          </a:ln>
+        </p:spPr>
+        <p:txBody>
+          <a:bodyPr anchorCtr="0" anchor="ctr" bIns="91425" lIns="91425" spcFirstLastPara="1" rIns="91425" wrap="square" tIns="91425">
+            <a:noAutofit/>
+          </a:bodyPr>
+          <a:lstStyle/>
+          <a:p>
+            <a:pPr indent="0" lvl="0" marL="0" rtl="0" algn="ctr">
+              <a:spcBef>
+                <a:spcPts val="0"/>
+              </a:spcBef>
+              <a:spcAft>
+                <a:spcPts val="0"/>
+              </a:spcAft>
+              <a:buNone/>
+            </a:pPr>
+            <a:r>
+              <a:rPr lang="en"/>
+              <a:t>database</a:t>
+            </a:r>
+            <a:endParaRPr/>
+          </a:p>
+        </p:txBody>
+      </p:sp>
+      <p:sp>
+        <p:nvSpPr>
+          <p:cNvPr id="63" name="Google Shape;63;p14"/>
+          <p:cNvSpPr/>
+          <p:nvPr/>
+        </p:nvSpPr>
+        <p:spPr>
+          <a:xfrm>
+            <a:off x="4689950" y="3828850"/>
+            <a:ext cx="1634700" cy="1267500"/>
+          </a:xfrm>
+          <a:prstGeom prst="frame">
+            <a:avLst>
+              <a:gd fmla="val 12500" name="adj1"/>
+            </a:avLst>
+          </a:prstGeom>
+          <a:solidFill>
+            <a:schemeClr val="lt2"/>
+          </a:solidFill>
+          <a:ln cap="flat" cmpd="sng" w="9525">
+            <a:solidFill>
+              <a:schemeClr val="dk2"/>
+            </a:solidFill>
+            <a:prstDash val="solid"/>
+            <a:round/>
+            <a:headEnd len="sm" w="sm" type="none"/>
+            <a:tailEnd len="sm" w="sm" type="none"/>
+          </a:ln>
+        </p:spPr>
+        <p:txBody>
+          <a:bodyPr anchorCtr="0" anchor="ctr" bIns="91425" lIns="91425" spcFirstLastPara="1" rIns="91425" wrap="square" tIns="91425">
+            <a:noAutofit/>
+          </a:bodyPr>
+          <a:lstStyle/>
+          <a:p>
+            <a:pPr indent="0" lvl="0" marL="0" rtl="0" algn="ctr">
+              <a:spcBef>
+                <a:spcPts val="0"/>
+              </a:spcBef>
+              <a:spcAft>
+                <a:spcPts val="0"/>
+              </a:spcAft>
+              <a:buNone/>
+            </a:pPr>
+            <a:r>
+              <a:rPr lang="en"/>
+              <a:t>Web site</a:t>
+            </a:r>
+            <a:endParaRPr/>
+          </a:p>
+        </p:txBody>
+      </p:sp>
+      <p:cxnSp>
+        <p:nvCxnSpPr>
+          <p:cNvPr id="64" name="Google Shape;64;p14"/>
+          <p:cNvCxnSpPr>
+            <a:stCxn id="65" idx="2"/>
+            <a:endCxn id="62" idx="1"/>
+          </p:cNvCxnSpPr>
+          <p:nvPr/>
+        </p:nvCxnSpPr>
+        <p:spPr>
+          <a:xfrm flipH="1">
+            <a:off x="7994375" y="3543550"/>
+            <a:ext cx="113700" cy="285300"/>
+          </a:xfrm>
+          <a:prstGeom prst="straightConnector1">
+            <a:avLst/>
+          </a:prstGeom>
+          <a:noFill/>
+          <a:ln cap="flat" cmpd="sng" w="9525">
+            <a:solidFill>
+              <a:schemeClr val="dk2"/>
+            </a:solidFill>
+            <a:prstDash val="solid"/>
+            <a:round/>
+            <a:headEnd len="med" w="med" type="none"/>
+            <a:tailEnd len="med" w="med" type="none"/>
+          </a:ln>
+        </p:spPr>
+      </p:cxnSp>
+      <p:cxnSp>
+        <p:nvCxnSpPr>
+          <p:cNvPr id="66" name="Google Shape;66;p14"/>
+          <p:cNvCxnSpPr>
+            <a:stCxn id="63" idx="0"/>
+            <a:endCxn id="65" idx="1"/>
+          </p:cNvCxnSpPr>
+          <p:nvPr/>
+        </p:nvCxnSpPr>
+        <p:spPr>
+          <a:xfrm flipH="1" rot="10800000">
+            <a:off x="5507300" y="3220750"/>
+            <a:ext cx="2027700" cy="608100"/>
+          </a:xfrm>
+          <a:prstGeom prst="straightConnector1">
+            <a:avLst/>
+          </a:prstGeom>
+          <a:noFill/>
+          <a:ln cap="flat" cmpd="sng" w="9525">
+            <a:solidFill>
+              <a:schemeClr val="dk2"/>
+            </a:solidFill>
+            <a:prstDash val="solid"/>
+            <a:round/>
+            <a:headEnd len="med" w="med" type="none"/>
+            <a:tailEnd len="med" w="med" type="none"/>
+          </a:ln>
+        </p:spPr>
+      </p:cxnSp>
+      <p:sp>
+        <p:nvSpPr>
+          <p:cNvPr id="67" name="Google Shape;67;p14"/>
+          <p:cNvSpPr/>
+          <p:nvPr/>
+        </p:nvSpPr>
+        <p:spPr>
+          <a:xfrm>
+            <a:off x="6682900" y="245675"/>
+            <a:ext cx="489600" cy="489600"/>
+          </a:xfrm>
+          <a:prstGeom prst="smileyFace">
+            <a:avLst>
+              <a:gd fmla="val 4653" name="adj"/>
+            </a:avLst>
+          </a:prstGeom>
+          <a:solidFill>
+            <a:schemeClr val="lt2"/>
+          </a:solidFill>
+          <a:ln cap="flat" cmpd="sng" w="9525">
+            <a:solidFill>
+              <a:schemeClr val="dk2"/>
+            </a:solidFill>
+            <a:prstDash val="solid"/>
+            <a:round/>
+            <a:headEnd len="sm" w="sm" type="none"/>
+            <a:tailEnd len="sm" w="sm" type="none"/>
+          </a:ln>
+        </p:spPr>
+        <p:txBody>
+          <a:bodyPr anchorCtr="0" anchor="ctr" bIns="91425" lIns="91425" spcFirstLastPara="1" rIns="91425" wrap="square" tIns="91425">
+            <a:noAutofit/>
+          </a:bodyPr>
+          <a:lstStyle/>
+          <a:p>
+            <a:pPr indent="0" lvl="0" marL="0" rtl="0" algn="l">
+              <a:spcBef>
+                <a:spcPts val="0"/>
+              </a:spcBef>
+              <a:spcAft>
+                <a:spcPts val="0"/>
+              </a:spcAft>
+              <a:buNone/>
+            </a:pPr>
+            <a:r>
+              <a:t/>
+            </a:r>
+            <a:endParaRPr/>
+          </a:p>
+        </p:txBody>
+      </p:sp>
+      <p:sp>
+        <p:nvSpPr>
+          <p:cNvPr id="68" name="Google Shape;68;p14"/>
+          <p:cNvSpPr/>
+          <p:nvPr/>
+        </p:nvSpPr>
+        <p:spPr>
+          <a:xfrm>
+            <a:off x="7465425" y="383850"/>
+            <a:ext cx="489600" cy="489600"/>
+          </a:xfrm>
+          <a:prstGeom prst="smileyFace">
+            <a:avLst>
+              <a:gd fmla="val 4653" name="adj"/>
+            </a:avLst>
+          </a:prstGeom>
+          <a:solidFill>
+            <a:schemeClr val="lt2"/>
+          </a:solidFill>
+          <a:ln cap="flat" cmpd="sng" w="9525">
+            <a:solidFill>
+              <a:schemeClr val="dk2"/>
+            </a:solidFill>
+            <a:prstDash val="solid"/>
+            <a:round/>
+            <a:headEnd len="sm" w="sm" type="none"/>
+            <a:tailEnd len="sm" w="sm" type="none"/>
+          </a:ln>
+        </p:spPr>
+        <p:txBody>
+          <a:bodyPr anchorCtr="0" anchor="ctr" bIns="91425" lIns="91425" spcFirstLastPara="1" rIns="91425" wrap="square" tIns="91425">
+            <a:noAutofit/>
+          </a:bodyPr>
+          <a:lstStyle/>
+          <a:p>
+            <a:pPr indent="0" lvl="0" marL="0" rtl="0" algn="l">
+              <a:spcBef>
+                <a:spcPts val="0"/>
+              </a:spcBef>
+              <a:spcAft>
+                <a:spcPts val="0"/>
+              </a:spcAft>
+              <a:buNone/>
+            </a:pPr>
+            <a:r>
+              <a:t/>
+            </a:r>
+            <a:endParaRPr/>
+          </a:p>
+        </p:txBody>
+      </p:sp>
+      <p:sp>
+        <p:nvSpPr>
+          <p:cNvPr id="69" name="Google Shape;69;p14"/>
+          <p:cNvSpPr/>
+          <p:nvPr/>
+        </p:nvSpPr>
+        <p:spPr>
+          <a:xfrm>
+            <a:off x="8055625" y="245675"/>
+            <a:ext cx="489600" cy="489600"/>
+          </a:xfrm>
+          <a:prstGeom prst="smileyFace">
+            <a:avLst>
+              <a:gd fmla="val 4653" name="adj"/>
+            </a:avLst>
+          </a:prstGeom>
+          <a:solidFill>
+            <a:schemeClr val="lt2"/>
+          </a:solidFill>
+          <a:ln cap="flat" cmpd="sng" w="9525">
+            <a:solidFill>
+              <a:schemeClr val="dk2"/>
+            </a:solidFill>
+            <a:prstDash val="solid"/>
+            <a:round/>
+            <a:headEnd len="sm" w="sm" type="none"/>
+            <a:tailEnd len="sm" w="sm" type="none"/>
+          </a:ln>
+        </p:spPr>
+        <p:txBody>
+          <a:bodyPr anchorCtr="0" anchor="ctr" bIns="91425" lIns="91425" spcFirstLastPara="1" rIns="91425" wrap="square" tIns="91425">
+            <a:noAutofit/>
+          </a:bodyPr>
+          <a:lstStyle/>
+          <a:p>
+            <a:pPr indent="0" lvl="0" marL="0" rtl="0" algn="l">
+              <a:spcBef>
+                <a:spcPts val="0"/>
+              </a:spcBef>
+              <a:spcAft>
+                <a:spcPts val="0"/>
+              </a:spcAft>
+              <a:buNone/>
+            </a:pPr>
+            <a:r>
+              <a:t/>
+            </a:r>
+            <a:endParaRPr/>
+          </a:p>
+        </p:txBody>
+      </p:sp>
+      <p:sp>
+        <p:nvSpPr>
+          <p:cNvPr id="70" name="Google Shape;70;p14"/>
+          <p:cNvSpPr/>
+          <p:nvPr/>
+        </p:nvSpPr>
+        <p:spPr>
+          <a:xfrm>
+            <a:off x="8584575" y="383850"/>
+            <a:ext cx="489600" cy="489600"/>
+          </a:xfrm>
+          <a:prstGeom prst="smileyFace">
+            <a:avLst>
+              <a:gd fmla="val 4653" name="adj"/>
+            </a:avLst>
+          </a:prstGeom>
+          <a:solidFill>
+            <a:schemeClr val="lt2"/>
+          </a:solidFill>
+          <a:ln cap="flat" cmpd="sng" w="9525">
+            <a:solidFill>
+              <a:schemeClr val="dk2"/>
+            </a:solidFill>
+            <a:prstDash val="solid"/>
+            <a:round/>
+            <a:headEnd len="sm" w="sm" type="none"/>
+            <a:tailEnd len="sm" w="sm" type="none"/>
+          </a:ln>
+        </p:spPr>
+        <p:txBody>
+          <a:bodyPr anchorCtr="0" anchor="ctr" bIns="91425" lIns="91425" spcFirstLastPara="1" rIns="91425" wrap="square" tIns="91425">
+            <a:noAutofit/>
+          </a:bodyPr>
+          <a:lstStyle/>
+          <a:p>
+            <a:pPr indent="0" lvl="0" marL="0" rtl="0" algn="l">
+              <a:spcBef>
+                <a:spcPts val="0"/>
+              </a:spcBef>
+              <a:spcAft>
+                <a:spcPts val="0"/>
+              </a:spcAft>
+              <a:buNone/>
+            </a:pPr>
+            <a:r>
+              <a:t/>
+            </a:r>
+            <a:endParaRPr/>
+          </a:p>
+        </p:txBody>
+      </p:sp>
+      <p:sp>
+        <p:nvSpPr>
+          <p:cNvPr id="65" name="Google Shape;65;p14"/>
+          <p:cNvSpPr/>
+          <p:nvPr/>
+        </p:nvSpPr>
+        <p:spPr>
+          <a:xfrm>
+            <a:off x="7535050" y="2898050"/>
+            <a:ext cx="1146050" cy="645500"/>
+          </a:xfrm>
+          <a:prstGeom prst="flowChartDecision">
+            <a:avLst/>
+          </a:prstGeom>
+          <a:solidFill>
+            <a:schemeClr val="lt2"/>
+          </a:solidFill>
+          <a:ln cap="flat" cmpd="sng" w="9525">
+            <a:solidFill>
+              <a:schemeClr val="dk2"/>
+            </a:solidFill>
+            <a:prstDash val="solid"/>
+            <a:round/>
+            <a:headEnd len="sm" w="sm" type="none"/>
+            <a:tailEnd len="sm" w="sm" type="none"/>
+          </a:ln>
+        </p:spPr>
+        <p:txBody>
+          <a:bodyPr anchorCtr="0" anchor="ctr" bIns="91425" lIns="91425" spcFirstLastPara="1" rIns="91425" wrap="square" tIns="91425">
+            <a:noAutofit/>
+          </a:bodyPr>
+          <a:lstStyle/>
+          <a:p>
+            <a:pPr indent="0" lvl="0" marL="0" rtl="0" algn="ctr">
+              <a:spcBef>
+                <a:spcPts val="0"/>
+              </a:spcBef>
+              <a:spcAft>
+                <a:spcPts val="0"/>
+              </a:spcAft>
+              <a:buNone/>
+            </a:pPr>
+            <a:r>
+              <a:rPr lang="en"/>
+              <a:t>SG</a:t>
+            </a:r>
+            <a:endParaRPr/>
+          </a:p>
+        </p:txBody>
+      </p:sp>
+      <p:sp>
+        <p:nvSpPr>
+          <p:cNvPr id="71" name="Google Shape;71;p14"/>
+          <p:cNvSpPr/>
+          <p:nvPr/>
+        </p:nvSpPr>
+        <p:spPr>
+          <a:xfrm>
+            <a:off x="6682888" y="3685875"/>
+            <a:ext cx="714300" cy="262200"/>
+          </a:xfrm>
+          <a:prstGeom prst="rect">
+            <a:avLst/>
+          </a:prstGeom>
+          <a:solidFill>
+            <a:schemeClr val="lt2"/>
+          </a:solidFill>
+          <a:ln cap="flat" cmpd="sng" w="9525">
+            <a:solidFill>
+              <a:schemeClr val="dk2"/>
+            </a:solidFill>
+            <a:prstDash val="solid"/>
+            <a:round/>
+            <a:headEnd len="sm" w="sm" type="none"/>
+            <a:tailEnd len="sm" w="sm" type="none"/>
+          </a:ln>
+        </p:spPr>
+        <p:txBody>
+          <a:bodyPr anchorCtr="0" anchor="ctr" bIns="91425" lIns="91425" spcFirstLastPara="1" rIns="91425" wrap="square" tIns="91425">
+            <a:noAutofit/>
+          </a:bodyPr>
+          <a:lstStyle/>
+          <a:p>
+            <a:pPr indent="0" lvl="0" marL="0" rtl="0" algn="ctr">
+              <a:spcBef>
+                <a:spcPts val="0"/>
+              </a:spcBef>
+              <a:spcAft>
+                <a:spcPts val="0"/>
+              </a:spcAft>
+              <a:buNone/>
+            </a:pPr>
+            <a:r>
+              <a:rPr lang="en" sz="1000"/>
+              <a:t>subnets</a:t>
+            </a:r>
+            <a:endParaRPr sz="1000"/>
+          </a:p>
+        </p:txBody>
+      </p:sp>
+      <p:cxnSp>
+        <p:nvCxnSpPr>
+          <p:cNvPr id="72" name="Google Shape;72;p14"/>
+          <p:cNvCxnSpPr>
+            <a:stCxn id="71" idx="3"/>
+          </p:cNvCxnSpPr>
+          <p:nvPr/>
+        </p:nvCxnSpPr>
+        <p:spPr>
+          <a:xfrm flipH="1" rot="10800000">
+            <a:off x="7397188" y="3675375"/>
+            <a:ext cx="619200" cy="141600"/>
+          </a:xfrm>
+          <a:prstGeom prst="straightConnector1">
+            <a:avLst/>
+          </a:prstGeom>
+          <a:noFill/>
+          <a:ln cap="flat" cmpd="sng" w="9525">
+            <a:solidFill>
+              <a:schemeClr val="dk2"/>
+            </a:solidFill>
+            <a:prstDash val="solid"/>
+            <a:round/>
+            <a:headEnd len="med" w="med" type="none"/>
+            <a:tailEnd len="med" w="med" type="triangle"/>
+          </a:ln>
+        </p:spPr>
+      </p:cxnSp>
+      <p:cxnSp>
+        <p:nvCxnSpPr>
+          <p:cNvPr id="73" name="Google Shape;73;p14"/>
+          <p:cNvCxnSpPr>
+            <a:stCxn id="65" idx="0"/>
+            <a:endCxn id="74" idx="1"/>
+          </p:cNvCxnSpPr>
+          <p:nvPr/>
+        </p:nvCxnSpPr>
+        <p:spPr>
+          <a:xfrm rot="10800000">
+            <a:off x="8108075" y="2288450"/>
+            <a:ext cx="0" cy="609600"/>
+          </a:xfrm>
+          <a:prstGeom prst="straightConnector1">
+            <a:avLst/>
+          </a:prstGeom>
+          <a:noFill/>
+          <a:ln cap="flat" cmpd="sng" w="9525">
+            <a:solidFill>
+              <a:schemeClr val="dk2"/>
+            </a:solidFill>
+            <a:prstDash val="solid"/>
+            <a:round/>
+            <a:headEnd len="med" w="med" type="none"/>
+            <a:tailEnd len="med" w="med" type="none"/>
+          </a:ln>
+        </p:spPr>
+      </p:cxnSp>
+      <p:cxnSp>
+        <p:nvCxnSpPr>
+          <p:cNvPr id="75" name="Google Shape;75;p14"/>
+          <p:cNvCxnSpPr/>
+          <p:nvPr/>
+        </p:nvCxnSpPr>
+        <p:spPr>
+          <a:xfrm>
+            <a:off x="6927700" y="735275"/>
+            <a:ext cx="590400" cy="654600"/>
+          </a:xfrm>
+          <a:prstGeom prst="straightConnector1">
+            <a:avLst/>
+          </a:prstGeom>
+          <a:noFill/>
+          <a:ln cap="flat" cmpd="sng" w="9525">
+            <a:solidFill>
+              <a:schemeClr val="dk2"/>
+            </a:solidFill>
+            <a:prstDash val="solid"/>
+            <a:round/>
+            <a:headEnd len="med" w="med" type="none"/>
+            <a:tailEnd len="med" w="med" type="none"/>
+          </a:ln>
+        </p:spPr>
+      </p:cxnSp>
+      <p:cxnSp>
+        <p:nvCxnSpPr>
+          <p:cNvPr id="76" name="Google Shape;76;p14"/>
+          <p:cNvCxnSpPr>
+            <a:stCxn id="68" idx="4"/>
+          </p:cNvCxnSpPr>
+          <p:nvPr/>
+        </p:nvCxnSpPr>
+        <p:spPr>
+          <a:xfrm>
+            <a:off x="7710225" y="873450"/>
+            <a:ext cx="201300" cy="367800"/>
+          </a:xfrm>
+          <a:prstGeom prst="straightConnector1">
+            <a:avLst/>
+          </a:prstGeom>
+          <a:noFill/>
+          <a:ln cap="flat" cmpd="sng" w="9525">
+            <a:solidFill>
+              <a:schemeClr val="dk2"/>
+            </a:solidFill>
+            <a:prstDash val="solid"/>
+            <a:round/>
+            <a:headEnd len="med" w="med" type="none"/>
+            <a:tailEnd len="med" w="med" type="none"/>
+          </a:ln>
+        </p:spPr>
+      </p:cxnSp>
+      <p:cxnSp>
+        <p:nvCxnSpPr>
+          <p:cNvPr id="77" name="Google Shape;77;p14"/>
+          <p:cNvCxnSpPr>
+            <a:stCxn id="69" idx="4"/>
+          </p:cNvCxnSpPr>
+          <p:nvPr/>
+        </p:nvCxnSpPr>
+        <p:spPr>
+          <a:xfrm flipH="1">
+            <a:off x="8269825" y="735275"/>
+            <a:ext cx="30600" cy="558600"/>
+          </a:xfrm>
+          <a:prstGeom prst="straightConnector1">
+            <a:avLst/>
+          </a:prstGeom>
+          <a:noFill/>
+          <a:ln cap="flat" cmpd="sng" w="9525">
+            <a:solidFill>
+              <a:schemeClr val="dk2"/>
+            </a:solidFill>
+            <a:prstDash val="solid"/>
+            <a:round/>
+            <a:headEnd len="med" w="med" type="none"/>
+            <a:tailEnd len="med" w="med" type="none"/>
+          </a:ln>
+        </p:spPr>
+      </p:cxnSp>
+      <p:cxnSp>
+        <p:nvCxnSpPr>
+          <p:cNvPr id="78" name="Google Shape;78;p14"/>
+          <p:cNvCxnSpPr>
+            <a:stCxn id="70" idx="4"/>
+          </p:cNvCxnSpPr>
+          <p:nvPr/>
+        </p:nvCxnSpPr>
+        <p:spPr>
+          <a:xfrm flipH="1">
+            <a:off x="8593275" y="873450"/>
+            <a:ext cx="236100" cy="341700"/>
+          </a:xfrm>
+          <a:prstGeom prst="straightConnector1">
+            <a:avLst/>
+          </a:prstGeom>
+          <a:noFill/>
+          <a:ln cap="flat" cmpd="sng" w="9525">
+            <a:solidFill>
+              <a:schemeClr val="dk2"/>
+            </a:solidFill>
+            <a:prstDash val="solid"/>
+            <a:round/>
+            <a:headEnd len="med" w="med" type="none"/>
+            <a:tailEnd len="med" w="med" type="none"/>
+          </a:ln>
+        </p:spPr>
+      </p:cxnSp>
+      <p:sp>
+        <p:nvSpPr>
+          <p:cNvPr id="74" name="Google Shape;74;p14"/>
+          <p:cNvSpPr/>
+          <p:nvPr/>
+        </p:nvSpPr>
+        <p:spPr>
+          <a:xfrm>
+            <a:off x="7290725" y="962125"/>
+            <a:ext cx="1634688" cy="1327752"/>
+          </a:xfrm>
+          <a:prstGeom prst="cloud">
+            <a:avLst/>
+          </a:prstGeom>
+          <a:solidFill>
+            <a:schemeClr val="lt2"/>
+          </a:solidFill>
+          <a:ln cap="flat" cmpd="sng" w="9525">
+            <a:solidFill>
+              <a:schemeClr val="dk2"/>
+            </a:solidFill>
+            <a:prstDash val="solid"/>
+            <a:round/>
+            <a:headEnd len="sm" w="sm" type="none"/>
+            <a:tailEnd len="sm" w="sm" type="none"/>
+          </a:ln>
+        </p:spPr>
+        <p:txBody>
+          <a:bodyPr anchorCtr="0" anchor="ctr" bIns="91425" lIns="91425" spcFirstLastPara="1" rIns="91425" wrap="square" tIns="91425">
+            <a:noAutofit/>
+          </a:bodyPr>
+          <a:lstStyle/>
+          <a:p>
+            <a:pPr indent="0" lvl="0" marL="0" rtl="0" algn="ctr">
+              <a:spcBef>
+                <a:spcPts val="0"/>
+              </a:spcBef>
+              <a:spcAft>
+                <a:spcPts val="0"/>
+              </a:spcAft>
+              <a:buNone/>
+            </a:pPr>
+            <a:r>
+              <a:rPr lang="en"/>
+              <a:t>Internet</a:t>
+            </a:r>
+            <a:endParaRPr/>
+          </a:p>
+        </p:txBody>
+      </p:sp>
+      <p:cxnSp>
+        <p:nvCxnSpPr>
+          <p:cNvPr id="79" name="Google Shape;79;p14"/>
+          <p:cNvCxnSpPr>
+            <a:stCxn id="71" idx="0"/>
+          </p:cNvCxnSpPr>
+          <p:nvPr/>
+        </p:nvCxnSpPr>
+        <p:spPr>
+          <a:xfrm rot="10800000">
+            <a:off x="6997138" y="3417075"/>
+            <a:ext cx="42900" cy="268800"/>
+          </a:xfrm>
+          <a:prstGeom prst="straightConnector1">
+            <a:avLst/>
+          </a:prstGeom>
+          <a:noFill/>
+          <a:ln cap="flat" cmpd="sng" w="9525">
+            <a:solidFill>
+              <a:schemeClr val="dk2"/>
+            </a:solidFill>
+            <a:prstDash val="solid"/>
+            <a:round/>
+            <a:headEnd len="med" w="med" type="none"/>
+            <a:tailEnd len="med" w="med" type="triangle"/>
+          </a:ln>
+        </p:spPr>
+      </p:cxnSp>
     </p:spTree>
   </p:cSld>
   <p:clrMapOvr>
@@ -7476,543 +9510,6 @@
 </file>
 
 <file path=ppt/slides/slide3.xml><?xml version="1.0" encoding="utf-8"?>
-<p:sld xmlns:a="http://schemas.openxmlformats.org/drawingml/2006/main" xmlns:r="http://schemas.openxmlformats.org/officeDocument/2006/relationships" xmlns:mc="http://schemas.openxmlformats.org/markup-compatibility/2006" xmlns:mv="urn:schemas-microsoft-com:mac:vml" xmlns:p="http://schemas.openxmlformats.org/presentationml/2006/main" xmlns:c="http://schemas.openxmlformats.org/drawingml/2006/chart" xmlns:dgm="http://schemas.openxmlformats.org/drawingml/2006/diagram" xmlns:o="urn:schemas-microsoft-com:office:office" xmlns:v="urn:schemas-microsoft-com:vml" xmlns:pvml="urn:schemas-microsoft-com:office:powerpoint" xmlns:com="http://schemas.openxmlformats.org/drawingml/2006/compatibility" xmlns:p14="http://schemas.microsoft.com/office/powerpoint/2010/main" xmlns:p15="http://schemas.microsoft.com/office/powerpoint/2012/main" xmlns:ahyp="http://schemas.microsoft.com/office/drawing/2018/hyperlinkcolor">
-  <p:cSld>
-    <p:spTree>
-      <p:nvGrpSpPr>
-        <p:cNvPr id="65" name="Shape 65"/>
-        <p:cNvGrpSpPr/>
-        <p:nvPr/>
-      </p:nvGrpSpPr>
-      <p:grpSpPr>
-        <a:xfrm>
-          <a:off x="0" y="0"/>
-          <a:ext cx="0" cy="0"/>
-          <a:chOff x="0" y="0"/>
-          <a:chExt cx="0" cy="0"/>
-        </a:xfrm>
-      </p:grpSpPr>
-      <p:sp>
-        <p:nvSpPr>
-          <p:cNvPr id="66" name="Google Shape;66;p15"/>
-          <p:cNvSpPr txBox="1"/>
-          <p:nvPr>
-            <p:ph type="title"/>
-          </p:nvPr>
-        </p:nvSpPr>
-        <p:spPr>
-          <a:xfrm>
-            <a:off x="311700" y="445025"/>
-            <a:ext cx="8520600" cy="572700"/>
-          </a:xfrm>
-          <a:prstGeom prst="rect">
-            <a:avLst/>
-          </a:prstGeom>
-        </p:spPr>
-        <p:txBody>
-          <a:bodyPr anchorCtr="0" anchor="t" bIns="91425" lIns="91425" spcFirstLastPara="1" rIns="91425" wrap="square" tIns="91425">
-            <a:normAutofit fontScale="90000"/>
-          </a:bodyPr>
-          <a:lstStyle/>
-          <a:p>
-            <a:pPr indent="0" lvl="0" marL="0" rtl="0" algn="l">
-              <a:spcBef>
-                <a:spcPts val="0"/>
-              </a:spcBef>
-              <a:spcAft>
-                <a:spcPts val="0"/>
-              </a:spcAft>
-              <a:buNone/>
-            </a:pPr>
-            <a:r>
-              <a:rPr lang="en"/>
-              <a:t>Background</a:t>
-            </a:r>
-            <a:endParaRPr/>
-          </a:p>
-        </p:txBody>
-      </p:sp>
-      <p:sp>
-        <p:nvSpPr>
-          <p:cNvPr id="67" name="Google Shape;67;p15"/>
-          <p:cNvSpPr txBox="1"/>
-          <p:nvPr>
-            <p:ph idx="1" type="body"/>
-          </p:nvPr>
-        </p:nvSpPr>
-        <p:spPr>
-          <a:xfrm>
-            <a:off x="311700" y="1152475"/>
-            <a:ext cx="8520600" cy="3416400"/>
-          </a:xfrm>
-          <a:prstGeom prst="rect">
-            <a:avLst/>
-          </a:prstGeom>
-        </p:spPr>
-        <p:txBody>
-          <a:bodyPr anchorCtr="0" anchor="t" bIns="91425" lIns="91425" spcFirstLastPara="1" rIns="91425" wrap="square" tIns="91425">
-            <a:normAutofit/>
-          </a:bodyPr>
-          <a:lstStyle/>
-          <a:p>
-            <a:pPr indent="-342900" lvl="0" marL="457200" rtl="0" algn="l">
-              <a:spcBef>
-                <a:spcPts val="0"/>
-              </a:spcBef>
-              <a:spcAft>
-                <a:spcPts val="0"/>
-              </a:spcAft>
-              <a:buSzPts val="1800"/>
-              <a:buChar char="●"/>
-            </a:pPr>
-            <a:r>
-              <a:rPr lang="en"/>
-              <a:t>Subnets are purpose built as small slices of a larger IP space</a:t>
-            </a:r>
-            <a:endParaRPr/>
-          </a:p>
-          <a:p>
-            <a:pPr indent="-342900" lvl="0" marL="457200" rtl="0" algn="l">
-              <a:spcBef>
-                <a:spcPts val="0"/>
-              </a:spcBef>
-              <a:spcAft>
-                <a:spcPts val="0"/>
-              </a:spcAft>
-              <a:buSzPts val="1800"/>
-              <a:buChar char="●"/>
-            </a:pPr>
-            <a:r>
-              <a:rPr lang="en"/>
-              <a:t>This allow segregation of traffic among security Zones</a:t>
-            </a:r>
-            <a:endParaRPr/>
-          </a:p>
-          <a:p>
-            <a:pPr indent="-342900" lvl="0" marL="457200" rtl="0" algn="l">
-              <a:spcBef>
-                <a:spcPts val="0"/>
-              </a:spcBef>
-              <a:spcAft>
-                <a:spcPts val="0"/>
-              </a:spcAft>
-              <a:buSzPts val="1800"/>
-              <a:buChar char="●"/>
-            </a:pPr>
-            <a:r>
-              <a:rPr lang="en"/>
-              <a:t>This is GOOD</a:t>
-            </a:r>
-            <a:endParaRPr/>
-          </a:p>
-          <a:p>
-            <a:pPr indent="0" lvl="0" marL="0" rtl="0" algn="l">
-              <a:spcBef>
-                <a:spcPts val="1200"/>
-              </a:spcBef>
-              <a:spcAft>
-                <a:spcPts val="1200"/>
-              </a:spcAft>
-              <a:buNone/>
-            </a:pPr>
-            <a:r>
-              <a:t/>
-            </a:r>
-            <a:endParaRPr/>
-          </a:p>
-        </p:txBody>
-      </p:sp>
-    </p:spTree>
-  </p:cSld>
-  <p:clrMapOvr>
-    <a:masterClrMapping/>
-  </p:clrMapOvr>
-</p:sld>
-</file>
-
-<file path=ppt/slides/slide4.xml><?xml version="1.0" encoding="utf-8"?>
-<p:sld xmlns:a="http://schemas.openxmlformats.org/drawingml/2006/main" xmlns:r="http://schemas.openxmlformats.org/officeDocument/2006/relationships" xmlns:mc="http://schemas.openxmlformats.org/markup-compatibility/2006" xmlns:mv="urn:schemas-microsoft-com:mac:vml" xmlns:p="http://schemas.openxmlformats.org/presentationml/2006/main" xmlns:c="http://schemas.openxmlformats.org/drawingml/2006/chart" xmlns:dgm="http://schemas.openxmlformats.org/drawingml/2006/diagram" xmlns:o="urn:schemas-microsoft-com:office:office" xmlns:v="urn:schemas-microsoft-com:vml" xmlns:pvml="urn:schemas-microsoft-com:office:powerpoint" xmlns:com="http://schemas.openxmlformats.org/drawingml/2006/compatibility" xmlns:p14="http://schemas.microsoft.com/office/powerpoint/2010/main" xmlns:p15="http://schemas.microsoft.com/office/powerpoint/2012/main" xmlns:ahyp="http://schemas.microsoft.com/office/drawing/2018/hyperlinkcolor">
-  <p:cSld>
-    <p:spTree>
-      <p:nvGrpSpPr>
-        <p:cNvPr id="71" name="Shape 71"/>
-        <p:cNvGrpSpPr/>
-        <p:nvPr/>
-      </p:nvGrpSpPr>
-      <p:grpSpPr>
-        <a:xfrm>
-          <a:off x="0" y="0"/>
-          <a:ext cx="0" cy="0"/>
-          <a:chOff x="0" y="0"/>
-          <a:chExt cx="0" cy="0"/>
-        </a:xfrm>
-      </p:grpSpPr>
-      <p:sp>
-        <p:nvSpPr>
-          <p:cNvPr id="72" name="Google Shape;72;p16"/>
-          <p:cNvSpPr txBox="1"/>
-          <p:nvPr>
-            <p:ph type="title"/>
-          </p:nvPr>
-        </p:nvSpPr>
-        <p:spPr>
-          <a:xfrm>
-            <a:off x="311700" y="445025"/>
-            <a:ext cx="8520600" cy="572700"/>
-          </a:xfrm>
-          <a:prstGeom prst="rect">
-            <a:avLst/>
-          </a:prstGeom>
-        </p:spPr>
-        <p:txBody>
-          <a:bodyPr anchorCtr="0" anchor="t" bIns="91425" lIns="91425" spcFirstLastPara="1" rIns="91425" wrap="square" tIns="91425">
-            <a:normAutofit fontScale="90000"/>
-          </a:bodyPr>
-          <a:lstStyle/>
-          <a:p>
-            <a:pPr indent="0" lvl="0" marL="0" rtl="0" algn="l">
-              <a:spcBef>
-                <a:spcPts val="0"/>
-              </a:spcBef>
-              <a:spcAft>
-                <a:spcPts val="0"/>
-              </a:spcAft>
-              <a:buNone/>
-            </a:pPr>
-            <a:r>
-              <a:rPr lang="en"/>
-              <a:t>Background - Scaling</a:t>
-            </a:r>
-            <a:endParaRPr/>
-          </a:p>
-        </p:txBody>
-      </p:sp>
-      <p:sp>
-        <p:nvSpPr>
-          <p:cNvPr id="73" name="Google Shape;73;p16"/>
-          <p:cNvSpPr txBox="1"/>
-          <p:nvPr>
-            <p:ph idx="1" type="body"/>
-          </p:nvPr>
-        </p:nvSpPr>
-        <p:spPr>
-          <a:xfrm>
-            <a:off x="311700" y="1152475"/>
-            <a:ext cx="8520600" cy="3416400"/>
-          </a:xfrm>
-          <a:prstGeom prst="rect">
-            <a:avLst/>
-          </a:prstGeom>
-        </p:spPr>
-        <p:txBody>
-          <a:bodyPr anchorCtr="0" anchor="t" bIns="91425" lIns="91425" spcFirstLastPara="1" rIns="91425" wrap="square" tIns="91425">
-            <a:normAutofit/>
-          </a:bodyPr>
-          <a:lstStyle/>
-          <a:p>
-            <a:pPr indent="-342900" lvl="0" marL="457200" rtl="0" algn="l">
-              <a:spcBef>
-                <a:spcPts val="0"/>
-              </a:spcBef>
-              <a:spcAft>
-                <a:spcPts val="0"/>
-              </a:spcAft>
-              <a:buSzPts val="1800"/>
-              <a:buChar char="●"/>
-            </a:pPr>
-            <a:r>
-              <a:rPr lang="en"/>
-              <a:t>Scaling is Key to effective Cloud usage.</a:t>
-            </a:r>
-            <a:endParaRPr/>
-          </a:p>
-          <a:p>
-            <a:pPr indent="-342900" lvl="0" marL="457200" rtl="0" algn="l">
-              <a:spcBef>
-                <a:spcPts val="0"/>
-              </a:spcBef>
-              <a:spcAft>
-                <a:spcPts val="0"/>
-              </a:spcAft>
-              <a:buSzPts val="1800"/>
-              <a:buChar char="●"/>
-            </a:pPr>
-            <a:r>
-              <a:rPr lang="en"/>
-              <a:t>When Traffic is HIGH: Scale UP!</a:t>
-            </a:r>
-            <a:endParaRPr/>
-          </a:p>
-          <a:p>
-            <a:pPr indent="-342900" lvl="0" marL="457200" rtl="0" algn="l">
-              <a:spcBef>
-                <a:spcPts val="0"/>
-              </a:spcBef>
-              <a:spcAft>
-                <a:spcPts val="0"/>
-              </a:spcAft>
-              <a:buSzPts val="1800"/>
-              <a:buChar char="●"/>
-            </a:pPr>
-            <a:r>
-              <a:rPr lang="en"/>
-              <a:t>When Traffic is Low: Scale DOWN!</a:t>
-            </a:r>
-            <a:endParaRPr/>
-          </a:p>
-          <a:p>
-            <a:pPr indent="-342900" lvl="0" marL="457200" rtl="0" algn="l">
-              <a:spcBef>
-                <a:spcPts val="0"/>
-              </a:spcBef>
-              <a:spcAft>
-                <a:spcPts val="0"/>
-              </a:spcAft>
-              <a:buSzPts val="1800"/>
-              <a:buChar char="●"/>
-            </a:pPr>
-            <a:r>
-              <a:rPr lang="en"/>
-              <a:t>Why? 	Saves lots of Money</a:t>
-            </a:r>
-            <a:endParaRPr/>
-          </a:p>
-        </p:txBody>
-      </p:sp>
-    </p:spTree>
-  </p:cSld>
-  <p:clrMapOvr>
-    <a:masterClrMapping/>
-  </p:clrMapOvr>
-</p:sld>
-</file>
-
-<file path=ppt/slides/slide5.xml><?xml version="1.0" encoding="utf-8"?>
-<p:sld xmlns:a="http://schemas.openxmlformats.org/drawingml/2006/main" xmlns:r="http://schemas.openxmlformats.org/officeDocument/2006/relationships" xmlns:mc="http://schemas.openxmlformats.org/markup-compatibility/2006" xmlns:mv="urn:schemas-microsoft-com:mac:vml" xmlns:p="http://schemas.openxmlformats.org/presentationml/2006/main" xmlns:c="http://schemas.openxmlformats.org/drawingml/2006/chart" xmlns:dgm="http://schemas.openxmlformats.org/drawingml/2006/diagram" xmlns:o="urn:schemas-microsoft-com:office:office" xmlns:v="urn:schemas-microsoft-com:vml" xmlns:pvml="urn:schemas-microsoft-com:office:powerpoint" xmlns:com="http://schemas.openxmlformats.org/drawingml/2006/compatibility" xmlns:p14="http://schemas.microsoft.com/office/powerpoint/2010/main" xmlns:p15="http://schemas.microsoft.com/office/powerpoint/2012/main" xmlns:ahyp="http://schemas.microsoft.com/office/drawing/2018/hyperlinkcolor">
-  <p:cSld>
-    <p:spTree>
-      <p:nvGrpSpPr>
-        <p:cNvPr id="77" name="Shape 77"/>
-        <p:cNvGrpSpPr/>
-        <p:nvPr/>
-      </p:nvGrpSpPr>
-      <p:grpSpPr>
-        <a:xfrm>
-          <a:off x="0" y="0"/>
-          <a:ext cx="0" cy="0"/>
-          <a:chOff x="0" y="0"/>
-          <a:chExt cx="0" cy="0"/>
-        </a:xfrm>
-      </p:grpSpPr>
-      <p:sp>
-        <p:nvSpPr>
-          <p:cNvPr id="78" name="Google Shape;78;p17"/>
-          <p:cNvSpPr txBox="1"/>
-          <p:nvPr>
-            <p:ph type="title"/>
-          </p:nvPr>
-        </p:nvSpPr>
-        <p:spPr>
-          <a:xfrm>
-            <a:off x="311700" y="445025"/>
-            <a:ext cx="8520600" cy="572700"/>
-          </a:xfrm>
-          <a:prstGeom prst="rect">
-            <a:avLst/>
-          </a:prstGeom>
-        </p:spPr>
-        <p:txBody>
-          <a:bodyPr anchorCtr="0" anchor="t" bIns="91425" lIns="91425" spcFirstLastPara="1" rIns="91425" wrap="square" tIns="91425">
-            <a:normAutofit fontScale="90000"/>
-          </a:bodyPr>
-          <a:lstStyle/>
-          <a:p>
-            <a:pPr indent="0" lvl="0" marL="0" rtl="0" algn="l">
-              <a:spcBef>
-                <a:spcPts val="0"/>
-              </a:spcBef>
-              <a:spcAft>
-                <a:spcPts val="0"/>
-              </a:spcAft>
-              <a:buNone/>
-            </a:pPr>
-            <a:r>
-              <a:rPr lang="en"/>
-              <a:t>Problem</a:t>
-            </a:r>
-            <a:endParaRPr/>
-          </a:p>
-        </p:txBody>
-      </p:sp>
-      <p:sp>
-        <p:nvSpPr>
-          <p:cNvPr id="79" name="Google Shape;79;p17"/>
-          <p:cNvSpPr txBox="1"/>
-          <p:nvPr>
-            <p:ph idx="1" type="body"/>
-          </p:nvPr>
-        </p:nvSpPr>
-        <p:spPr>
-          <a:xfrm>
-            <a:off x="311700" y="1152475"/>
-            <a:ext cx="8520600" cy="3416400"/>
-          </a:xfrm>
-          <a:prstGeom prst="rect">
-            <a:avLst/>
-          </a:prstGeom>
-        </p:spPr>
-        <p:txBody>
-          <a:bodyPr anchorCtr="0" anchor="t" bIns="91425" lIns="91425" spcFirstLastPara="1" rIns="91425" wrap="square" tIns="91425">
-            <a:normAutofit/>
-          </a:bodyPr>
-          <a:lstStyle/>
-          <a:p>
-            <a:pPr indent="-342900" lvl="0" marL="457200" rtl="0" algn="l">
-              <a:spcBef>
-                <a:spcPts val="0"/>
-              </a:spcBef>
-              <a:spcAft>
-                <a:spcPts val="0"/>
-              </a:spcAft>
-              <a:buSzPts val="1800"/>
-              <a:buChar char="●"/>
-            </a:pPr>
-            <a:r>
-              <a:rPr lang="en"/>
-              <a:t>Scaling Up requires available IPs</a:t>
-            </a:r>
-            <a:endParaRPr/>
-          </a:p>
-          <a:p>
-            <a:pPr indent="-342900" lvl="0" marL="457200" rtl="0" algn="l">
-              <a:spcBef>
-                <a:spcPts val="0"/>
-              </a:spcBef>
-              <a:spcAft>
-                <a:spcPts val="0"/>
-              </a:spcAft>
-              <a:buSzPts val="1800"/>
-              <a:buChar char="●"/>
-            </a:pPr>
-            <a:r>
-              <a:rPr lang="en"/>
-              <a:t>Running out of IPs in your Subnet is BAD</a:t>
-            </a:r>
-            <a:endParaRPr/>
-          </a:p>
-          <a:p>
-            <a:pPr indent="-317500" lvl="1" marL="914400" rtl="0" algn="l">
-              <a:spcBef>
-                <a:spcPts val="0"/>
-              </a:spcBef>
-              <a:spcAft>
-                <a:spcPts val="0"/>
-              </a:spcAft>
-              <a:buSzPts val="1400"/>
-              <a:buChar char="○"/>
-            </a:pPr>
-            <a:r>
-              <a:rPr lang="en"/>
-              <a:t>Services don’t scale</a:t>
-            </a:r>
-            <a:endParaRPr/>
-          </a:p>
-          <a:p>
-            <a:pPr indent="-317500" lvl="1" marL="914400" rtl="0" algn="l">
-              <a:spcBef>
-                <a:spcPts val="0"/>
-              </a:spcBef>
-              <a:spcAft>
-                <a:spcPts val="0"/>
-              </a:spcAft>
-              <a:buSzPts val="1400"/>
-              <a:buChar char="○"/>
-            </a:pPr>
-            <a:r>
-              <a:rPr lang="en"/>
-              <a:t>Sites fail</a:t>
-            </a:r>
-            <a:endParaRPr/>
-          </a:p>
-          <a:p>
-            <a:pPr indent="-317500" lvl="1" marL="914400" rtl="0" algn="l">
-              <a:spcBef>
-                <a:spcPts val="0"/>
-              </a:spcBef>
-              <a:spcAft>
-                <a:spcPts val="0"/>
-              </a:spcAft>
-              <a:buSzPts val="1400"/>
-              <a:buChar char="○"/>
-            </a:pPr>
-            <a:r>
-              <a:rPr lang="en"/>
-              <a:t>Traffic slows</a:t>
-            </a:r>
-            <a:endParaRPr/>
-          </a:p>
-          <a:p>
-            <a:pPr indent="-317500" lvl="1" marL="914400" rtl="0" algn="l">
-              <a:spcBef>
-                <a:spcPts val="0"/>
-              </a:spcBef>
-              <a:spcAft>
-                <a:spcPts val="0"/>
-              </a:spcAft>
-              <a:buSzPts val="1400"/>
-              <a:buChar char="○"/>
-            </a:pPr>
-            <a:r>
-              <a:rPr lang="en"/>
-              <a:t>Sales missed </a:t>
-            </a:r>
-            <a:endParaRPr/>
-          </a:p>
-          <a:p>
-            <a:pPr indent="-317500" lvl="1" marL="914400" rtl="0" algn="l">
-              <a:spcBef>
-                <a:spcPts val="0"/>
-              </a:spcBef>
-              <a:spcAft>
-                <a:spcPts val="0"/>
-              </a:spcAft>
-              <a:buSzPts val="1400"/>
-              <a:buChar char="○"/>
-            </a:pPr>
-            <a:r>
-              <a:rPr lang="en"/>
-              <a:t>Transactions lost</a:t>
-            </a:r>
-            <a:endParaRPr/>
-          </a:p>
-          <a:p>
-            <a:pPr indent="-317500" lvl="1" marL="914400" rtl="0" algn="l">
-              <a:spcBef>
-                <a:spcPts val="0"/>
-              </a:spcBef>
-              <a:spcAft>
-                <a:spcPts val="0"/>
-              </a:spcAft>
-              <a:buSzPts val="1400"/>
-              <a:buChar char="○"/>
-            </a:pPr>
-            <a:r>
-              <a:rPr lang="en"/>
-              <a:t>Customers complain, then worry</a:t>
-            </a:r>
-            <a:endParaRPr/>
-          </a:p>
-        </p:txBody>
-      </p:sp>
-    </p:spTree>
-  </p:cSld>
-  <p:clrMapOvr>
-    <a:masterClrMapping/>
-  </p:clrMapOvr>
-</p:sld>
-</file>
-
-<file path=ppt/slides/slide6.xml><?xml version="1.0" encoding="utf-8"?>
 <p:sld xmlns:a="http://schemas.openxmlformats.org/drawingml/2006/main" xmlns:r="http://schemas.openxmlformats.org/officeDocument/2006/relationships" xmlns:mc="http://schemas.openxmlformats.org/markup-compatibility/2006" xmlns:mv="urn:schemas-microsoft-com:mac:vml" xmlns:p="http://schemas.openxmlformats.org/presentationml/2006/main" xmlns:c="http://schemas.openxmlformats.org/drawingml/2006/chart" xmlns:dgm="http://schemas.openxmlformats.org/drawingml/2006/diagram" xmlns:o="urn:schemas-microsoft-com:office:office" xmlns:v="urn:schemas-microsoft-com:vml" xmlns:pvml="urn:schemas-microsoft-com:office:powerpoint" xmlns:com="http://schemas.openxmlformats.org/drawingml/2006/compatibility" xmlns:p14="http://schemas.microsoft.com/office/powerpoint/2010/main" xmlns:p15="http://schemas.microsoft.com/office/powerpoint/2012/main" xmlns:ahyp="http://schemas.microsoft.com/office/drawing/2018/hyperlinkcolor">
   <p:cSld>
     <p:spTree>
@@ -8031,7 +9528,7 @@
       </p:grpSpPr>
       <p:sp>
         <p:nvSpPr>
-          <p:cNvPr id="84" name="Google Shape;84;p18"/>
+          <p:cNvPr id="84" name="Google Shape;84;p15"/>
           <p:cNvSpPr txBox="1"/>
           <p:nvPr>
             <p:ph type="title"/>
@@ -8063,7 +9560,7 @@
             </a:pPr>
             <a:r>
               <a:rPr lang="en"/>
-              <a:t>Solution</a:t>
+              <a:t>Background - Scaling</a:t>
             </a:r>
             <a:endParaRPr/>
           </a:p>
@@ -8071,7 +9568,7 @@
       </p:sp>
       <p:sp>
         <p:nvSpPr>
-          <p:cNvPr id="85" name="Google Shape;85;p18"/>
+          <p:cNvPr id="85" name="Google Shape;85;p15"/>
           <p:cNvSpPr txBox="1"/>
           <p:nvPr>
             <p:ph idx="1" type="body"/>
@@ -8092,9 +9589,25 @@
           </a:bodyPr>
           <a:lstStyle/>
           <a:p>
+            <a:pPr indent="0" lvl="0" marL="0" rtl="0" algn="l">
+              <a:spcBef>
+                <a:spcPts val="0"/>
+              </a:spcBef>
+              <a:spcAft>
+                <a:spcPts val="0"/>
+              </a:spcAft>
+              <a:buNone/>
+            </a:pPr>
+            <a:r>
+              <a:rPr lang="en"/>
+              <a:t>Scaling is key to effective Cloud usage</a:t>
+            </a:r>
+            <a:endParaRPr/>
+          </a:p>
+          <a:p>
             <a:pPr indent="-342900" lvl="0" marL="457200" rtl="0" algn="l">
               <a:spcBef>
-                <a:spcPts val="0"/>
+                <a:spcPts val="1200"/>
               </a:spcBef>
               <a:spcAft>
                 <a:spcPts val="0"/>
@@ -8104,7 +9617,7 @@
             </a:pPr>
             <a:r>
               <a:rPr lang="en"/>
-              <a:t>Know how many IPs are available in your Subnet</a:t>
+              <a:t>When Traffic is High: Scale UP!</a:t>
             </a:r>
             <a:endParaRPr/>
           </a:p>
@@ -8121,82 +9634,45 @@
             </a:pPr>
             <a:r>
               <a:rPr lang="en"/>
-              <a:t>Know roughly how much you will need to scale</a:t>
-            </a:r>
-            <a:endParaRPr/>
-          </a:p>
-          <a:p>
-            <a:pPr indent="-317500" lvl="1" marL="914400" rtl="0" algn="l">
-              <a:spcBef>
-                <a:spcPts val="0"/>
-              </a:spcBef>
-              <a:spcAft>
-                <a:spcPts val="0"/>
-              </a:spcAft>
-              <a:buSzPts val="1400"/>
-              <a:buChar char="○"/>
+              <a:t>When Traffic is Low: Scale DOWN!</a:t>
+            </a:r>
+            <a:endParaRPr/>
+          </a:p>
+          <a:p>
+            <a:pPr indent="0" lvl="0" marL="457200" rtl="0" algn="l">
+              <a:spcBef>
+                <a:spcPts val="1200"/>
+              </a:spcBef>
+              <a:spcAft>
+                <a:spcPts val="0"/>
+              </a:spcAft>
+              <a:buNone/>
+            </a:pPr>
+            <a:r>
+              <a:t/>
+            </a:r>
+            <a:endParaRPr/>
+          </a:p>
+          <a:p>
+            <a:pPr indent="0" lvl="0" marL="0" rtl="0" algn="l">
+              <a:spcBef>
+                <a:spcPts val="1200"/>
+              </a:spcBef>
+              <a:spcAft>
+                <a:spcPts val="0"/>
+              </a:spcAft>
+              <a:buNone/>
             </a:pPr>
             <a:r>
               <a:rPr lang="en"/>
-              <a:t>2x? </a:t>
-            </a:r>
-            <a:endParaRPr/>
-          </a:p>
-          <a:p>
-            <a:pPr indent="-317500" lvl="1" marL="914400" rtl="0" algn="l">
-              <a:spcBef>
-                <a:spcPts val="0"/>
-              </a:spcBef>
-              <a:spcAft>
-                <a:spcPts val="0"/>
-              </a:spcAft>
-              <a:buSzPts val="1400"/>
-              <a:buChar char="○"/>
-            </a:pPr>
-            <a:r>
-              <a:rPr lang="en"/>
-              <a:t>10x? </a:t>
-            </a:r>
-            <a:endParaRPr/>
-          </a:p>
-          <a:p>
-            <a:pPr indent="-317500" lvl="1" marL="914400" rtl="0" algn="l">
-              <a:spcBef>
-                <a:spcPts val="0"/>
-              </a:spcBef>
-              <a:spcAft>
-                <a:spcPts val="0"/>
-              </a:spcAft>
-              <a:buSzPts val="1400"/>
-              <a:buChar char="○"/>
-            </a:pPr>
-            <a:r>
-              <a:rPr lang="en"/>
-              <a:t>50x? </a:t>
-            </a:r>
-            <a:endParaRPr/>
-          </a:p>
-          <a:p>
-            <a:pPr indent="-317500" lvl="1" marL="914400" rtl="0" algn="l">
-              <a:spcBef>
-                <a:spcPts val="0"/>
-              </a:spcBef>
-              <a:spcAft>
-                <a:spcPts val="0"/>
-              </a:spcAft>
-              <a:buSzPts val="1400"/>
-              <a:buChar char="○"/>
-            </a:pPr>
-            <a:r>
-              <a:rPr lang="en"/>
-              <a:t>100?</a:t>
+              <a:t>Why? 	</a:t>
             </a:r>
             <a:endParaRPr/>
           </a:p>
           <a:p>
             <a:pPr indent="-342900" lvl="0" marL="457200" rtl="0" algn="l">
               <a:spcBef>
-                <a:spcPts val="0"/>
+                <a:spcPts val="1200"/>
               </a:spcBef>
               <a:spcAft>
                 <a:spcPts val="0"/>
@@ -8206,7 +9682,24 @@
             </a:pPr>
             <a:r>
               <a:rPr lang="en"/>
-              <a:t>Make sure you have enough room for your peek (and some extra)</a:t>
+              <a:t>Improve security (fewer targets to attack)</a:t>
+            </a:r>
+            <a:endParaRPr/>
+          </a:p>
+          <a:p>
+            <a:pPr indent="-342900" lvl="0" marL="457200" rtl="0" algn="l">
+              <a:spcBef>
+                <a:spcPts val="0"/>
+              </a:spcBef>
+              <a:spcAft>
+                <a:spcPts val="0"/>
+              </a:spcAft>
+              <a:buSzPts val="1800"/>
+              <a:buChar char="●"/>
+            </a:pPr>
+            <a:r>
+              <a:rPr lang="en"/>
+              <a:t>Save LOADS of Money</a:t>
             </a:r>
             <a:endParaRPr/>
           </a:p>
@@ -8220,7 +9713,7 @@
 </p:sld>
 </file>
 
-<file path=ppt/slides/slide7.xml><?xml version="1.0" encoding="utf-8"?>
+<file path=ppt/slides/slide4.xml><?xml version="1.0" encoding="utf-8"?>
 <p:sld xmlns:a="http://schemas.openxmlformats.org/drawingml/2006/main" xmlns:r="http://schemas.openxmlformats.org/officeDocument/2006/relationships" xmlns:mc="http://schemas.openxmlformats.org/markup-compatibility/2006" xmlns:mv="urn:schemas-microsoft-com:mac:vml" xmlns:p="http://schemas.openxmlformats.org/presentationml/2006/main" xmlns:c="http://schemas.openxmlformats.org/drawingml/2006/chart" xmlns:dgm="http://schemas.openxmlformats.org/drawingml/2006/diagram" xmlns:o="urn:schemas-microsoft-com:office:office" xmlns:v="urn:schemas-microsoft-com:vml" xmlns:pvml="urn:schemas-microsoft-com:office:powerpoint" xmlns:com="http://schemas.openxmlformats.org/drawingml/2006/compatibility" xmlns:p14="http://schemas.microsoft.com/office/powerpoint/2010/main" xmlns:p15="http://schemas.microsoft.com/office/powerpoint/2012/main" xmlns:ahyp="http://schemas.microsoft.com/office/drawing/2018/hyperlinkcolor">
   <p:cSld>
     <p:spTree>
@@ -8239,7 +9732,7 @@
       </p:grpSpPr>
       <p:sp>
         <p:nvSpPr>
-          <p:cNvPr id="90" name="Google Shape;90;p19"/>
+          <p:cNvPr id="90" name="Google Shape;90;p16"/>
           <p:cNvSpPr txBox="1"/>
           <p:nvPr>
             <p:ph type="title"/>
@@ -8271,7 +9764,7 @@
             </a:pPr>
             <a:r>
               <a:rPr lang="en"/>
-              <a:t>Gather your Subnet Info</a:t>
+              <a:t>Problem</a:t>
             </a:r>
             <a:endParaRPr/>
           </a:p>
@@ -8279,7 +9772,7 @@
       </p:sp>
       <p:sp>
         <p:nvSpPr>
-          <p:cNvPr id="91" name="Google Shape;91;p19"/>
+          <p:cNvPr id="91" name="Google Shape;91;p16"/>
           <p:cNvSpPr txBox="1"/>
           <p:nvPr>
             <p:ph idx="1" type="body"/>
@@ -8312,29 +9805,14 @@
             </a:pPr>
             <a:r>
               <a:rPr lang="en"/>
-              <a:t>Straight from AWS APIs</a:t>
-            </a:r>
-            <a:endParaRPr/>
-          </a:p>
-          <a:p>
-            <a:pPr indent="0" lvl="0" marL="457200" rtl="0" algn="l">
-              <a:spcBef>
-                <a:spcPts val="1200"/>
-              </a:spcBef>
-              <a:spcAft>
-                <a:spcPts val="0"/>
-              </a:spcAft>
-              <a:buNone/>
-            </a:pPr>
-            <a:r>
-              <a:t/>
+              <a:t>Scaling Up requires available IP addresses</a:t>
             </a:r>
             <a:endParaRPr/>
           </a:p>
           <a:p>
             <a:pPr indent="-342900" lvl="0" marL="457200" rtl="0" algn="l">
               <a:spcBef>
-                <a:spcPts val="1200"/>
+                <a:spcPts val="0"/>
               </a:spcBef>
               <a:spcAft>
                 <a:spcPts val="0"/>
@@ -8344,54 +9822,126 @@
             </a:pPr>
             <a:r>
               <a:rPr lang="en"/>
-              <a:t>Pull in to a data Set</a:t>
-            </a:r>
-            <a:endParaRPr/>
-          </a:p>
-          <a:p>
-            <a:pPr indent="0" lvl="0" marL="457200" rtl="0" algn="l">
-              <a:spcBef>
-                <a:spcPts val="1200"/>
-              </a:spcBef>
-              <a:spcAft>
-                <a:spcPts val="0"/>
-              </a:spcAft>
-              <a:buNone/>
-            </a:pPr>
-            <a:r>
-              <a:t/>
-            </a:r>
-            <a:endParaRPr/>
-          </a:p>
-          <a:p>
-            <a:pPr indent="-342900" lvl="0" marL="457200" rtl="0" algn="l">
-              <a:spcBef>
-                <a:spcPts val="1200"/>
-              </a:spcBef>
-              <a:spcAft>
-                <a:spcPts val="0"/>
-              </a:spcAft>
-              <a:buSzPts val="1800"/>
-              <a:buChar char="●"/>
+              <a:t>Running out of IP addresses in your subnet is BAD</a:t>
+            </a:r>
+            <a:endParaRPr/>
+          </a:p>
+          <a:p>
+            <a:pPr indent="-317500" lvl="1" marL="914400" rtl="0" algn="l">
+              <a:spcBef>
+                <a:spcPts val="0"/>
+              </a:spcBef>
+              <a:spcAft>
+                <a:spcPts val="0"/>
+              </a:spcAft>
+              <a:buSzPts val="1400"/>
+              <a:buChar char="○"/>
             </a:pPr>
             <a:r>
               <a:rPr lang="en"/>
-              <a:t>Analyze Subnet Size, Current Usage, Available Space</a:t>
-            </a:r>
-            <a:endParaRPr/>
-          </a:p>
-          <a:p>
-            <a:pPr indent="0" lvl="0" marL="0" rtl="0" algn="l">
-              <a:spcBef>
-                <a:spcPts val="1200"/>
-              </a:spcBef>
-              <a:spcAft>
-                <a:spcPts val="1200"/>
-              </a:spcAft>
-              <a:buNone/>
-            </a:pPr>
-            <a:r>
-              <a:t/>
+              <a:t>Services don’t scale</a:t>
+            </a:r>
+            <a:endParaRPr/>
+          </a:p>
+          <a:p>
+            <a:pPr indent="-317500" lvl="1" marL="914400" rtl="0" algn="l">
+              <a:spcBef>
+                <a:spcPts val="0"/>
+              </a:spcBef>
+              <a:spcAft>
+                <a:spcPts val="0"/>
+              </a:spcAft>
+              <a:buSzPts val="1400"/>
+              <a:buChar char="○"/>
+            </a:pPr>
+            <a:r>
+              <a:rPr lang="en"/>
+              <a:t>Traffic slows</a:t>
+            </a:r>
+            <a:endParaRPr/>
+          </a:p>
+          <a:p>
+            <a:pPr indent="-317500" lvl="1" marL="914400" rtl="0" algn="l">
+              <a:spcBef>
+                <a:spcPts val="0"/>
+              </a:spcBef>
+              <a:spcAft>
+                <a:spcPts val="0"/>
+              </a:spcAft>
+              <a:buSzPts val="1400"/>
+              <a:buChar char="○"/>
+            </a:pPr>
+            <a:r>
+              <a:rPr lang="en"/>
+              <a:t>Sites fail</a:t>
+            </a:r>
+            <a:endParaRPr/>
+          </a:p>
+          <a:p>
+            <a:pPr indent="-317500" lvl="1" marL="914400" rtl="0" algn="l">
+              <a:spcBef>
+                <a:spcPts val="0"/>
+              </a:spcBef>
+              <a:spcAft>
+                <a:spcPts val="0"/>
+              </a:spcAft>
+              <a:buSzPts val="1400"/>
+              <a:buChar char="○"/>
+            </a:pPr>
+            <a:r>
+              <a:rPr lang="en"/>
+              <a:t>Sales missed </a:t>
+            </a:r>
+            <a:endParaRPr/>
+          </a:p>
+          <a:p>
+            <a:pPr indent="-317500" lvl="1" marL="914400" rtl="0" algn="l">
+              <a:spcBef>
+                <a:spcPts val="0"/>
+              </a:spcBef>
+              <a:spcAft>
+                <a:spcPts val="0"/>
+              </a:spcAft>
+              <a:buSzPts val="1400"/>
+              <a:buChar char="○"/>
+            </a:pPr>
+            <a:r>
+              <a:rPr lang="en"/>
+              <a:t>Transactions lost</a:t>
+            </a:r>
+            <a:endParaRPr/>
+          </a:p>
+          <a:p>
+            <a:pPr indent="-317500" lvl="1" marL="914400" rtl="0" algn="l">
+              <a:spcBef>
+                <a:spcPts val="0"/>
+              </a:spcBef>
+              <a:spcAft>
+                <a:spcPts val="0"/>
+              </a:spcAft>
+              <a:buSzPts val="1400"/>
+              <a:buChar char="○"/>
+            </a:pPr>
+            <a:r>
+              <a:rPr lang="en"/>
+              <a:t>Customers complain</a:t>
+            </a:r>
+            <a:endParaRPr/>
+          </a:p>
+          <a:p>
+            <a:pPr indent="-317500" lvl="1" marL="914400" rtl="0" algn="l">
+              <a:spcBef>
+                <a:spcPts val="0"/>
+              </a:spcBef>
+              <a:spcAft>
+                <a:spcPts val="0"/>
+              </a:spcAft>
+              <a:buSzPts val="1400"/>
+              <a:buChar char="○"/>
+            </a:pPr>
+            <a:r>
+              <a:rPr lang="en"/>
+              <a:t>Customers leave</a:t>
             </a:r>
             <a:endParaRPr/>
           </a:p>
@@ -8405,7 +9955,7 @@
 </p:sld>
 </file>
 
-<file path=ppt/slides/slide8.xml><?xml version="1.0" encoding="utf-8"?>
+<file path=ppt/slides/slide5.xml><?xml version="1.0" encoding="utf-8"?>
 <p:sld xmlns:a="http://schemas.openxmlformats.org/drawingml/2006/main" xmlns:r="http://schemas.openxmlformats.org/officeDocument/2006/relationships" xmlns:mc="http://schemas.openxmlformats.org/markup-compatibility/2006" xmlns:mv="urn:schemas-microsoft-com:mac:vml" xmlns:p="http://schemas.openxmlformats.org/presentationml/2006/main" xmlns:c="http://schemas.openxmlformats.org/drawingml/2006/chart" xmlns:dgm="http://schemas.openxmlformats.org/drawingml/2006/diagram" xmlns:o="urn:schemas-microsoft-com:office:office" xmlns:v="urn:schemas-microsoft-com:vml" xmlns:pvml="urn:schemas-microsoft-com:office:powerpoint" xmlns:com="http://schemas.openxmlformats.org/drawingml/2006/compatibility" xmlns:p14="http://schemas.microsoft.com/office/powerpoint/2010/main" xmlns:p15="http://schemas.microsoft.com/office/powerpoint/2012/main" xmlns:ahyp="http://schemas.microsoft.com/office/drawing/2018/hyperlinkcolor">
   <p:cSld>
     <p:spTree>
@@ -8424,7 +9974,7 @@
       </p:grpSpPr>
       <p:sp>
         <p:nvSpPr>
-          <p:cNvPr id="96" name="Google Shape;96;p20"/>
+          <p:cNvPr id="96" name="Google Shape;96;p17"/>
           <p:cNvSpPr txBox="1"/>
           <p:nvPr>
             <p:ph type="title"/>
@@ -8456,7 +10006,7 @@
             </a:pPr>
             <a:r>
               <a:rPr lang="en"/>
-              <a:t>IP Headroom</a:t>
+              <a:t>Solution</a:t>
             </a:r>
             <a:endParaRPr/>
           </a:p>
@@ -8464,7 +10014,7 @@
       </p:sp>
       <p:sp>
         <p:nvSpPr>
-          <p:cNvPr id="97" name="Google Shape;97;p20"/>
+          <p:cNvPr id="97" name="Google Shape;97;p17"/>
           <p:cNvSpPr txBox="1"/>
           <p:nvPr>
             <p:ph idx="1" type="body"/>
@@ -8497,29 +10047,14 @@
             </a:pPr>
             <a:r>
               <a:rPr lang="en"/>
-              <a:t>Evaluate Subnets </a:t>
-            </a:r>
-            <a:endParaRPr/>
-          </a:p>
-          <a:p>
-            <a:pPr indent="0" lvl="0" marL="457200" rtl="0" algn="l">
-              <a:spcBef>
-                <a:spcPts val="1200"/>
-              </a:spcBef>
-              <a:spcAft>
-                <a:spcPts val="0"/>
-              </a:spcAft>
-              <a:buNone/>
-            </a:pPr>
-            <a:r>
-              <a:t/>
+              <a:t>Know how many IPs are available in your Subnet</a:t>
             </a:r>
             <a:endParaRPr/>
           </a:p>
           <a:p>
             <a:pPr indent="-342900" lvl="0" marL="457200" rtl="0" algn="l">
               <a:spcBef>
-                <a:spcPts val="1200"/>
+                <a:spcPts val="0"/>
               </a:spcBef>
               <a:spcAft>
                 <a:spcPts val="0"/>
@@ -8529,29 +10064,82 @@
             </a:pPr>
             <a:r>
               <a:rPr lang="en"/>
-              <a:t>How much “Headroom” do we have?</a:t>
-            </a:r>
-            <a:endParaRPr/>
-          </a:p>
-          <a:p>
-            <a:pPr indent="0" lvl="0" marL="457200" rtl="0" algn="l">
-              <a:spcBef>
-                <a:spcPts val="1200"/>
-              </a:spcBef>
-              <a:spcAft>
-                <a:spcPts val="0"/>
-              </a:spcAft>
-              <a:buNone/>
-            </a:pPr>
-            <a:r>
-              <a:t/>
+              <a:t>Know roughly how much you will need to scale</a:t>
+            </a:r>
+            <a:endParaRPr/>
+          </a:p>
+          <a:p>
+            <a:pPr indent="-317500" lvl="1" marL="914400" rtl="0" algn="l">
+              <a:spcBef>
+                <a:spcPts val="0"/>
+              </a:spcBef>
+              <a:spcAft>
+                <a:spcPts val="0"/>
+              </a:spcAft>
+              <a:buSzPts val="1400"/>
+              <a:buChar char="○"/>
+            </a:pPr>
+            <a:r>
+              <a:rPr lang="en"/>
+              <a:t>2x? </a:t>
+            </a:r>
+            <a:endParaRPr/>
+          </a:p>
+          <a:p>
+            <a:pPr indent="-317500" lvl="1" marL="914400" rtl="0" algn="l">
+              <a:spcBef>
+                <a:spcPts val="0"/>
+              </a:spcBef>
+              <a:spcAft>
+                <a:spcPts val="0"/>
+              </a:spcAft>
+              <a:buSzPts val="1400"/>
+              <a:buChar char="○"/>
+            </a:pPr>
+            <a:r>
+              <a:rPr lang="en"/>
+              <a:t>10x? </a:t>
+            </a:r>
+            <a:endParaRPr/>
+          </a:p>
+          <a:p>
+            <a:pPr indent="-317500" lvl="1" marL="914400" rtl="0" algn="l">
+              <a:spcBef>
+                <a:spcPts val="0"/>
+              </a:spcBef>
+              <a:spcAft>
+                <a:spcPts val="0"/>
+              </a:spcAft>
+              <a:buSzPts val="1400"/>
+              <a:buChar char="○"/>
+            </a:pPr>
+            <a:r>
+              <a:rPr lang="en"/>
+              <a:t>50x? </a:t>
+            </a:r>
+            <a:endParaRPr/>
+          </a:p>
+          <a:p>
+            <a:pPr indent="-317500" lvl="1" marL="914400" rtl="0" algn="l">
+              <a:spcBef>
+                <a:spcPts val="0"/>
+              </a:spcBef>
+              <a:spcAft>
+                <a:spcPts val="0"/>
+              </a:spcAft>
+              <a:buSzPts val="1400"/>
+              <a:buChar char="○"/>
+            </a:pPr>
+            <a:r>
+              <a:rPr lang="en"/>
+              <a:t>100?</a:t>
             </a:r>
             <a:endParaRPr/>
           </a:p>
           <a:p>
             <a:pPr indent="-342900" lvl="0" marL="457200" rtl="0" algn="l">
               <a:spcBef>
-                <a:spcPts val="1200"/>
+                <a:spcPts val="0"/>
               </a:spcBef>
               <a:spcAft>
                 <a:spcPts val="0"/>
@@ -8561,39 +10149,7 @@
             </a:pPr>
             <a:r>
               <a:rPr lang="en"/>
-              <a:t>Report on anything below the targeted peak</a:t>
-            </a:r>
-            <a:endParaRPr/>
-          </a:p>
-          <a:p>
-            <a:pPr indent="0" lvl="0" marL="457200" rtl="0" algn="l">
-              <a:spcBef>
-                <a:spcPts val="1200"/>
-              </a:spcBef>
-              <a:spcAft>
-                <a:spcPts val="0"/>
-              </a:spcAft>
-              <a:buNone/>
-            </a:pPr>
-            <a:r>
-              <a:t/>
-            </a:r>
-            <a:endParaRPr/>
-          </a:p>
-          <a:p>
-            <a:pPr indent="-342900" lvl="0" marL="457200" rtl="0" algn="l">
-              <a:spcBef>
-                <a:spcPts val="1200"/>
-              </a:spcBef>
-              <a:spcAft>
-                <a:spcPts val="0"/>
-              </a:spcAft>
-              <a:buSzPts val="1800"/>
-              <a:buChar char="●"/>
-            </a:pPr>
-            <a:r>
-              <a:rPr lang="en"/>
-              <a:t>Fix it now (before we scale)</a:t>
+              <a:t>Make sure you have enough room for your peek (and some extra)</a:t>
             </a:r>
             <a:endParaRPr/>
           </a:p>
@@ -8607,7 +10163,7 @@
 </p:sld>
 </file>
 
-<file path=ppt/slides/slide9.xml><?xml version="1.0" encoding="utf-8"?>
+<file path=ppt/slides/slide6.xml><?xml version="1.0" encoding="utf-8"?>
 <p:sld xmlns:a="http://schemas.openxmlformats.org/drawingml/2006/main" xmlns:r="http://schemas.openxmlformats.org/officeDocument/2006/relationships" xmlns:mc="http://schemas.openxmlformats.org/markup-compatibility/2006" xmlns:mv="urn:schemas-microsoft-com:mac:vml" xmlns:p="http://schemas.openxmlformats.org/presentationml/2006/main" xmlns:c="http://schemas.openxmlformats.org/drawingml/2006/chart" xmlns:dgm="http://schemas.openxmlformats.org/drawingml/2006/diagram" xmlns:o="urn:schemas-microsoft-com:office:office" xmlns:v="urn:schemas-microsoft-com:vml" xmlns:pvml="urn:schemas-microsoft-com:office:powerpoint" xmlns:com="http://schemas.openxmlformats.org/drawingml/2006/compatibility" xmlns:p14="http://schemas.microsoft.com/office/powerpoint/2010/main" xmlns:p15="http://schemas.microsoft.com/office/powerpoint/2012/main" xmlns:ahyp="http://schemas.microsoft.com/office/drawing/2018/hyperlinkcolor">
   <p:cSld>
     <p:spTree>
@@ -8626,7 +10182,7 @@
       </p:grpSpPr>
       <p:sp>
         <p:nvSpPr>
-          <p:cNvPr id="102" name="Google Shape;102;p21"/>
+          <p:cNvPr id="102" name="Google Shape;102;p18"/>
           <p:cNvSpPr txBox="1"/>
           <p:nvPr>
             <p:ph type="title"/>
@@ -8658,7 +10214,7 @@
             </a:pPr>
             <a:r>
               <a:rPr lang="en"/>
-              <a:t>Data Set - subnets.csv</a:t>
+              <a:t>Gather your Subnet Info</a:t>
             </a:r>
             <a:endParaRPr/>
           </a:p>
@@ -8666,7 +10222,7 @@
       </p:sp>
       <p:sp>
         <p:nvSpPr>
-          <p:cNvPr id="103" name="Google Shape;103;p21"/>
+          <p:cNvPr id="103" name="Google Shape;103;p18"/>
           <p:cNvSpPr txBox="1"/>
           <p:nvPr>
             <p:ph idx="1" type="body"/>
@@ -8687,6 +10243,393 @@
           </a:bodyPr>
           <a:lstStyle/>
           <a:p>
+            <a:pPr indent="-342900" lvl="0" marL="457200" rtl="0" algn="l">
+              <a:spcBef>
+                <a:spcPts val="0"/>
+              </a:spcBef>
+              <a:spcAft>
+                <a:spcPts val="0"/>
+              </a:spcAft>
+              <a:buSzPts val="1800"/>
+              <a:buChar char="●"/>
+            </a:pPr>
+            <a:r>
+              <a:rPr lang="en"/>
+              <a:t>Straight from AWS APIs</a:t>
+            </a:r>
+            <a:endParaRPr/>
+          </a:p>
+          <a:p>
+            <a:pPr indent="0" lvl="0" marL="457200" rtl="0" algn="l">
+              <a:spcBef>
+                <a:spcPts val="1200"/>
+              </a:spcBef>
+              <a:spcAft>
+                <a:spcPts val="0"/>
+              </a:spcAft>
+              <a:buNone/>
+            </a:pPr>
+            <a:r>
+              <a:t/>
+            </a:r>
+            <a:endParaRPr/>
+          </a:p>
+          <a:p>
+            <a:pPr indent="-342900" lvl="0" marL="457200" rtl="0" algn="l">
+              <a:spcBef>
+                <a:spcPts val="1200"/>
+              </a:spcBef>
+              <a:spcAft>
+                <a:spcPts val="0"/>
+              </a:spcAft>
+              <a:buSzPts val="1800"/>
+              <a:buChar char="●"/>
+            </a:pPr>
+            <a:r>
+              <a:rPr lang="en"/>
+              <a:t>Pull in to a data Set</a:t>
+            </a:r>
+            <a:endParaRPr/>
+          </a:p>
+          <a:p>
+            <a:pPr indent="0" lvl="0" marL="457200" rtl="0" algn="l">
+              <a:spcBef>
+                <a:spcPts val="1200"/>
+              </a:spcBef>
+              <a:spcAft>
+                <a:spcPts val="0"/>
+              </a:spcAft>
+              <a:buNone/>
+            </a:pPr>
+            <a:r>
+              <a:t/>
+            </a:r>
+            <a:endParaRPr/>
+          </a:p>
+          <a:p>
+            <a:pPr indent="-342900" lvl="0" marL="457200" rtl="0" algn="l">
+              <a:spcBef>
+                <a:spcPts val="1200"/>
+              </a:spcBef>
+              <a:spcAft>
+                <a:spcPts val="0"/>
+              </a:spcAft>
+              <a:buSzPts val="1800"/>
+              <a:buChar char="●"/>
+            </a:pPr>
+            <a:r>
+              <a:rPr lang="en"/>
+              <a:t>Analyze Subnet Size, Current Usage, Available Space</a:t>
+            </a:r>
+            <a:endParaRPr/>
+          </a:p>
+          <a:p>
+            <a:pPr indent="0" lvl="0" marL="0" rtl="0" algn="l">
+              <a:spcBef>
+                <a:spcPts val="1200"/>
+              </a:spcBef>
+              <a:spcAft>
+                <a:spcPts val="1200"/>
+              </a:spcAft>
+              <a:buNone/>
+            </a:pPr>
+            <a:r>
+              <a:t/>
+            </a:r>
+            <a:endParaRPr/>
+          </a:p>
+        </p:txBody>
+      </p:sp>
+    </p:spTree>
+  </p:cSld>
+  <p:clrMapOvr>
+    <a:masterClrMapping/>
+  </p:clrMapOvr>
+</p:sld>
+</file>
+
+<file path=ppt/slides/slide7.xml><?xml version="1.0" encoding="utf-8"?>
+<p:sld xmlns:a="http://schemas.openxmlformats.org/drawingml/2006/main" xmlns:r="http://schemas.openxmlformats.org/officeDocument/2006/relationships" xmlns:mc="http://schemas.openxmlformats.org/markup-compatibility/2006" xmlns:mv="urn:schemas-microsoft-com:mac:vml" xmlns:p="http://schemas.openxmlformats.org/presentationml/2006/main" xmlns:c="http://schemas.openxmlformats.org/drawingml/2006/chart" xmlns:dgm="http://schemas.openxmlformats.org/drawingml/2006/diagram" xmlns:o="urn:schemas-microsoft-com:office:office" xmlns:v="urn:schemas-microsoft-com:vml" xmlns:pvml="urn:schemas-microsoft-com:office:powerpoint" xmlns:com="http://schemas.openxmlformats.org/drawingml/2006/compatibility" xmlns:p14="http://schemas.microsoft.com/office/powerpoint/2010/main" xmlns:p15="http://schemas.microsoft.com/office/powerpoint/2012/main" xmlns:ahyp="http://schemas.microsoft.com/office/drawing/2018/hyperlinkcolor">
+  <p:cSld>
+    <p:spTree>
+      <p:nvGrpSpPr>
+        <p:cNvPr id="107" name="Shape 107"/>
+        <p:cNvGrpSpPr/>
+        <p:nvPr/>
+      </p:nvGrpSpPr>
+      <p:grpSpPr>
+        <a:xfrm>
+          <a:off x="0" y="0"/>
+          <a:ext cx="0" cy="0"/>
+          <a:chOff x="0" y="0"/>
+          <a:chExt cx="0" cy="0"/>
+        </a:xfrm>
+      </p:grpSpPr>
+      <p:sp>
+        <p:nvSpPr>
+          <p:cNvPr id="108" name="Google Shape;108;p19"/>
+          <p:cNvSpPr txBox="1"/>
+          <p:nvPr>
+            <p:ph type="title"/>
+          </p:nvPr>
+        </p:nvSpPr>
+        <p:spPr>
+          <a:xfrm>
+            <a:off x="311700" y="445025"/>
+            <a:ext cx="8520600" cy="572700"/>
+          </a:xfrm>
+          <a:prstGeom prst="rect">
+            <a:avLst/>
+          </a:prstGeom>
+        </p:spPr>
+        <p:txBody>
+          <a:bodyPr anchorCtr="0" anchor="t" bIns="91425" lIns="91425" spcFirstLastPara="1" rIns="91425" wrap="square" tIns="91425">
+            <a:normAutofit fontScale="90000"/>
+          </a:bodyPr>
+          <a:lstStyle/>
+          <a:p>
+            <a:pPr indent="0" lvl="0" marL="0" rtl="0" algn="l">
+              <a:spcBef>
+                <a:spcPts val="0"/>
+              </a:spcBef>
+              <a:spcAft>
+                <a:spcPts val="0"/>
+              </a:spcAft>
+              <a:buNone/>
+            </a:pPr>
+            <a:r>
+              <a:rPr lang="en"/>
+              <a:t>IP Headroom</a:t>
+            </a:r>
+            <a:endParaRPr/>
+          </a:p>
+        </p:txBody>
+      </p:sp>
+      <p:sp>
+        <p:nvSpPr>
+          <p:cNvPr id="109" name="Google Shape;109;p19"/>
+          <p:cNvSpPr txBox="1"/>
+          <p:nvPr>
+            <p:ph idx="1" type="body"/>
+          </p:nvPr>
+        </p:nvSpPr>
+        <p:spPr>
+          <a:xfrm>
+            <a:off x="311700" y="1152475"/>
+            <a:ext cx="8520600" cy="3416400"/>
+          </a:xfrm>
+          <a:prstGeom prst="rect">
+            <a:avLst/>
+          </a:prstGeom>
+        </p:spPr>
+        <p:txBody>
+          <a:bodyPr anchorCtr="0" anchor="t" bIns="91425" lIns="91425" spcFirstLastPara="1" rIns="91425" wrap="square" tIns="91425">
+            <a:normAutofit/>
+          </a:bodyPr>
+          <a:lstStyle/>
+          <a:p>
+            <a:pPr indent="-342900" lvl="0" marL="457200" rtl="0" algn="l">
+              <a:spcBef>
+                <a:spcPts val="0"/>
+              </a:spcBef>
+              <a:spcAft>
+                <a:spcPts val="0"/>
+              </a:spcAft>
+              <a:buSzPts val="1800"/>
+              <a:buChar char="●"/>
+            </a:pPr>
+            <a:r>
+              <a:rPr lang="en"/>
+              <a:t>Evaluate Subnets </a:t>
+            </a:r>
+            <a:endParaRPr/>
+          </a:p>
+          <a:p>
+            <a:pPr indent="0" lvl="0" marL="457200" rtl="0" algn="l">
+              <a:spcBef>
+                <a:spcPts val="1200"/>
+              </a:spcBef>
+              <a:spcAft>
+                <a:spcPts val="0"/>
+              </a:spcAft>
+              <a:buNone/>
+            </a:pPr>
+            <a:r>
+              <a:t/>
+            </a:r>
+            <a:endParaRPr/>
+          </a:p>
+          <a:p>
+            <a:pPr indent="-342900" lvl="0" marL="457200" rtl="0" algn="l">
+              <a:spcBef>
+                <a:spcPts val="1200"/>
+              </a:spcBef>
+              <a:spcAft>
+                <a:spcPts val="0"/>
+              </a:spcAft>
+              <a:buSzPts val="1800"/>
+              <a:buChar char="●"/>
+            </a:pPr>
+            <a:r>
+              <a:rPr lang="en"/>
+              <a:t>How much “Headroom” do we have?</a:t>
+            </a:r>
+            <a:endParaRPr/>
+          </a:p>
+          <a:p>
+            <a:pPr indent="0" lvl="0" marL="457200" rtl="0" algn="l">
+              <a:spcBef>
+                <a:spcPts val="1200"/>
+              </a:spcBef>
+              <a:spcAft>
+                <a:spcPts val="0"/>
+              </a:spcAft>
+              <a:buNone/>
+            </a:pPr>
+            <a:r>
+              <a:t/>
+            </a:r>
+            <a:endParaRPr/>
+          </a:p>
+          <a:p>
+            <a:pPr indent="-342900" lvl="0" marL="457200" rtl="0" algn="l">
+              <a:spcBef>
+                <a:spcPts val="1200"/>
+              </a:spcBef>
+              <a:spcAft>
+                <a:spcPts val="0"/>
+              </a:spcAft>
+              <a:buSzPts val="1800"/>
+              <a:buChar char="●"/>
+            </a:pPr>
+            <a:r>
+              <a:rPr lang="en"/>
+              <a:t>Report on anything below the targeted peak</a:t>
+            </a:r>
+            <a:endParaRPr/>
+          </a:p>
+          <a:p>
+            <a:pPr indent="0" lvl="0" marL="457200" rtl="0" algn="l">
+              <a:spcBef>
+                <a:spcPts val="1200"/>
+              </a:spcBef>
+              <a:spcAft>
+                <a:spcPts val="0"/>
+              </a:spcAft>
+              <a:buNone/>
+            </a:pPr>
+            <a:r>
+              <a:t/>
+            </a:r>
+            <a:endParaRPr/>
+          </a:p>
+          <a:p>
+            <a:pPr indent="-342900" lvl="0" marL="457200" rtl="0" algn="l">
+              <a:spcBef>
+                <a:spcPts val="1200"/>
+              </a:spcBef>
+              <a:spcAft>
+                <a:spcPts val="0"/>
+              </a:spcAft>
+              <a:buSzPts val="1800"/>
+              <a:buChar char="●"/>
+            </a:pPr>
+            <a:r>
+              <a:rPr lang="en"/>
+              <a:t>Fix it now (before we scale)</a:t>
+            </a:r>
+            <a:endParaRPr/>
+          </a:p>
+        </p:txBody>
+      </p:sp>
+    </p:spTree>
+  </p:cSld>
+  <p:clrMapOvr>
+    <a:masterClrMapping/>
+  </p:clrMapOvr>
+</p:sld>
+</file>
+
+<file path=ppt/slides/slide8.xml><?xml version="1.0" encoding="utf-8"?>
+<p:sld xmlns:a="http://schemas.openxmlformats.org/drawingml/2006/main" xmlns:r="http://schemas.openxmlformats.org/officeDocument/2006/relationships" xmlns:mc="http://schemas.openxmlformats.org/markup-compatibility/2006" xmlns:mv="urn:schemas-microsoft-com:mac:vml" xmlns:p="http://schemas.openxmlformats.org/presentationml/2006/main" xmlns:c="http://schemas.openxmlformats.org/drawingml/2006/chart" xmlns:dgm="http://schemas.openxmlformats.org/drawingml/2006/diagram" xmlns:o="urn:schemas-microsoft-com:office:office" xmlns:v="urn:schemas-microsoft-com:vml" xmlns:pvml="urn:schemas-microsoft-com:office:powerpoint" xmlns:com="http://schemas.openxmlformats.org/drawingml/2006/compatibility" xmlns:p14="http://schemas.microsoft.com/office/powerpoint/2010/main" xmlns:p15="http://schemas.microsoft.com/office/powerpoint/2012/main" xmlns:ahyp="http://schemas.microsoft.com/office/drawing/2018/hyperlinkcolor">
+  <p:cSld>
+    <p:spTree>
+      <p:nvGrpSpPr>
+        <p:cNvPr id="113" name="Shape 113"/>
+        <p:cNvGrpSpPr/>
+        <p:nvPr/>
+      </p:nvGrpSpPr>
+      <p:grpSpPr>
+        <a:xfrm>
+          <a:off x="0" y="0"/>
+          <a:ext cx="0" cy="0"/>
+          <a:chOff x="0" y="0"/>
+          <a:chExt cx="0" cy="0"/>
+        </a:xfrm>
+      </p:grpSpPr>
+      <p:sp>
+        <p:nvSpPr>
+          <p:cNvPr id="114" name="Google Shape;114;p20"/>
+          <p:cNvSpPr txBox="1"/>
+          <p:nvPr>
+            <p:ph type="title"/>
+          </p:nvPr>
+        </p:nvSpPr>
+        <p:spPr>
+          <a:xfrm>
+            <a:off x="311700" y="445025"/>
+            <a:ext cx="8520600" cy="572700"/>
+          </a:xfrm>
+          <a:prstGeom prst="rect">
+            <a:avLst/>
+          </a:prstGeom>
+        </p:spPr>
+        <p:txBody>
+          <a:bodyPr anchorCtr="0" anchor="t" bIns="91425" lIns="91425" spcFirstLastPara="1" rIns="91425" wrap="square" tIns="91425">
+            <a:normAutofit fontScale="90000"/>
+          </a:bodyPr>
+          <a:lstStyle/>
+          <a:p>
+            <a:pPr indent="0" lvl="0" marL="0" rtl="0" algn="l">
+              <a:spcBef>
+                <a:spcPts val="0"/>
+              </a:spcBef>
+              <a:spcAft>
+                <a:spcPts val="0"/>
+              </a:spcAft>
+              <a:buNone/>
+            </a:pPr>
+            <a:r>
+              <a:rPr lang="en"/>
+              <a:t>Data Set - subnets.csv</a:t>
+            </a:r>
+            <a:endParaRPr/>
+          </a:p>
+        </p:txBody>
+      </p:sp>
+      <p:sp>
+        <p:nvSpPr>
+          <p:cNvPr id="115" name="Google Shape;115;p20"/>
+          <p:cNvSpPr txBox="1"/>
+          <p:nvPr>
+            <p:ph idx="1" type="body"/>
+          </p:nvPr>
+        </p:nvSpPr>
+        <p:spPr>
+          <a:xfrm>
+            <a:off x="311700" y="1152475"/>
+            <a:ext cx="8520600" cy="3416400"/>
+          </a:xfrm>
+          <a:prstGeom prst="rect">
+            <a:avLst/>
+          </a:prstGeom>
+        </p:spPr>
+        <p:txBody>
+          <a:bodyPr anchorCtr="0" anchor="t" bIns="91425" lIns="91425" spcFirstLastPara="1" rIns="91425" wrap="square" tIns="91425">
+            <a:normAutofit/>
+          </a:bodyPr>
+          <a:lstStyle/>
+          <a:p>
             <a:pPr indent="0" lvl="0" marL="0" rtl="0" algn="l">
               <a:spcBef>
                 <a:spcPts val="0"/>
@@ -8705,7 +10648,7 @@
       </p:sp>
       <p:pic>
         <p:nvPicPr>
-          <p:cNvPr id="104" name="Google Shape;104;p21"/>
+          <p:cNvPr id="116" name="Google Shape;116;p20"/>
           <p:cNvPicPr preferRelativeResize="0"/>
           <p:nvPr/>
         </p:nvPicPr>
@@ -8739,7 +10682,418 @@
 </p:sld>
 </file>
 
+<file path=ppt/slides/slide9.xml><?xml version="1.0" encoding="utf-8"?>
+<p:sld xmlns:a="http://schemas.openxmlformats.org/drawingml/2006/main" xmlns:r="http://schemas.openxmlformats.org/officeDocument/2006/relationships" xmlns:mc="http://schemas.openxmlformats.org/markup-compatibility/2006" xmlns:mv="urn:schemas-microsoft-com:mac:vml" xmlns:p="http://schemas.openxmlformats.org/presentationml/2006/main" xmlns:c="http://schemas.openxmlformats.org/drawingml/2006/chart" xmlns:dgm="http://schemas.openxmlformats.org/drawingml/2006/diagram" xmlns:o="urn:schemas-microsoft-com:office:office" xmlns:v="urn:schemas-microsoft-com:vml" xmlns:pvml="urn:schemas-microsoft-com:office:powerpoint" xmlns:com="http://schemas.openxmlformats.org/drawingml/2006/compatibility" xmlns:p14="http://schemas.microsoft.com/office/powerpoint/2010/main" xmlns:p15="http://schemas.microsoft.com/office/powerpoint/2012/main" xmlns:ahyp="http://schemas.microsoft.com/office/drawing/2018/hyperlinkcolor">
+  <p:cSld>
+    <p:spTree>
+      <p:nvGrpSpPr>
+        <p:cNvPr id="120" name="Shape 120"/>
+        <p:cNvGrpSpPr/>
+        <p:nvPr/>
+      </p:nvGrpSpPr>
+      <p:grpSpPr>
+        <a:xfrm>
+          <a:off x="0" y="0"/>
+          <a:ext cx="0" cy="0"/>
+          <a:chOff x="0" y="0"/>
+          <a:chExt cx="0" cy="0"/>
+        </a:xfrm>
+      </p:grpSpPr>
+      <p:sp>
+        <p:nvSpPr>
+          <p:cNvPr id="121" name="Google Shape;121;p21"/>
+          <p:cNvSpPr txBox="1"/>
+          <p:nvPr>
+            <p:ph type="title"/>
+          </p:nvPr>
+        </p:nvSpPr>
+        <p:spPr>
+          <a:xfrm>
+            <a:off x="311700" y="445025"/>
+            <a:ext cx="8520600" cy="572700"/>
+          </a:xfrm>
+          <a:prstGeom prst="rect">
+            <a:avLst/>
+          </a:prstGeom>
+        </p:spPr>
+        <p:txBody>
+          <a:bodyPr anchorCtr="0" anchor="t" bIns="91425" lIns="91425" spcFirstLastPara="1" rIns="91425" wrap="square" tIns="91425">
+            <a:normAutofit fontScale="90000"/>
+          </a:bodyPr>
+          <a:lstStyle/>
+          <a:p>
+            <a:pPr indent="0" lvl="0" marL="0" rtl="0" algn="l">
+              <a:spcBef>
+                <a:spcPts val="0"/>
+              </a:spcBef>
+              <a:spcAft>
+                <a:spcPts val="0"/>
+              </a:spcAft>
+              <a:buNone/>
+            </a:pPr>
+            <a:r>
+              <a:rPr lang="en"/>
+              <a:t>Setting up Evaluation</a:t>
+            </a:r>
+            <a:endParaRPr/>
+          </a:p>
+        </p:txBody>
+      </p:sp>
+      <p:sp>
+        <p:nvSpPr>
+          <p:cNvPr id="122" name="Google Shape;122;p21"/>
+          <p:cNvSpPr txBox="1"/>
+          <p:nvPr>
+            <p:ph idx="1" type="body"/>
+          </p:nvPr>
+        </p:nvSpPr>
+        <p:spPr>
+          <a:xfrm>
+            <a:off x="311700" y="1152475"/>
+            <a:ext cx="8520600" cy="3416400"/>
+          </a:xfrm>
+          <a:prstGeom prst="rect">
+            <a:avLst/>
+          </a:prstGeom>
+        </p:spPr>
+        <p:txBody>
+          <a:bodyPr anchorCtr="0" anchor="t" bIns="91425" lIns="91425" spcFirstLastPara="1" rIns="91425" wrap="square" tIns="91425">
+            <a:normAutofit/>
+          </a:bodyPr>
+          <a:lstStyle/>
+          <a:p>
+            <a:pPr indent="0" lvl="0" marL="0" rtl="0" algn="l">
+              <a:spcBef>
+                <a:spcPts val="0"/>
+              </a:spcBef>
+              <a:spcAft>
+                <a:spcPts val="1200"/>
+              </a:spcAft>
+              <a:buNone/>
+            </a:pPr>
+            <a:r>
+              <a:t/>
+            </a:r>
+            <a:endParaRPr/>
+          </a:p>
+        </p:txBody>
+      </p:sp>
+      <p:pic>
+        <p:nvPicPr>
+          <p:cNvPr id="123" name="Google Shape;123;p21"/>
+          <p:cNvPicPr preferRelativeResize="0"/>
+          <p:nvPr/>
+        </p:nvPicPr>
+        <p:blipFill>
+          <a:blip r:embed="rId3">
+            <a:alphaModFix/>
+          </a:blip>
+          <a:stretch>
+            <a:fillRect/>
+          </a:stretch>
+        </p:blipFill>
+        <p:spPr>
+          <a:xfrm>
+            <a:off x="0" y="1228853"/>
+            <a:ext cx="9144001" cy="3600194"/>
+          </a:xfrm>
+          <a:prstGeom prst="rect">
+            <a:avLst/>
+          </a:prstGeom>
+          <a:noFill/>
+          <a:ln>
+            <a:noFill/>
+          </a:ln>
+        </p:spPr>
+      </p:pic>
+    </p:spTree>
+  </p:cSld>
+  <p:clrMapOvr>
+    <a:masterClrMapping/>
+  </p:clrMapOvr>
+</p:sld>
+</file>
+
 <file path=ppt/theme/theme1.xml><?xml version="1.0" encoding="utf-8"?>
+<a:theme xmlns:a="http://schemas.openxmlformats.org/drawingml/2006/main" xmlns:r="http://schemas.openxmlformats.org/officeDocument/2006/relationships" name="Simple Light">
+  <a:themeElements>
+    <a:clrScheme name="Simple Light">
+      <a:dk1>
+        <a:srgbClr val="000000"/>
+      </a:dk1>
+      <a:lt1>
+        <a:srgbClr val="FFFFFF"/>
+      </a:lt1>
+      <a:dk2>
+        <a:srgbClr val="595959"/>
+      </a:dk2>
+      <a:lt2>
+        <a:srgbClr val="EEEEEE"/>
+      </a:lt2>
+      <a:accent1>
+        <a:srgbClr val="4285F4"/>
+      </a:accent1>
+      <a:accent2>
+        <a:srgbClr val="212121"/>
+      </a:accent2>
+      <a:accent3>
+        <a:srgbClr val="78909C"/>
+      </a:accent3>
+      <a:accent4>
+        <a:srgbClr val="FFAB40"/>
+      </a:accent4>
+      <a:accent5>
+        <a:srgbClr val="0097A7"/>
+      </a:accent5>
+      <a:accent6>
+        <a:srgbClr val="EEFF41"/>
+      </a:accent6>
+      <a:hlink>
+        <a:srgbClr val="0097A7"/>
+      </a:hlink>
+      <a:folHlink>
+        <a:srgbClr val="0097A7"/>
+      </a:folHlink>
+    </a:clrScheme>
+    <a:fontScheme name="Office">
+      <a:majorFont>
+        <a:latin typeface="Arial"/>
+        <a:ea typeface=""/>
+        <a:cs typeface=""/>
+        <a:font script="Jpan" typeface="ＭＳ Ｐゴシック"/>
+        <a:font script="Hang" typeface="맑은 고딕"/>
+        <a:font script="Hans" typeface="宋体"/>
+        <a:font script="Hant" typeface="新細明體"/>
+        <a:font script="Arab" typeface="Times New Roman"/>
+        <a:font script="Hebr" typeface="Times New Roman"/>
+        <a:font script="Thai" typeface="Angsana New"/>
+        <a:font script="Ethi" typeface="Nyala"/>
+        <a:font script="Beng" typeface="Vrinda"/>
+        <a:font script="Gujr" typeface="Shruti"/>
+        <a:font script="Khmr" typeface="MoolBoran"/>
+        <a:font script="Knda" typeface="Tunga"/>
+        <a:font script="Guru" typeface="Raavi"/>
+        <a:font script="Cans" typeface="Euphemia"/>
+        <a:font script="Cher" typeface="Plantagenet Cherokee"/>
+        <a:font script="Yiii" typeface="Microsoft Yi Baiti"/>
+        <a:font script="Tibt" typeface="Microsoft Himalaya"/>
+        <a:font script="Thaa" typeface="MV Boli"/>
+        <a:font script="Deva" typeface="Mangal"/>
+        <a:font script="Telu" typeface="Gautami"/>
+        <a:font script="Taml" typeface="Latha"/>
+        <a:font script="Syrc" typeface="Estrangelo Edessa"/>
+        <a:font script="Orya" typeface="Kalinga"/>
+        <a:font script="Mlym" typeface="Kartika"/>
+        <a:font script="Laoo" typeface="DokChampa"/>
+        <a:font script="Sinh" typeface="Iskoola Pota"/>
+        <a:font script="Mong" typeface="Mongolian Baiti"/>
+        <a:font script="Viet" typeface="Times New Roman"/>
+        <a:font script="Uigh" typeface="Microsoft Uighur"/>
+        <a:font script="Geor" typeface="Sylfaen"/>
+      </a:majorFont>
+      <a:minorFont>
+        <a:latin typeface="Arial"/>
+        <a:ea typeface=""/>
+        <a:cs typeface=""/>
+        <a:font script="Jpan" typeface="ＭＳ Ｐゴシック"/>
+        <a:font script="Hang" typeface="맑은 고딕"/>
+        <a:font script="Hans" typeface="宋体"/>
+        <a:font script="Hant" typeface="新細明體"/>
+        <a:font script="Arab" typeface="Arial"/>
+        <a:font script="Hebr" typeface="Arial"/>
+        <a:font script="Thai" typeface="Cordia New"/>
+        <a:font script="Ethi" typeface="Nyala"/>
+        <a:font script="Beng" typeface="Vrinda"/>
+        <a:font script="Gujr" typeface="Shruti"/>
+        <a:font script="Khmr" typeface="DaunPenh"/>
+        <a:font script="Knda" typeface="Tunga"/>
+        <a:font script="Guru" typeface="Raavi"/>
+        <a:font script="Cans" typeface="Euphemia"/>
+        <a:font script="Cher" typeface="Plantagenet Cherokee"/>
+        <a:font script="Yiii" typeface="Microsoft Yi Baiti"/>
+        <a:font script="Tibt" typeface="Microsoft Himalaya"/>
+        <a:font script="Thaa" typeface="MV Boli"/>
+        <a:font script="Deva" typeface="Mangal"/>
+        <a:font script="Telu" typeface="Gautami"/>
+        <a:font script="Taml" typeface="Latha"/>
+        <a:font script="Syrc" typeface="Estrangelo Edessa"/>
+        <a:font script="Orya" typeface="Kalinga"/>
+        <a:font script="Mlym" typeface="Kartika"/>
+        <a:font script="Laoo" typeface="DokChampa"/>
+        <a:font script="Sinh" typeface="Iskoola Pota"/>
+        <a:font script="Mong" typeface="Mongolian Baiti"/>
+        <a:font script="Viet" typeface="Arial"/>
+        <a:font script="Uigh" typeface="Microsoft Uighur"/>
+        <a:font script="Geor" typeface="Sylfaen"/>
+      </a:minorFont>
+    </a:fontScheme>
+    <a:fmtScheme name="Office">
+      <a:fillStyleLst>
+        <a:solidFill>
+          <a:schemeClr val="phClr"/>
+        </a:solidFill>
+        <a:gradFill rotWithShape="1">
+          <a:gsLst>
+            <a:gs pos="0">
+              <a:schemeClr val="phClr">
+                <a:tint val="50000"/>
+                <a:satMod val="300000"/>
+              </a:schemeClr>
+            </a:gs>
+            <a:gs pos="35000">
+              <a:schemeClr val="phClr">
+                <a:tint val="37000"/>
+                <a:satMod val="300000"/>
+              </a:schemeClr>
+            </a:gs>
+            <a:gs pos="100000">
+              <a:schemeClr val="phClr">
+                <a:tint val="15000"/>
+                <a:satMod val="350000"/>
+              </a:schemeClr>
+            </a:gs>
+          </a:gsLst>
+          <a:lin ang="16200000" scaled="1"/>
+        </a:gradFill>
+        <a:gradFill rotWithShape="1">
+          <a:gsLst>
+            <a:gs pos="0">
+              <a:schemeClr val="phClr">
+                <a:tint val="100000"/>
+                <a:shade val="100000"/>
+                <a:satMod val="130000"/>
+              </a:schemeClr>
+            </a:gs>
+            <a:gs pos="100000">
+              <a:schemeClr val="phClr">
+                <a:tint val="50000"/>
+                <a:shade val="100000"/>
+                <a:satMod val="350000"/>
+              </a:schemeClr>
+            </a:gs>
+          </a:gsLst>
+          <a:lin ang="16200000" scaled="0"/>
+        </a:gradFill>
+      </a:fillStyleLst>
+      <a:lnStyleLst>
+        <a:ln w="9525" cap="flat" cmpd="sng" algn="ctr">
+          <a:solidFill>
+            <a:schemeClr val="phClr">
+              <a:shade val="95000"/>
+              <a:satMod val="105000"/>
+            </a:schemeClr>
+          </a:solidFill>
+          <a:prstDash val="solid"/>
+        </a:ln>
+        <a:ln w="25400" cap="flat" cmpd="sng" algn="ctr">
+          <a:solidFill>
+            <a:schemeClr val="phClr"/>
+          </a:solidFill>
+          <a:prstDash val="solid"/>
+        </a:ln>
+        <a:ln w="38100" cap="flat" cmpd="sng" algn="ctr">
+          <a:solidFill>
+            <a:schemeClr val="phClr"/>
+          </a:solidFill>
+          <a:prstDash val="solid"/>
+        </a:ln>
+      </a:lnStyleLst>
+      <a:effectStyleLst>
+        <a:effectStyle>
+          <a:effectLst>
+            <a:outerShdw blurRad="40000" dist="20000" dir="5400000" rotWithShape="0">
+              <a:srgbClr val="000000">
+                <a:alpha val="38000"/>
+              </a:srgbClr>
+            </a:outerShdw>
+          </a:effectLst>
+        </a:effectStyle>
+        <a:effectStyle>
+          <a:effectLst>
+            <a:outerShdw blurRad="40000" dist="23000" dir="5400000" rotWithShape="0">
+              <a:srgbClr val="000000">
+                <a:alpha val="35000"/>
+              </a:srgbClr>
+            </a:outerShdw>
+          </a:effectLst>
+        </a:effectStyle>
+        <a:effectStyle>
+          <a:effectLst>
+            <a:outerShdw blurRad="40000" dist="23000" dir="5400000" rotWithShape="0">
+              <a:srgbClr val="000000">
+                <a:alpha val="35000"/>
+              </a:srgbClr>
+            </a:outerShdw>
+          </a:effectLst>
+          <a:scene3d>
+            <a:camera prst="orthographicFront">
+              <a:rot lat="0" lon="0" rev="0"/>
+            </a:camera>
+            <a:lightRig rig="threePt" dir="t">
+              <a:rot lat="0" lon="0" rev="1200000"/>
+            </a:lightRig>
+          </a:scene3d>
+          <a:sp3d>
+            <a:bevelT w="63500" h="25400"/>
+          </a:sp3d>
+        </a:effectStyle>
+      </a:effectStyleLst>
+      <a:bgFillStyleLst>
+        <a:solidFill>
+          <a:schemeClr val="phClr"/>
+        </a:solidFill>
+        <a:gradFill rotWithShape="1">
+          <a:gsLst>
+            <a:gs pos="0">
+              <a:schemeClr val="phClr">
+                <a:tint val="40000"/>
+                <a:satMod val="350000"/>
+              </a:schemeClr>
+            </a:gs>
+            <a:gs pos="40000">
+              <a:schemeClr val="phClr">
+                <a:tint val="45000"/>
+                <a:shade val="99000"/>
+                <a:satMod val="350000"/>
+              </a:schemeClr>
+            </a:gs>
+            <a:gs pos="100000">
+              <a:schemeClr val="phClr">
+                <a:shade val="20000"/>
+                <a:satMod val="255000"/>
+              </a:schemeClr>
+            </a:gs>
+          </a:gsLst>
+          <a:path path="circle">
+            <a:fillToRect l="50000" t="-80000" r="50000" b="180000"/>
+          </a:path>
+        </a:gradFill>
+        <a:gradFill rotWithShape="1">
+          <a:gsLst>
+            <a:gs pos="0">
+              <a:schemeClr val="phClr">
+                <a:tint val="80000"/>
+                <a:satMod val="300000"/>
+              </a:schemeClr>
+            </a:gs>
+            <a:gs pos="100000">
+              <a:schemeClr val="phClr">
+                <a:shade val="30000"/>
+                <a:satMod val="200000"/>
+              </a:schemeClr>
+            </a:gs>
+          </a:gsLst>
+          <a:path path="circle">
+            <a:fillToRect l="50000" t="50000" r="50000" b="50000"/>
+          </a:path>
+        </a:gradFill>
+      </a:bgFillStyleLst>
+    </a:fmtScheme>
+  </a:themeElements>
+</a:theme>
+</file>
+
+<file path=ppt/theme/theme2.xml><?xml version="1.0" encoding="utf-8"?>
 <a:theme xmlns:a="http://schemas.openxmlformats.org/drawingml/2006/main" xmlns:r="http://schemas.openxmlformats.org/officeDocument/2006/relationships">
   <a:themeElements>
     <a:clrScheme name="Default">
@@ -9016,283 +11370,4 @@
     </a:fmtScheme>
   </a:themeElements>
 </a:theme>
-</file>
-
-<file path=ppt/theme/theme2.xml><?xml version="1.0" encoding="utf-8"?>
-<a:theme xmlns:a="http://schemas.openxmlformats.org/drawingml/2006/main" xmlns:r="http://schemas.openxmlformats.org/officeDocument/2006/relationships" name="Simple Light">
-  <a:themeElements>
-    <a:clrScheme name="Simple Light">
-      <a:dk1>
-        <a:srgbClr val="000000"/>
-      </a:dk1>
-      <a:lt1>
-        <a:srgbClr val="FFFFFF"/>
-      </a:lt1>
-      <a:dk2>
-        <a:srgbClr val="595959"/>
-      </a:dk2>
-      <a:lt2>
-        <a:srgbClr val="EEEEEE"/>
-      </a:lt2>
-      <a:accent1>
-        <a:srgbClr val="4285F4"/>
-      </a:accent1>
-      <a:accent2>
-        <a:srgbClr val="212121"/>
-      </a:accent2>
-      <a:accent3>
-        <a:srgbClr val="78909C"/>
-      </a:accent3>
-      <a:accent4>
-        <a:srgbClr val="FFAB40"/>
-      </a:accent4>
-      <a:accent5>
-        <a:srgbClr val="0097A7"/>
-      </a:accent5>
-      <a:accent6>
-        <a:srgbClr val="EEFF41"/>
-      </a:accent6>
-      <a:hlink>
-        <a:srgbClr val="0097A7"/>
-      </a:hlink>
-      <a:folHlink>
-        <a:srgbClr val="0097A7"/>
-      </a:folHlink>
-    </a:clrScheme>
-    <a:fontScheme name="Office">
-      <a:majorFont>
-        <a:latin typeface="Arial"/>
-        <a:ea typeface=""/>
-        <a:cs typeface=""/>
-        <a:font script="Jpan" typeface="ＭＳ Ｐゴシック"/>
-        <a:font script="Hang" typeface="맑은 고딕"/>
-        <a:font script="Hans" typeface="宋体"/>
-        <a:font script="Hant" typeface="新細明體"/>
-        <a:font script="Arab" typeface="Times New Roman"/>
-        <a:font script="Hebr" typeface="Times New Roman"/>
-        <a:font script="Thai" typeface="Angsana New"/>
-        <a:font script="Ethi" typeface="Nyala"/>
-        <a:font script="Beng" typeface="Vrinda"/>
-        <a:font script="Gujr" typeface="Shruti"/>
-        <a:font script="Khmr" typeface="MoolBoran"/>
-        <a:font script="Knda" typeface="Tunga"/>
-        <a:font script="Guru" typeface="Raavi"/>
-        <a:font script="Cans" typeface="Euphemia"/>
-        <a:font script="Cher" typeface="Plantagenet Cherokee"/>
-        <a:font script="Yiii" typeface="Microsoft Yi Baiti"/>
-        <a:font script="Tibt" typeface="Microsoft Himalaya"/>
-        <a:font script="Thaa" typeface="MV Boli"/>
-        <a:font script="Deva" typeface="Mangal"/>
-        <a:font script="Telu" typeface="Gautami"/>
-        <a:font script="Taml" typeface="Latha"/>
-        <a:font script="Syrc" typeface="Estrangelo Edessa"/>
-        <a:font script="Orya" typeface="Kalinga"/>
-        <a:font script="Mlym" typeface="Kartika"/>
-        <a:font script="Laoo" typeface="DokChampa"/>
-        <a:font script="Sinh" typeface="Iskoola Pota"/>
-        <a:font script="Mong" typeface="Mongolian Baiti"/>
-        <a:font script="Viet" typeface="Times New Roman"/>
-        <a:font script="Uigh" typeface="Microsoft Uighur"/>
-        <a:font script="Geor" typeface="Sylfaen"/>
-      </a:majorFont>
-      <a:minorFont>
-        <a:latin typeface="Arial"/>
-        <a:ea typeface=""/>
-        <a:cs typeface=""/>
-        <a:font script="Jpan" typeface="ＭＳ Ｐゴシック"/>
-        <a:font script="Hang" typeface="맑은 고딕"/>
-        <a:font script="Hans" typeface="宋体"/>
-        <a:font script="Hant" typeface="新細明體"/>
-        <a:font script="Arab" typeface="Arial"/>
-        <a:font script="Hebr" typeface="Arial"/>
-        <a:font script="Thai" typeface="Cordia New"/>
-        <a:font script="Ethi" typeface="Nyala"/>
-        <a:font script="Beng" typeface="Vrinda"/>
-        <a:font script="Gujr" typeface="Shruti"/>
-        <a:font script="Khmr" typeface="DaunPenh"/>
-        <a:font script="Knda" typeface="Tunga"/>
-        <a:font script="Guru" typeface="Raavi"/>
-        <a:font script="Cans" typeface="Euphemia"/>
-        <a:font script="Cher" typeface="Plantagenet Cherokee"/>
-        <a:font script="Yiii" typeface="Microsoft Yi Baiti"/>
-        <a:font script="Tibt" typeface="Microsoft Himalaya"/>
-        <a:font script="Thaa" typeface="MV Boli"/>
-        <a:font script="Deva" typeface="Mangal"/>
-        <a:font script="Telu" typeface="Gautami"/>
-        <a:font script="Taml" typeface="Latha"/>
-        <a:font script="Syrc" typeface="Estrangelo Edessa"/>
-        <a:font script="Orya" typeface="Kalinga"/>
-        <a:font script="Mlym" typeface="Kartika"/>
-        <a:font script="Laoo" typeface="DokChampa"/>
-        <a:font script="Sinh" typeface="Iskoola Pota"/>
-        <a:font script="Mong" typeface="Mongolian Baiti"/>
-        <a:font script="Viet" typeface="Arial"/>
-        <a:font script="Uigh" typeface="Microsoft Uighur"/>
-        <a:font script="Geor" typeface="Sylfaen"/>
-      </a:minorFont>
-    </a:fontScheme>
-    <a:fmtScheme name="Office">
-      <a:fillStyleLst>
-        <a:solidFill>
-          <a:schemeClr val="phClr"/>
-        </a:solidFill>
-        <a:gradFill rotWithShape="1">
-          <a:gsLst>
-            <a:gs pos="0">
-              <a:schemeClr val="phClr">
-                <a:tint val="50000"/>
-                <a:satMod val="300000"/>
-              </a:schemeClr>
-            </a:gs>
-            <a:gs pos="35000">
-              <a:schemeClr val="phClr">
-                <a:tint val="37000"/>
-                <a:satMod val="300000"/>
-              </a:schemeClr>
-            </a:gs>
-            <a:gs pos="100000">
-              <a:schemeClr val="phClr">
-                <a:tint val="15000"/>
-                <a:satMod val="350000"/>
-              </a:schemeClr>
-            </a:gs>
-          </a:gsLst>
-          <a:lin ang="16200000" scaled="1"/>
-        </a:gradFill>
-        <a:gradFill rotWithShape="1">
-          <a:gsLst>
-            <a:gs pos="0">
-              <a:schemeClr val="phClr">
-                <a:tint val="100000"/>
-                <a:shade val="100000"/>
-                <a:satMod val="130000"/>
-              </a:schemeClr>
-            </a:gs>
-            <a:gs pos="100000">
-              <a:schemeClr val="phClr">
-                <a:tint val="50000"/>
-                <a:shade val="100000"/>
-                <a:satMod val="350000"/>
-              </a:schemeClr>
-            </a:gs>
-          </a:gsLst>
-          <a:lin ang="16200000" scaled="0"/>
-        </a:gradFill>
-      </a:fillStyleLst>
-      <a:lnStyleLst>
-        <a:ln w="9525" cap="flat" cmpd="sng" algn="ctr">
-          <a:solidFill>
-            <a:schemeClr val="phClr">
-              <a:shade val="95000"/>
-              <a:satMod val="105000"/>
-            </a:schemeClr>
-          </a:solidFill>
-          <a:prstDash val="solid"/>
-        </a:ln>
-        <a:ln w="25400" cap="flat" cmpd="sng" algn="ctr">
-          <a:solidFill>
-            <a:schemeClr val="phClr"/>
-          </a:solidFill>
-          <a:prstDash val="solid"/>
-        </a:ln>
-        <a:ln w="38100" cap="flat" cmpd="sng" algn="ctr">
-          <a:solidFill>
-            <a:schemeClr val="phClr"/>
-          </a:solidFill>
-          <a:prstDash val="solid"/>
-        </a:ln>
-      </a:lnStyleLst>
-      <a:effectStyleLst>
-        <a:effectStyle>
-          <a:effectLst>
-            <a:outerShdw blurRad="40000" dist="20000" dir="5400000" rotWithShape="0">
-              <a:srgbClr val="000000">
-                <a:alpha val="38000"/>
-              </a:srgbClr>
-            </a:outerShdw>
-          </a:effectLst>
-        </a:effectStyle>
-        <a:effectStyle>
-          <a:effectLst>
-            <a:outerShdw blurRad="40000" dist="23000" dir="5400000" rotWithShape="0">
-              <a:srgbClr val="000000">
-                <a:alpha val="35000"/>
-              </a:srgbClr>
-            </a:outerShdw>
-          </a:effectLst>
-        </a:effectStyle>
-        <a:effectStyle>
-          <a:effectLst>
-            <a:outerShdw blurRad="40000" dist="23000" dir="5400000" rotWithShape="0">
-              <a:srgbClr val="000000">
-                <a:alpha val="35000"/>
-              </a:srgbClr>
-            </a:outerShdw>
-          </a:effectLst>
-          <a:scene3d>
-            <a:camera prst="orthographicFront">
-              <a:rot lat="0" lon="0" rev="0"/>
-            </a:camera>
-            <a:lightRig rig="threePt" dir="t">
-              <a:rot lat="0" lon="0" rev="1200000"/>
-            </a:lightRig>
-          </a:scene3d>
-          <a:sp3d>
-            <a:bevelT w="63500" h="25400"/>
-          </a:sp3d>
-        </a:effectStyle>
-      </a:effectStyleLst>
-      <a:bgFillStyleLst>
-        <a:solidFill>
-          <a:schemeClr val="phClr"/>
-        </a:solidFill>
-        <a:gradFill rotWithShape="1">
-          <a:gsLst>
-            <a:gs pos="0">
-              <a:schemeClr val="phClr">
-                <a:tint val="40000"/>
-                <a:satMod val="350000"/>
-              </a:schemeClr>
-            </a:gs>
-            <a:gs pos="40000">
-              <a:schemeClr val="phClr">
-                <a:tint val="45000"/>
-                <a:shade val="99000"/>
-                <a:satMod val="350000"/>
-              </a:schemeClr>
-            </a:gs>
-            <a:gs pos="100000">
-              <a:schemeClr val="phClr">
-                <a:shade val="20000"/>
-                <a:satMod val="255000"/>
-              </a:schemeClr>
-            </a:gs>
-          </a:gsLst>
-          <a:path path="circle">
-            <a:fillToRect l="50000" t="-80000" r="50000" b="180000"/>
-          </a:path>
-        </a:gradFill>
-        <a:gradFill rotWithShape="1">
-          <a:gsLst>
-            <a:gs pos="0">
-              <a:schemeClr val="phClr">
-                <a:tint val="80000"/>
-                <a:satMod val="300000"/>
-              </a:schemeClr>
-            </a:gs>
-            <a:gs pos="100000">
-              <a:schemeClr val="phClr">
-                <a:shade val="30000"/>
-                <a:satMod val="200000"/>
-              </a:schemeClr>
-            </a:gs>
-          </a:gsLst>
-          <a:path path="circle">
-            <a:fillToRect l="50000" t="50000" r="50000" b="50000"/>
-          </a:path>
-        </a:gradFill>
-      </a:bgFillStyleLst>
-    </a:fmtScheme>
-  </a:themeElements>
-</a:theme>
 </file>
--- a/DKShepherd - Python Class Project.pptx
+++ b/DKShepherd - Python Class Project.pptx
@@ -6810,7 +6810,7 @@
         </p:spPr>
         <p:txBody>
           <a:bodyPr anchorCtr="0" anchor="t" bIns="91425" lIns="91425" spcFirstLastPara="1" rIns="91425" wrap="square" tIns="91425">
-            <a:normAutofit/>
+            <a:normAutofit lnSpcReduction="10000"/>
           </a:bodyPr>
           <a:lstStyle/>
           <a:p>
@@ -6825,9 +6825,30 @@
             </a:pPr>
             <a:r>
               <a:rPr lang="en"/>
-              <a:t>AWS Security Group exhaustion</a:t>
-            </a:r>
-            <a:endParaRPr/>
+              <a:t>AWS Subnet IP Address Exhaustion</a:t>
+            </a:r>
+            <a:endParaRPr/>
+          </a:p>
+          <a:p>
+            <a:pPr indent="0" lvl="0" marL="0" rtl="0" algn="ctr">
+              <a:spcBef>
+                <a:spcPts val="0"/>
+              </a:spcBef>
+              <a:spcAft>
+                <a:spcPts val="0"/>
+              </a:spcAft>
+              <a:buNone/>
+            </a:pPr>
+            <a:r>
+              <a:rPr lang="en" sz="1532" u="sng">
+                <a:solidFill>
+                  <a:schemeClr val="hlink"/>
+                </a:solidFill>
+                <a:hlinkClick r:id="rId3"/>
+              </a:rPr>
+              <a:t>https://github.com/davidkshepherd/IPHeadroom</a:t>
+            </a:r>
+            <a:endParaRPr sz="1532"/>
           </a:p>
         </p:txBody>
       </p:sp>
@@ -10815,6 +10836,285 @@
 </file>
 
 <file path=ppt/theme/theme1.xml><?xml version="1.0" encoding="utf-8"?>
+<a:theme xmlns:a="http://schemas.openxmlformats.org/drawingml/2006/main" xmlns:r="http://schemas.openxmlformats.org/officeDocument/2006/relationships">
+  <a:themeElements>
+    <a:clrScheme name="Default">
+      <a:dk1>
+        <a:srgbClr val="000000"/>
+      </a:dk1>
+      <a:lt1>
+        <a:srgbClr val="FFFFFF"/>
+      </a:lt1>
+      <a:dk2>
+        <a:srgbClr val="158158"/>
+      </a:dk2>
+      <a:lt2>
+        <a:srgbClr val="F3F3F3"/>
+      </a:lt2>
+      <a:accent1>
+        <a:srgbClr val="058DC7"/>
+      </a:accent1>
+      <a:accent2>
+        <a:srgbClr val="50B432"/>
+      </a:accent2>
+      <a:accent3>
+        <a:srgbClr val="ED561B"/>
+      </a:accent3>
+      <a:accent4>
+        <a:srgbClr val="EDEF00"/>
+      </a:accent4>
+      <a:accent5>
+        <a:srgbClr val="24CBE5"/>
+      </a:accent5>
+      <a:accent6>
+        <a:srgbClr val="64E572"/>
+      </a:accent6>
+      <a:hlink>
+        <a:srgbClr val="2200CC"/>
+      </a:hlink>
+      <a:folHlink>
+        <a:srgbClr val="551A8B"/>
+      </a:folHlink>
+    </a:clrScheme>
+    <a:fontScheme name="Office">
+      <a:majorFont>
+        <a:latin typeface="Arial"/>
+        <a:ea typeface=""/>
+        <a:cs typeface=""/>
+        <a:font script="Jpan" typeface="ＭＳ Ｐゴシック"/>
+        <a:font script="Hang" typeface="맑은 고딕"/>
+        <a:font script="Hans" typeface="宋体"/>
+        <a:font script="Hant" typeface="新細明體"/>
+        <a:font script="Arab" typeface="Times New Roman"/>
+        <a:font script="Hebr" typeface="Times New Roman"/>
+        <a:font script="Thai" typeface="Angsana New"/>
+        <a:font script="Ethi" typeface="Nyala"/>
+        <a:font script="Beng" typeface="Vrinda"/>
+        <a:font script="Gujr" typeface="Shruti"/>
+        <a:font script="Khmr" typeface="MoolBoran"/>
+        <a:font script="Knda" typeface="Tunga"/>
+        <a:font script="Guru" typeface="Raavi"/>
+        <a:font script="Cans" typeface="Euphemia"/>
+        <a:font script="Cher" typeface="Plantagenet Cherokee"/>
+        <a:font script="Yiii" typeface="Microsoft Yi Baiti"/>
+        <a:font script="Tibt" typeface="Microsoft Himalaya"/>
+        <a:font script="Thaa" typeface="MV Boli"/>
+        <a:font script="Deva" typeface="Mangal"/>
+        <a:font script="Telu" typeface="Gautami"/>
+        <a:font script="Taml" typeface="Latha"/>
+        <a:font script="Syrc" typeface="Estrangelo Edessa"/>
+        <a:font script="Orya" typeface="Kalinga"/>
+        <a:font script="Mlym" typeface="Kartika"/>
+        <a:font script="Laoo" typeface="DokChampa"/>
+        <a:font script="Sinh" typeface="Iskoola Pota"/>
+        <a:font script="Mong" typeface="Mongolian Baiti"/>
+        <a:font script="Viet" typeface="Times New Roman"/>
+        <a:font script="Uigh" typeface="Microsoft Uighur"/>
+        <a:font script="Geor" typeface="Sylfaen"/>
+      </a:majorFont>
+      <a:minorFont>
+        <a:latin typeface="Arial"/>
+        <a:ea typeface=""/>
+        <a:cs typeface=""/>
+        <a:font script="Jpan" typeface="ＭＳ Ｐゴシック"/>
+        <a:font script="Hang" typeface="맑은 고딕"/>
+        <a:font script="Hans" typeface="宋体"/>
+        <a:font script="Hant" typeface="新細明體"/>
+        <a:font script="Arab" typeface="Arial"/>
+        <a:font script="Hebr" typeface="Arial"/>
+        <a:font script="Thai" typeface="Cordia New"/>
+        <a:font script="Ethi" typeface="Nyala"/>
+        <a:font script="Beng" typeface="Vrinda"/>
+        <a:font script="Gujr" typeface="Shruti"/>
+        <a:font script="Khmr" typeface="DaunPenh"/>
+        <a:font script="Knda" typeface="Tunga"/>
+        <a:font script="Guru" typeface="Raavi"/>
+        <a:font script="Cans" typeface="Euphemia"/>
+        <a:font script="Cher" typeface="Plantagenet Cherokee"/>
+        <a:font script="Yiii" typeface="Microsoft Yi Baiti"/>
+        <a:font script="Tibt" typeface="Microsoft Himalaya"/>
+        <a:font script="Thaa" typeface="MV Boli"/>
+        <a:font script="Deva" typeface="Mangal"/>
+        <a:font script="Telu" typeface="Gautami"/>
+        <a:font script="Taml" typeface="Latha"/>
+        <a:font script="Syrc" typeface="Estrangelo Edessa"/>
+        <a:font script="Orya" typeface="Kalinga"/>
+        <a:font script="Mlym" typeface="Kartika"/>
+        <a:font script="Laoo" typeface="DokChampa"/>
+        <a:font script="Sinh" typeface="Iskoola Pota"/>
+        <a:font script="Mong" typeface="Mongolian Baiti"/>
+        <a:font script="Viet" typeface="Arial"/>
+        <a:font script="Uigh" typeface="Microsoft Uighur"/>
+        <a:font script="Geor" typeface="Sylfaen"/>
+      </a:minorFont>
+    </a:fontScheme>
+    <a:fmtScheme name="Office">
+      <a:fillStyleLst>
+        <a:solidFill>
+          <a:schemeClr val="phClr"/>
+        </a:solidFill>
+        <a:gradFill rotWithShape="1">
+          <a:gsLst>
+            <a:gs pos="0">
+              <a:schemeClr val="phClr">
+                <a:tint val="50000"/>
+                <a:satMod val="300000"/>
+              </a:schemeClr>
+            </a:gs>
+            <a:gs pos="35000">
+              <a:schemeClr val="phClr">
+                <a:tint val="37000"/>
+                <a:satMod val="300000"/>
+              </a:schemeClr>
+            </a:gs>
+            <a:gs pos="100000">
+              <a:schemeClr val="phClr">
+                <a:tint val="15000"/>
+                <a:satMod val="350000"/>
+              </a:schemeClr>
+            </a:gs>
+          </a:gsLst>
+          <a:lin ang="16200000" scaled="1"/>
+        </a:gradFill>
+        <a:gradFill rotWithShape="1">
+          <a:gsLst>
+            <a:gs pos="0">
+              <a:schemeClr val="phClr">
+                <a:tint val="100000"/>
+                <a:shade val="100000"/>
+                <a:satMod val="130000"/>
+              </a:schemeClr>
+            </a:gs>
+            <a:gs pos="100000">
+              <a:schemeClr val="phClr">
+                <a:tint val="50000"/>
+                <a:shade val="100000"/>
+                <a:satMod val="350000"/>
+              </a:schemeClr>
+            </a:gs>
+          </a:gsLst>
+          <a:lin ang="16200000" scaled="0"/>
+        </a:gradFill>
+      </a:fillStyleLst>
+      <a:lnStyleLst>
+        <a:ln w="9525" cap="flat" cmpd="sng" algn="ctr">
+          <a:solidFill>
+            <a:schemeClr val="phClr">
+              <a:shade val="95000"/>
+              <a:satMod val="105000"/>
+            </a:schemeClr>
+          </a:solidFill>
+          <a:prstDash val="solid"/>
+        </a:ln>
+        <a:ln w="25400" cap="flat" cmpd="sng" algn="ctr">
+          <a:solidFill>
+            <a:schemeClr val="phClr"/>
+          </a:solidFill>
+          <a:prstDash val="solid"/>
+        </a:ln>
+        <a:ln w="38100" cap="flat" cmpd="sng" algn="ctr">
+          <a:solidFill>
+            <a:schemeClr val="phClr"/>
+          </a:solidFill>
+          <a:prstDash val="solid"/>
+        </a:ln>
+      </a:lnStyleLst>
+      <a:effectStyleLst>
+        <a:effectStyle>
+          <a:effectLst>
+            <a:outerShdw blurRad="40000" dist="20000" dir="5400000" rotWithShape="0">
+              <a:srgbClr val="000000">
+                <a:alpha val="38000"/>
+              </a:srgbClr>
+            </a:outerShdw>
+          </a:effectLst>
+        </a:effectStyle>
+        <a:effectStyle>
+          <a:effectLst>
+            <a:outerShdw blurRad="40000" dist="23000" dir="5400000" rotWithShape="0">
+              <a:srgbClr val="000000">
+                <a:alpha val="35000"/>
+              </a:srgbClr>
+            </a:outerShdw>
+          </a:effectLst>
+        </a:effectStyle>
+        <a:effectStyle>
+          <a:effectLst>
+            <a:outerShdw blurRad="40000" dist="23000" dir="5400000" rotWithShape="0">
+              <a:srgbClr val="000000">
+                <a:alpha val="35000"/>
+              </a:srgbClr>
+            </a:outerShdw>
+          </a:effectLst>
+          <a:scene3d>
+            <a:camera prst="orthographicFront">
+              <a:rot lat="0" lon="0" rev="0"/>
+            </a:camera>
+            <a:lightRig rig="threePt" dir="t">
+              <a:rot lat="0" lon="0" rev="1200000"/>
+            </a:lightRig>
+          </a:scene3d>
+          <a:sp3d>
+            <a:bevelT w="63500" h="25400"/>
+          </a:sp3d>
+        </a:effectStyle>
+      </a:effectStyleLst>
+      <a:bgFillStyleLst>
+        <a:solidFill>
+          <a:schemeClr val="phClr"/>
+        </a:solidFill>
+        <a:gradFill rotWithShape="1">
+          <a:gsLst>
+            <a:gs pos="0">
+              <a:schemeClr val="phClr">
+                <a:tint val="40000"/>
+                <a:satMod val="350000"/>
+              </a:schemeClr>
+            </a:gs>
+            <a:gs pos="40000">
+              <a:schemeClr val="phClr">
+                <a:tint val="45000"/>
+                <a:shade val="99000"/>
+                <a:satMod val="350000"/>
+              </a:schemeClr>
+            </a:gs>
+            <a:gs pos="100000">
+              <a:schemeClr val="phClr">
+                <a:shade val="20000"/>
+                <a:satMod val="255000"/>
+              </a:schemeClr>
+            </a:gs>
+          </a:gsLst>
+          <a:path path="circle">
+            <a:fillToRect l="50000" t="-80000" r="50000" b="180000"/>
+          </a:path>
+        </a:gradFill>
+        <a:gradFill rotWithShape="1">
+          <a:gsLst>
+            <a:gs pos="0">
+              <a:schemeClr val="phClr">
+                <a:tint val="80000"/>
+                <a:satMod val="300000"/>
+              </a:schemeClr>
+            </a:gs>
+            <a:gs pos="100000">
+              <a:schemeClr val="phClr">
+                <a:shade val="30000"/>
+                <a:satMod val="200000"/>
+              </a:schemeClr>
+            </a:gs>
+          </a:gsLst>
+          <a:path path="circle">
+            <a:fillToRect l="50000" t="50000" r="50000" b="50000"/>
+          </a:path>
+        </a:gradFill>
+      </a:bgFillStyleLst>
+    </a:fmtScheme>
+  </a:themeElements>
+</a:theme>
+</file>
+
+<file path=ppt/theme/theme2.xml><?xml version="1.0" encoding="utf-8"?>
 <a:theme xmlns:a="http://schemas.openxmlformats.org/drawingml/2006/main" xmlns:r="http://schemas.openxmlformats.org/officeDocument/2006/relationships" name="Simple Light">
   <a:themeElements>
     <a:clrScheme name="Simple Light">
@@ -11091,283 +11391,4 @@
     </a:fmtScheme>
   </a:themeElements>
 </a:theme>
-</file>
-
-<file path=ppt/theme/theme2.xml><?xml version="1.0" encoding="utf-8"?>
-<a:theme xmlns:a="http://schemas.openxmlformats.org/drawingml/2006/main" xmlns:r="http://schemas.openxmlformats.org/officeDocument/2006/relationships">
-  <a:themeElements>
-    <a:clrScheme name="Default">
-      <a:dk1>
-        <a:srgbClr val="000000"/>
-      </a:dk1>
-      <a:lt1>
-        <a:srgbClr val="FFFFFF"/>
-      </a:lt1>
-      <a:dk2>
-        <a:srgbClr val="158158"/>
-      </a:dk2>
-      <a:lt2>
-        <a:srgbClr val="F3F3F3"/>
-      </a:lt2>
-      <a:accent1>
-        <a:srgbClr val="058DC7"/>
-      </a:accent1>
-      <a:accent2>
-        <a:srgbClr val="50B432"/>
-      </a:accent2>
-      <a:accent3>
-        <a:srgbClr val="ED561B"/>
-      </a:accent3>
-      <a:accent4>
-        <a:srgbClr val="EDEF00"/>
-      </a:accent4>
-      <a:accent5>
-        <a:srgbClr val="24CBE5"/>
-      </a:accent5>
-      <a:accent6>
-        <a:srgbClr val="64E572"/>
-      </a:accent6>
-      <a:hlink>
-        <a:srgbClr val="2200CC"/>
-      </a:hlink>
-      <a:folHlink>
-        <a:srgbClr val="551A8B"/>
-      </a:folHlink>
-    </a:clrScheme>
-    <a:fontScheme name="Office">
-      <a:majorFont>
-        <a:latin typeface="Arial"/>
-        <a:ea typeface=""/>
-        <a:cs typeface=""/>
-        <a:font script="Jpan" typeface="ＭＳ Ｐゴシック"/>
-        <a:font script="Hang" typeface="맑은 고딕"/>
-        <a:font script="Hans" typeface="宋体"/>
-        <a:font script="Hant" typeface="新細明體"/>
-        <a:font script="Arab" typeface="Times New Roman"/>
-        <a:font script="Hebr" typeface="Times New Roman"/>
-        <a:font script="Thai" typeface="Angsana New"/>
-        <a:font script="Ethi" typeface="Nyala"/>
-        <a:font script="Beng" typeface="Vrinda"/>
-        <a:font script="Gujr" typeface="Shruti"/>
-        <a:font script="Khmr" typeface="MoolBoran"/>
-        <a:font script="Knda" typeface="Tunga"/>
-        <a:font script="Guru" typeface="Raavi"/>
-        <a:font script="Cans" typeface="Euphemia"/>
-        <a:font script="Cher" typeface="Plantagenet Cherokee"/>
-        <a:font script="Yiii" typeface="Microsoft Yi Baiti"/>
-        <a:font script="Tibt" typeface="Microsoft Himalaya"/>
-        <a:font script="Thaa" typeface="MV Boli"/>
-        <a:font script="Deva" typeface="Mangal"/>
-        <a:font script="Telu" typeface="Gautami"/>
-        <a:font script="Taml" typeface="Latha"/>
-        <a:font script="Syrc" typeface="Estrangelo Edessa"/>
-        <a:font script="Orya" typeface="Kalinga"/>
-        <a:font script="Mlym" typeface="Kartika"/>
-        <a:font script="Laoo" typeface="DokChampa"/>
-        <a:font script="Sinh" typeface="Iskoola Pota"/>
-        <a:font script="Mong" typeface="Mongolian Baiti"/>
-        <a:font script="Viet" typeface="Times New Roman"/>
-        <a:font script="Uigh" typeface="Microsoft Uighur"/>
-        <a:font script="Geor" typeface="Sylfaen"/>
-      </a:majorFont>
-      <a:minorFont>
-        <a:latin typeface="Arial"/>
-        <a:ea typeface=""/>
-        <a:cs typeface=""/>
-        <a:font script="Jpan" typeface="ＭＳ Ｐゴシック"/>
-        <a:font script="Hang" typeface="맑은 고딕"/>
-        <a:font script="Hans" typeface="宋体"/>
-        <a:font script="Hant" typeface="新細明體"/>
-        <a:font script="Arab" typeface="Arial"/>
-        <a:font script="Hebr" typeface="Arial"/>
-        <a:font script="Thai" typeface="Cordia New"/>
-        <a:font script="Ethi" typeface="Nyala"/>
-        <a:font script="Beng" typeface="Vrinda"/>
-        <a:font script="Gujr" typeface="Shruti"/>
-        <a:font script="Khmr" typeface="DaunPenh"/>
-        <a:font script="Knda" typeface="Tunga"/>
-        <a:font script="Guru" typeface="Raavi"/>
-        <a:font script="Cans" typeface="Euphemia"/>
-        <a:font script="Cher" typeface="Plantagenet Cherokee"/>
-        <a:font script="Yiii" typeface="Microsoft Yi Baiti"/>
-        <a:font script="Tibt" typeface="Microsoft Himalaya"/>
-        <a:font script="Thaa" typeface="MV Boli"/>
-        <a:font script="Deva" typeface="Mangal"/>
-        <a:font script="Telu" typeface="Gautami"/>
-        <a:font script="Taml" typeface="Latha"/>
-        <a:font script="Syrc" typeface="Estrangelo Edessa"/>
-        <a:font script="Orya" typeface="Kalinga"/>
-        <a:font script="Mlym" typeface="Kartika"/>
-        <a:font script="Laoo" typeface="DokChampa"/>
-        <a:font script="Sinh" typeface="Iskoola Pota"/>
-        <a:font script="Mong" typeface="Mongolian Baiti"/>
-        <a:font script="Viet" typeface="Arial"/>
-        <a:font script="Uigh" typeface="Microsoft Uighur"/>
-        <a:font script="Geor" typeface="Sylfaen"/>
-      </a:minorFont>
-    </a:fontScheme>
-    <a:fmtScheme name="Office">
-      <a:fillStyleLst>
-        <a:solidFill>
-          <a:schemeClr val="phClr"/>
-        </a:solidFill>
-        <a:gradFill rotWithShape="1">
-          <a:gsLst>
-            <a:gs pos="0">
-              <a:schemeClr val="phClr">
-                <a:tint val="50000"/>
-                <a:satMod val="300000"/>
-              </a:schemeClr>
-            </a:gs>
-            <a:gs pos="35000">
-              <a:schemeClr val="phClr">
-                <a:tint val="37000"/>
-                <a:satMod val="300000"/>
-              </a:schemeClr>
-            </a:gs>
-            <a:gs pos="100000">
-              <a:schemeClr val="phClr">
-                <a:tint val="15000"/>
-                <a:satMod val="350000"/>
-              </a:schemeClr>
-            </a:gs>
-          </a:gsLst>
-          <a:lin ang="16200000" scaled="1"/>
-        </a:gradFill>
-        <a:gradFill rotWithShape="1">
-          <a:gsLst>
-            <a:gs pos="0">
-              <a:schemeClr val="phClr">
-                <a:tint val="100000"/>
-                <a:shade val="100000"/>
-                <a:satMod val="130000"/>
-              </a:schemeClr>
-            </a:gs>
-            <a:gs pos="100000">
-              <a:schemeClr val="phClr">
-                <a:tint val="50000"/>
-                <a:shade val="100000"/>
-                <a:satMod val="350000"/>
-              </a:schemeClr>
-            </a:gs>
-          </a:gsLst>
-          <a:lin ang="16200000" scaled="0"/>
-        </a:gradFill>
-      </a:fillStyleLst>
-      <a:lnStyleLst>
-        <a:ln w="9525" cap="flat" cmpd="sng" algn="ctr">
-          <a:solidFill>
-            <a:schemeClr val="phClr">
-              <a:shade val="95000"/>
-              <a:satMod val="105000"/>
-            </a:schemeClr>
-          </a:solidFill>
-          <a:prstDash val="solid"/>
-        </a:ln>
-        <a:ln w="25400" cap="flat" cmpd="sng" algn="ctr">
-          <a:solidFill>
-            <a:schemeClr val="phClr"/>
-          </a:solidFill>
-          <a:prstDash val="solid"/>
-        </a:ln>
-        <a:ln w="38100" cap="flat" cmpd="sng" algn="ctr">
-          <a:solidFill>
-            <a:schemeClr val="phClr"/>
-          </a:solidFill>
-          <a:prstDash val="solid"/>
-        </a:ln>
-      </a:lnStyleLst>
-      <a:effectStyleLst>
-        <a:effectStyle>
-          <a:effectLst>
-            <a:outerShdw blurRad="40000" dist="20000" dir="5400000" rotWithShape="0">
-              <a:srgbClr val="000000">
-                <a:alpha val="38000"/>
-              </a:srgbClr>
-            </a:outerShdw>
-          </a:effectLst>
-        </a:effectStyle>
-        <a:effectStyle>
-          <a:effectLst>
-            <a:outerShdw blurRad="40000" dist="23000" dir="5400000" rotWithShape="0">
-              <a:srgbClr val="000000">
-                <a:alpha val="35000"/>
-              </a:srgbClr>
-            </a:outerShdw>
-          </a:effectLst>
-        </a:effectStyle>
-        <a:effectStyle>
-          <a:effectLst>
-            <a:outerShdw blurRad="40000" dist="23000" dir="5400000" rotWithShape="0">
-              <a:srgbClr val="000000">
-                <a:alpha val="35000"/>
-              </a:srgbClr>
-            </a:outerShdw>
-          </a:effectLst>
-          <a:scene3d>
-            <a:camera prst="orthographicFront">
-              <a:rot lat="0" lon="0" rev="0"/>
-            </a:camera>
-            <a:lightRig rig="threePt" dir="t">
-              <a:rot lat="0" lon="0" rev="1200000"/>
-            </a:lightRig>
-          </a:scene3d>
-          <a:sp3d>
-            <a:bevelT w="63500" h="25400"/>
-          </a:sp3d>
-        </a:effectStyle>
-      </a:effectStyleLst>
-      <a:bgFillStyleLst>
-        <a:solidFill>
-          <a:schemeClr val="phClr"/>
-        </a:solidFill>
-        <a:gradFill rotWithShape="1">
-          <a:gsLst>
-            <a:gs pos="0">
-              <a:schemeClr val="phClr">
-                <a:tint val="40000"/>
-                <a:satMod val="350000"/>
-              </a:schemeClr>
-            </a:gs>
-            <a:gs pos="40000">
-              <a:schemeClr val="phClr">
-                <a:tint val="45000"/>
-                <a:shade val="99000"/>
-                <a:satMod val="350000"/>
-              </a:schemeClr>
-            </a:gs>
-            <a:gs pos="100000">
-              <a:schemeClr val="phClr">
-                <a:shade val="20000"/>
-                <a:satMod val="255000"/>
-              </a:schemeClr>
-            </a:gs>
-          </a:gsLst>
-          <a:path path="circle">
-            <a:fillToRect l="50000" t="-80000" r="50000" b="180000"/>
-          </a:path>
-        </a:gradFill>
-        <a:gradFill rotWithShape="1">
-          <a:gsLst>
-            <a:gs pos="0">
-              <a:schemeClr val="phClr">
-                <a:tint val="80000"/>
-                <a:satMod val="300000"/>
-              </a:schemeClr>
-            </a:gs>
-            <a:gs pos="100000">
-              <a:schemeClr val="phClr">
-                <a:shade val="30000"/>
-                <a:satMod val="200000"/>
-              </a:schemeClr>
-            </a:gs>
-          </a:gsLst>
-          <a:path path="circle">
-            <a:fillToRect l="50000" t="50000" r="50000" b="50000"/>
-          </a:path>
-        </a:gradFill>
-      </a:bgFillStyleLst>
-    </a:fmtScheme>
-  </a:themeElements>
-</a:theme>
 </file>